--- a/Sortari.pptx
+++ b/Sortari.pptx
@@ -5,17 +5,24 @@
     <p:sldMasterId id="2147483660" r:id="rId4"/>
   </p:sldMasterIdLst>
   <p:notesMasterIdLst>
-    <p:notesMasterId r:id="rId13"/>
+    <p:notesMasterId r:id="rId20"/>
   </p:notesMasterIdLst>
   <p:sldIdLst>
     <p:sldId id="278" r:id="rId5"/>
-    <p:sldId id="281" r:id="rId6"/>
-    <p:sldId id="279" r:id="rId7"/>
-    <p:sldId id="280" r:id="rId8"/>
-    <p:sldId id="282" r:id="rId9"/>
-    <p:sldId id="283" r:id="rId10"/>
-    <p:sldId id="284" r:id="rId11"/>
-    <p:sldId id="285" r:id="rId12"/>
+    <p:sldId id="286" r:id="rId6"/>
+    <p:sldId id="281" r:id="rId7"/>
+    <p:sldId id="287" r:id="rId8"/>
+    <p:sldId id="279" r:id="rId9"/>
+    <p:sldId id="288" r:id="rId10"/>
+    <p:sldId id="280" r:id="rId11"/>
+    <p:sldId id="289" r:id="rId12"/>
+    <p:sldId id="282" r:id="rId13"/>
+    <p:sldId id="290" r:id="rId14"/>
+    <p:sldId id="283" r:id="rId15"/>
+    <p:sldId id="291" r:id="rId16"/>
+    <p:sldId id="284" r:id="rId17"/>
+    <p:sldId id="285" r:id="rId18"/>
+    <p:sldId id="292" r:id="rId19"/>
   </p:sldIdLst>
   <p:sldSz cx="12192000" cy="6858000"/>
   <p:notesSz cx="6858000" cy="9144000"/>
@@ -120,13 +127,20 @@
         <p14:section name="Default Section" id="{E8786864-39A8-48EA-87E6-BB378A31308F}">
           <p14:sldIdLst>
             <p14:sldId id="278"/>
+            <p14:sldId id="286"/>
             <p14:sldId id="281"/>
+            <p14:sldId id="287"/>
             <p14:sldId id="279"/>
+            <p14:sldId id="288"/>
             <p14:sldId id="280"/>
+            <p14:sldId id="289"/>
             <p14:sldId id="282"/>
+            <p14:sldId id="290"/>
             <p14:sldId id="283"/>
+            <p14:sldId id="291"/>
             <p14:sldId id="284"/>
             <p14:sldId id="285"/>
+            <p14:sldId id="292"/>
           </p14:sldIdLst>
         </p14:section>
       </p14:sectionLst>
@@ -552,7 +566,7 @@
           <a:p>
             <a:fld id="{2E6DE88F-1F85-4A27-9D34-D74A50E7B0DA}" type="slidenum">
               <a:rPr lang="en-US" smtClean="0"/>
-              <a:t>2</a:t>
+              <a:t>3</a:t>
             </a:fld>
             <a:endParaRPr lang="en-US" dirty="0"/>
           </a:p>
@@ -683,7 +697,7 @@
                 <a:tabLst/>
                 <a:defRPr/>
               </a:pPr>
-              <a:t>3</a:t>
+              <a:t>5</a:t>
             </a:fld>
             <a:endParaRPr kumimoji="0" lang="en-US" sz="1200" b="0" i="0" u="none" strike="noStrike" kern="1200" cap="none" spc="0" normalizeH="0" baseline="0" noProof="0">
               <a:ln>
@@ -6579,7 +6593,7 @@
           </a:effectLst>
           <a:extLst>
             <a:ext uri="{91240B29-F687-4f45-9708-019B960494DF}">
-              <a14:hiddenLine xmlns:a16="http://schemas.microsoft.com/office/drawing/2014/main" xmlns:p14="http://schemas.microsoft.com/office/powerpoint/2010/main" xmlns:a14="http://schemas.microsoft.com/office/drawing/2010/main" xmlns="" w="9525">
+              <a14:hiddenLine xmlns="" xmlns:a14="http://schemas.microsoft.com/office/drawing/2010/main" xmlns:p14="http://schemas.microsoft.com/office/powerpoint/2010/main" xmlns:a16="http://schemas.microsoft.com/office/drawing/2014/main" w="9525">
                 <a:solidFill>
                   <a:srgbClr val="000000"/>
                 </a:solidFill>
@@ -6721,7 +6735,17 @@
               <a:rPr lang="en-US" dirty="0"/>
               <a:t> Alexandru-Alin</a:t>
             </a:r>
-            <a:endParaRPr lang="en-US" sz="2300" dirty="0"/>
+          </a:p>
+          <a:p>
+            <a:pPr algn="l"/>
+            <a:r>
+              <a:rPr lang="en-US" sz="2300" dirty="0" err="1"/>
+              <a:t>Grupa</a:t>
+            </a:r>
+            <a:r>
+              <a:rPr lang="en-US" sz="2300" dirty="0"/>
+              <a:t> 133</a:t>
+            </a:r>
           </a:p>
         </p:txBody>
       </p:sp>
@@ -6738,7 +6762,4016 @@
 </p:sld>
 </file>
 
+<file path=ppt/slides/slide10.xml><?xml version="1.0" encoding="utf-8"?>
+<p:sld xmlns:a="http://schemas.openxmlformats.org/drawingml/2006/main" xmlns:r="http://schemas.openxmlformats.org/officeDocument/2006/relationships" xmlns:p="http://schemas.openxmlformats.org/presentationml/2006/main">
+  <p:cSld>
+    <p:spTree>
+      <p:nvGrpSpPr>
+        <p:cNvPr id="1" name=""/>
+        <p:cNvGrpSpPr/>
+        <p:nvPr/>
+      </p:nvGrpSpPr>
+      <p:grpSpPr>
+        <a:xfrm>
+          <a:off x="0" y="0"/>
+          <a:ext cx="0" cy="0"/>
+          <a:chOff x="0" y="0"/>
+          <a:chExt cx="0" cy="0"/>
+        </a:xfrm>
+      </p:grpSpPr>
+      <p:pic>
+        <p:nvPicPr>
+          <p:cNvPr id="4100" name="Picture 4" descr="How does your 3-way quicksort algorithm work? - Quora">
+            <a:extLst>
+              <a:ext uri="{FF2B5EF4-FFF2-40B4-BE49-F238E27FC236}">
+                <a16:creationId xmlns:a16="http://schemas.microsoft.com/office/drawing/2014/main" id="{0A38CF0C-888E-4826-A6A3-7E5C0016DD1D}"/>
+              </a:ext>
+            </a:extLst>
+          </p:cNvPr>
+          <p:cNvPicPr>
+            <a:picLocks noChangeAspect="1" noChangeArrowheads="1"/>
+          </p:cNvPicPr>
+          <p:nvPr/>
+        </p:nvPicPr>
+        <p:blipFill>
+          <a:blip r:embed="rId2">
+            <a:extLst>
+              <a:ext uri="{28A0092B-C50C-407E-A947-70E740481C1C}">
+                <a14:useLocalDpi xmlns:a14="http://schemas.microsoft.com/office/drawing/2010/main" val="0"/>
+              </a:ext>
+            </a:extLst>
+          </a:blip>
+          <a:srcRect/>
+          <a:stretch>
+            <a:fillRect/>
+          </a:stretch>
+        </p:blipFill>
+        <p:spPr bwMode="auto">
+          <a:xfrm>
+            <a:off x="0" y="747023"/>
+            <a:ext cx="12191999" cy="6110977"/>
+          </a:xfrm>
+          <a:prstGeom prst="rect">
+            <a:avLst/>
+          </a:prstGeom>
+          <a:noFill/>
+          <a:extLst>
+            <a:ext uri="{909E8E84-426E-40DD-AFC4-6F175D3DCCD1}">
+              <a14:hiddenFill xmlns:a14="http://schemas.microsoft.com/office/drawing/2010/main">
+                <a:solidFill>
+                  <a:srgbClr val="FFFFFF"/>
+                </a:solidFill>
+              </a14:hiddenFill>
+            </a:ext>
+          </a:extLst>
+        </p:spPr>
+      </p:pic>
+      <p:sp>
+        <p:nvSpPr>
+          <p:cNvPr id="4" name="TextBox 3">
+            <a:extLst>
+              <a:ext uri="{FF2B5EF4-FFF2-40B4-BE49-F238E27FC236}">
+                <a16:creationId xmlns:a16="http://schemas.microsoft.com/office/drawing/2014/main" id="{7B1E0F93-CC8B-438B-84CF-08AB3E441668}"/>
+              </a:ext>
+            </a:extLst>
+          </p:cNvPr>
+          <p:cNvSpPr txBox="1"/>
+          <p:nvPr/>
+        </p:nvSpPr>
+        <p:spPr>
+          <a:xfrm>
+            <a:off x="2209799" y="162248"/>
+            <a:ext cx="7772400" cy="584775"/>
+          </a:xfrm>
+          <a:prstGeom prst="rect">
+            <a:avLst/>
+          </a:prstGeom>
+          <a:noFill/>
+        </p:spPr>
+        <p:txBody>
+          <a:bodyPr wrap="square" rtlCol="0">
+            <a:spAutoFit/>
+          </a:bodyPr>
+          <a:lstStyle/>
+          <a:p>
+            <a:r>
+              <a:rPr lang="en-GB" sz="3200" dirty="0" err="1"/>
+              <a:t>Mecanism</a:t>
+            </a:r>
+            <a:r>
+              <a:rPr lang="en-GB" sz="3200" dirty="0"/>
+              <a:t> </a:t>
+            </a:r>
+            <a:r>
+              <a:rPr lang="en-GB" sz="3200" dirty="0" err="1"/>
+              <a:t>Functionare</a:t>
+            </a:r>
+            <a:r>
+              <a:rPr lang="en-GB" sz="3200" dirty="0"/>
+              <a:t> TWP din Quick Sort</a:t>
+            </a:r>
+            <a:endParaRPr lang="ro-RO" sz="3200" dirty="0"/>
+          </a:p>
+        </p:txBody>
+      </p:sp>
+    </p:spTree>
+    <p:extLst>
+      <p:ext uri="{BB962C8B-B14F-4D97-AF65-F5344CB8AC3E}">
+        <p14:creationId xmlns:p14="http://schemas.microsoft.com/office/powerpoint/2010/main" val="42342450"/>
+      </p:ext>
+    </p:extLst>
+  </p:cSld>
+  <p:clrMapOvr>
+    <a:masterClrMapping/>
+  </p:clrMapOvr>
+</p:sld>
+</file>
+
+<file path=ppt/slides/slide11.xml><?xml version="1.0" encoding="utf-8"?>
+<p:sld xmlns:a="http://schemas.openxmlformats.org/drawingml/2006/main" xmlns:r="http://schemas.openxmlformats.org/officeDocument/2006/relationships" xmlns:p="http://schemas.openxmlformats.org/presentationml/2006/main">
+  <p:cSld>
+    <p:spTree>
+      <p:nvGrpSpPr>
+        <p:cNvPr id="1" name=""/>
+        <p:cNvGrpSpPr/>
+        <p:nvPr/>
+      </p:nvGrpSpPr>
+      <p:grpSpPr>
+        <a:xfrm>
+          <a:off x="0" y="0"/>
+          <a:ext cx="0" cy="0"/>
+          <a:chOff x="0" y="0"/>
+          <a:chExt cx="0" cy="0"/>
+        </a:xfrm>
+      </p:grpSpPr>
+      <p:pic>
+        <p:nvPicPr>
+          <p:cNvPr id="4" name="Picture 3">
+            <a:extLst>
+              <a:ext uri="{FF2B5EF4-FFF2-40B4-BE49-F238E27FC236}">
+                <a16:creationId xmlns:a16="http://schemas.microsoft.com/office/drawing/2014/main" id="{8A9104F2-587D-43C7-8967-3653D97B3C78}"/>
+              </a:ext>
+              <a:ext uri="{C183D7F6-B498-43B3-948B-1728B52AA6E4}">
+                <adec:decorative xmlns:adec="http://schemas.microsoft.com/office/drawing/2017/decorative" val="1"/>
+              </a:ext>
+            </a:extLst>
+          </p:cNvPr>
+          <p:cNvPicPr>
+            <a:picLocks noChangeAspect="1"/>
+          </p:cNvPicPr>
+          <p:nvPr/>
+        </p:nvPicPr>
+        <p:blipFill rotWithShape="1">
+          <a:blip r:embed="rId2">
+            <a:extLst>
+              <a:ext uri="{28A0092B-C50C-407E-A947-70E740481C1C}">
+                <a14:useLocalDpi xmlns:a14="http://schemas.microsoft.com/office/drawing/2010/main" val="0"/>
+              </a:ext>
+            </a:extLst>
+          </a:blip>
+          <a:srcRect b="-1"/>
+          <a:stretch/>
+        </p:blipFill>
+        <p:spPr>
+          <a:xfrm>
+            <a:off x="0" y="10"/>
+            <a:ext cx="6096000" cy="6857990"/>
+          </a:xfrm>
+          <a:prstGeom prst="rect">
+            <a:avLst/>
+          </a:prstGeom>
+        </p:spPr>
+      </p:pic>
+      <p:sp>
+        <p:nvSpPr>
+          <p:cNvPr id="2" name="Title 1">
+            <a:extLst>
+              <a:ext uri="{FF2B5EF4-FFF2-40B4-BE49-F238E27FC236}">
+                <a16:creationId xmlns:a16="http://schemas.microsoft.com/office/drawing/2014/main" id="{A4E4A641-04C4-467B-8584-DF403DB4E97D}"/>
+              </a:ext>
+            </a:extLst>
+          </p:cNvPr>
+          <p:cNvSpPr>
+            <a:spLocks noGrp="1"/>
+          </p:cNvSpPr>
+          <p:nvPr>
+            <p:ph type="title"/>
+          </p:nvPr>
+        </p:nvSpPr>
+        <p:spPr>
+          <a:xfrm>
+            <a:off x="913795" y="609600"/>
+            <a:ext cx="4460310" cy="1257300"/>
+          </a:xfrm>
+        </p:spPr>
+        <p:txBody>
+          <a:bodyPr/>
+          <a:lstStyle/>
+          <a:p>
+            <a:r>
+              <a:rPr lang="en-GB" dirty="0">
+                <a:solidFill>
+                  <a:schemeClr val="bg1"/>
+                </a:solidFill>
+              </a:rPr>
+              <a:t>Heap Sort</a:t>
+            </a:r>
+            <a:endParaRPr lang="ro-RO" dirty="0">
+              <a:solidFill>
+                <a:schemeClr val="bg1"/>
+              </a:solidFill>
+            </a:endParaRPr>
+          </a:p>
+        </p:txBody>
+      </p:sp>
+      <p:sp>
+        <p:nvSpPr>
+          <p:cNvPr id="3" name="Content Placeholder 2">
+            <a:extLst>
+              <a:ext uri="{FF2B5EF4-FFF2-40B4-BE49-F238E27FC236}">
+                <a16:creationId xmlns:a16="http://schemas.microsoft.com/office/drawing/2014/main" id="{390A8995-AE4F-4CF4-8126-3DD5D156F560}"/>
+              </a:ext>
+            </a:extLst>
+          </p:cNvPr>
+          <p:cNvSpPr>
+            <a:spLocks noGrp="1"/>
+          </p:cNvSpPr>
+          <p:nvPr>
+            <p:ph idx="1"/>
+          </p:nvPr>
+        </p:nvSpPr>
+        <p:spPr>
+          <a:xfrm>
+            <a:off x="913795" y="2076450"/>
+            <a:ext cx="4460310" cy="3714749"/>
+          </a:xfrm>
+        </p:spPr>
+        <p:txBody>
+          <a:bodyPr>
+            <a:normAutofit fontScale="92500" lnSpcReduction="10000"/>
+          </a:bodyPr>
+          <a:lstStyle/>
+          <a:p>
+            <a:r>
+              <a:rPr lang="en-GB" dirty="0" err="1">
+                <a:solidFill>
+                  <a:schemeClr val="bg1"/>
+                </a:solidFill>
+              </a:rPr>
+              <a:t>Algoritmul</a:t>
+            </a:r>
+            <a:r>
+              <a:rPr lang="en-GB" dirty="0">
+                <a:solidFill>
+                  <a:schemeClr val="bg1"/>
+                </a:solidFill>
+              </a:rPr>
+              <a:t> de heap sort </a:t>
+            </a:r>
+            <a:r>
+              <a:rPr lang="en-GB" dirty="0" err="1">
+                <a:solidFill>
+                  <a:schemeClr val="bg1"/>
+                </a:solidFill>
+              </a:rPr>
+              <a:t>este</a:t>
+            </a:r>
+            <a:r>
+              <a:rPr lang="en-GB" dirty="0">
+                <a:solidFill>
+                  <a:schemeClr val="bg1"/>
+                </a:solidFill>
+              </a:rPr>
+              <a:t> un </a:t>
+            </a:r>
+            <a:r>
+              <a:rPr lang="en-GB" dirty="0" err="1">
+                <a:solidFill>
+                  <a:schemeClr val="bg1"/>
+                </a:solidFill>
+              </a:rPr>
+              <a:t>algoritm</a:t>
+            </a:r>
+            <a:r>
+              <a:rPr lang="en-GB" dirty="0">
+                <a:solidFill>
+                  <a:schemeClr val="bg1"/>
+                </a:solidFill>
+              </a:rPr>
+              <a:t> </a:t>
+            </a:r>
+            <a:r>
+              <a:rPr lang="en-GB" dirty="0" err="1">
+                <a:solidFill>
+                  <a:schemeClr val="bg1"/>
+                </a:solidFill>
+              </a:rPr>
+              <a:t>recursiv</a:t>
+            </a:r>
+            <a:r>
+              <a:rPr lang="en-GB" dirty="0">
+                <a:solidFill>
+                  <a:schemeClr val="bg1"/>
+                </a:solidFill>
+              </a:rPr>
+              <a:t>, </a:t>
+            </a:r>
+            <a:r>
+              <a:rPr lang="en-GB" dirty="0" err="1">
+                <a:solidFill>
+                  <a:schemeClr val="bg1"/>
+                </a:solidFill>
+              </a:rPr>
+              <a:t>ce</a:t>
+            </a:r>
+            <a:r>
+              <a:rPr lang="en-GB" dirty="0">
+                <a:solidFill>
+                  <a:schemeClr val="bg1"/>
+                </a:solidFill>
+              </a:rPr>
+              <a:t> initial </a:t>
+            </a:r>
+            <a:r>
+              <a:rPr lang="en-GB" dirty="0" err="1">
+                <a:solidFill>
+                  <a:schemeClr val="bg1"/>
+                </a:solidFill>
+              </a:rPr>
+              <a:t>preia</a:t>
+            </a:r>
+            <a:r>
+              <a:rPr lang="en-GB" dirty="0">
+                <a:solidFill>
+                  <a:schemeClr val="bg1"/>
+                </a:solidFill>
+              </a:rPr>
+              <a:t> un vector </a:t>
+            </a:r>
+            <a:r>
+              <a:rPr lang="en-GB" dirty="0" err="1">
+                <a:solidFill>
+                  <a:schemeClr val="bg1"/>
+                </a:solidFill>
+              </a:rPr>
+              <a:t>si</a:t>
+            </a:r>
+            <a:r>
+              <a:rPr lang="en-GB" dirty="0">
+                <a:solidFill>
+                  <a:schemeClr val="bg1"/>
+                </a:solidFill>
+              </a:rPr>
+              <a:t> il </a:t>
+            </a:r>
+            <a:r>
+              <a:rPr lang="en-GB" dirty="0" err="1">
+                <a:solidFill>
+                  <a:schemeClr val="bg1"/>
+                </a:solidFill>
+              </a:rPr>
+              <a:t>transforma</a:t>
+            </a:r>
+            <a:r>
+              <a:rPr lang="en-GB" dirty="0">
+                <a:solidFill>
+                  <a:schemeClr val="bg1"/>
+                </a:solidFill>
+              </a:rPr>
+              <a:t> </a:t>
+            </a:r>
+            <a:r>
+              <a:rPr lang="en-GB" dirty="0" err="1">
+                <a:solidFill>
+                  <a:schemeClr val="bg1"/>
+                </a:solidFill>
+              </a:rPr>
+              <a:t>intr</a:t>
+            </a:r>
+            <a:r>
+              <a:rPr lang="en-GB" dirty="0">
+                <a:solidFill>
+                  <a:schemeClr val="bg1"/>
+                </a:solidFill>
+              </a:rPr>
+              <a:t>-un max heap. </a:t>
+            </a:r>
+            <a:r>
+              <a:rPr lang="en-GB" dirty="0" err="1">
+                <a:solidFill>
+                  <a:schemeClr val="bg1"/>
+                </a:solidFill>
+              </a:rPr>
+              <a:t>Dupa</a:t>
+            </a:r>
+            <a:r>
+              <a:rPr lang="en-GB" dirty="0">
+                <a:solidFill>
+                  <a:schemeClr val="bg1"/>
+                </a:solidFill>
+              </a:rPr>
+              <a:t> </a:t>
+            </a:r>
+            <a:r>
+              <a:rPr lang="en-GB" dirty="0" err="1">
+                <a:solidFill>
+                  <a:schemeClr val="bg1"/>
+                </a:solidFill>
+              </a:rPr>
+              <a:t>aceea</a:t>
+            </a:r>
+            <a:r>
+              <a:rPr lang="en-GB" dirty="0">
+                <a:solidFill>
+                  <a:schemeClr val="bg1"/>
+                </a:solidFill>
+              </a:rPr>
+              <a:t> </a:t>
+            </a:r>
+            <a:r>
+              <a:rPr lang="en-GB" dirty="0" err="1">
+                <a:solidFill>
+                  <a:schemeClr val="bg1"/>
+                </a:solidFill>
+              </a:rPr>
+              <a:t>schimba</a:t>
+            </a:r>
+            <a:r>
+              <a:rPr lang="en-GB" dirty="0">
+                <a:solidFill>
+                  <a:schemeClr val="bg1"/>
+                </a:solidFill>
+              </a:rPr>
+              <a:t> </a:t>
+            </a:r>
+            <a:r>
+              <a:rPr lang="en-GB" dirty="0" err="1">
+                <a:solidFill>
+                  <a:schemeClr val="bg1"/>
+                </a:solidFill>
+              </a:rPr>
+              <a:t>elementul</a:t>
+            </a:r>
+            <a:r>
+              <a:rPr lang="en-GB" dirty="0">
+                <a:solidFill>
+                  <a:schemeClr val="bg1"/>
+                </a:solidFill>
+              </a:rPr>
+              <a:t> din </a:t>
+            </a:r>
+            <a:r>
+              <a:rPr lang="en-GB" dirty="0" err="1">
+                <a:solidFill>
+                  <a:schemeClr val="bg1"/>
+                </a:solidFill>
+              </a:rPr>
+              <a:t>radacina</a:t>
+            </a:r>
+            <a:r>
+              <a:rPr lang="en-GB" dirty="0">
+                <a:solidFill>
+                  <a:schemeClr val="bg1"/>
+                </a:solidFill>
+              </a:rPr>
+              <a:t> cu </a:t>
+            </a:r>
+            <a:r>
+              <a:rPr lang="en-GB" dirty="0" err="1">
+                <a:solidFill>
+                  <a:schemeClr val="bg1"/>
+                </a:solidFill>
+              </a:rPr>
+              <a:t>ultimul</a:t>
+            </a:r>
+            <a:r>
+              <a:rPr lang="en-GB" dirty="0">
+                <a:solidFill>
+                  <a:schemeClr val="bg1"/>
+                </a:solidFill>
+              </a:rPr>
+              <a:t> element </a:t>
+            </a:r>
+            <a:r>
+              <a:rPr lang="en-GB" dirty="0" err="1">
+                <a:solidFill>
+                  <a:schemeClr val="bg1"/>
+                </a:solidFill>
+              </a:rPr>
+              <a:t>si</a:t>
+            </a:r>
+            <a:r>
+              <a:rPr lang="en-GB" dirty="0">
+                <a:solidFill>
+                  <a:schemeClr val="bg1"/>
+                </a:solidFill>
+              </a:rPr>
+              <a:t> se </a:t>
+            </a:r>
+            <a:r>
+              <a:rPr lang="en-GB" dirty="0" err="1">
+                <a:solidFill>
+                  <a:schemeClr val="bg1"/>
+                </a:solidFill>
+              </a:rPr>
+              <a:t>apeleaza</a:t>
+            </a:r>
+            <a:r>
+              <a:rPr lang="en-GB" dirty="0">
+                <a:solidFill>
+                  <a:schemeClr val="bg1"/>
+                </a:solidFill>
+              </a:rPr>
+              <a:t> din </a:t>
+            </a:r>
+            <a:r>
+              <a:rPr lang="en-GB" dirty="0" err="1">
+                <a:solidFill>
+                  <a:schemeClr val="bg1"/>
+                </a:solidFill>
+              </a:rPr>
+              <a:t>nou</a:t>
+            </a:r>
+            <a:r>
+              <a:rPr lang="en-GB" dirty="0">
+                <a:solidFill>
+                  <a:schemeClr val="bg1"/>
+                </a:solidFill>
+              </a:rPr>
+              <a:t> </a:t>
+            </a:r>
+            <a:r>
+              <a:rPr lang="en-GB" dirty="0" err="1">
+                <a:solidFill>
+                  <a:schemeClr val="bg1"/>
+                </a:solidFill>
+              </a:rPr>
+              <a:t>transformarea</a:t>
+            </a:r>
+            <a:r>
+              <a:rPr lang="en-GB" dirty="0">
+                <a:solidFill>
+                  <a:schemeClr val="bg1"/>
+                </a:solidFill>
+              </a:rPr>
+              <a:t> in heap </a:t>
+            </a:r>
+            <a:r>
+              <a:rPr lang="en-GB" dirty="0" err="1">
+                <a:solidFill>
+                  <a:schemeClr val="bg1"/>
+                </a:solidFill>
+              </a:rPr>
+              <a:t>pentru</a:t>
+            </a:r>
+            <a:r>
+              <a:rPr lang="en-GB" dirty="0">
+                <a:solidFill>
+                  <a:schemeClr val="bg1"/>
+                </a:solidFill>
+              </a:rPr>
+              <a:t> </a:t>
+            </a:r>
+            <a:r>
+              <a:rPr lang="en-GB" dirty="0" err="1">
+                <a:solidFill>
+                  <a:schemeClr val="bg1"/>
+                </a:solidFill>
+              </a:rPr>
+              <a:t>lungimea</a:t>
+            </a:r>
+            <a:r>
+              <a:rPr lang="en-GB" dirty="0">
+                <a:solidFill>
+                  <a:schemeClr val="bg1"/>
+                </a:solidFill>
+              </a:rPr>
+              <a:t> n-1, </a:t>
+            </a:r>
+            <a:r>
+              <a:rPr lang="en-GB" dirty="0" err="1">
+                <a:solidFill>
+                  <a:schemeClr val="bg1"/>
+                </a:solidFill>
+              </a:rPr>
+              <a:t>dar</a:t>
+            </a:r>
+            <a:r>
+              <a:rPr lang="en-GB" dirty="0">
+                <a:solidFill>
+                  <a:schemeClr val="bg1"/>
+                </a:solidFill>
+              </a:rPr>
+              <a:t> de </a:t>
+            </a:r>
+            <a:r>
+              <a:rPr lang="en-GB" dirty="0" err="1">
+                <a:solidFill>
+                  <a:schemeClr val="bg1"/>
+                </a:solidFill>
+              </a:rPr>
+              <a:t>aceasta</a:t>
+            </a:r>
+            <a:r>
+              <a:rPr lang="en-GB" dirty="0">
+                <a:solidFill>
+                  <a:schemeClr val="bg1"/>
+                </a:solidFill>
+              </a:rPr>
+              <a:t> data heap-</a:t>
+            </a:r>
+            <a:r>
+              <a:rPr lang="en-GB" dirty="0" err="1">
+                <a:solidFill>
+                  <a:schemeClr val="bg1"/>
+                </a:solidFill>
+              </a:rPr>
+              <a:t>ul</a:t>
+            </a:r>
+            <a:r>
+              <a:rPr lang="en-GB" dirty="0">
+                <a:solidFill>
+                  <a:schemeClr val="bg1"/>
+                </a:solidFill>
+              </a:rPr>
+              <a:t> </a:t>
+            </a:r>
+            <a:r>
+              <a:rPr lang="en-GB" dirty="0" err="1">
+                <a:solidFill>
+                  <a:schemeClr val="bg1"/>
+                </a:solidFill>
+              </a:rPr>
+              <a:t>este</a:t>
+            </a:r>
+            <a:r>
+              <a:rPr lang="en-GB" dirty="0">
+                <a:solidFill>
+                  <a:schemeClr val="bg1"/>
+                </a:solidFill>
+              </a:rPr>
+              <a:t> </a:t>
+            </a:r>
+            <a:r>
+              <a:rPr lang="en-GB" dirty="0" err="1">
+                <a:solidFill>
+                  <a:schemeClr val="bg1"/>
+                </a:solidFill>
+              </a:rPr>
+              <a:t>aproape</a:t>
+            </a:r>
+            <a:r>
+              <a:rPr lang="en-GB" dirty="0">
+                <a:solidFill>
+                  <a:schemeClr val="bg1"/>
+                </a:solidFill>
+              </a:rPr>
+              <a:t> </a:t>
+            </a:r>
+            <a:r>
+              <a:rPr lang="en-GB" dirty="0" err="1">
+                <a:solidFill>
+                  <a:schemeClr val="bg1"/>
+                </a:solidFill>
+              </a:rPr>
+              <a:t>creat</a:t>
+            </a:r>
+            <a:r>
+              <a:rPr lang="en-GB" dirty="0">
+                <a:solidFill>
+                  <a:schemeClr val="bg1"/>
+                </a:solidFill>
+              </a:rPr>
+              <a:t>, </a:t>
+            </a:r>
+            <a:r>
+              <a:rPr lang="en-GB" dirty="0" err="1">
+                <a:solidFill>
+                  <a:schemeClr val="bg1"/>
+                </a:solidFill>
+              </a:rPr>
+              <a:t>fiind</a:t>
+            </a:r>
+            <a:r>
+              <a:rPr lang="en-GB" dirty="0">
+                <a:solidFill>
+                  <a:schemeClr val="bg1"/>
+                </a:solidFill>
+              </a:rPr>
+              <a:t> </a:t>
+            </a:r>
+            <a:r>
+              <a:rPr lang="en-GB" dirty="0" err="1">
+                <a:solidFill>
+                  <a:schemeClr val="bg1"/>
+                </a:solidFill>
+              </a:rPr>
+              <a:t>nevoie</a:t>
+            </a:r>
+            <a:r>
+              <a:rPr lang="en-GB" dirty="0">
+                <a:solidFill>
+                  <a:schemeClr val="bg1"/>
+                </a:solidFill>
+              </a:rPr>
+              <a:t> de maxim log2(n) </a:t>
+            </a:r>
+            <a:r>
+              <a:rPr lang="en-GB" dirty="0" err="1">
+                <a:solidFill>
+                  <a:schemeClr val="bg1"/>
+                </a:solidFill>
+              </a:rPr>
+              <a:t>schimbari</a:t>
+            </a:r>
+            <a:r>
+              <a:rPr lang="en-GB" dirty="0">
+                <a:solidFill>
+                  <a:schemeClr val="bg1"/>
+                </a:solidFill>
+              </a:rPr>
+              <a:t> </a:t>
+            </a:r>
+            <a:r>
+              <a:rPr lang="en-GB" dirty="0" err="1">
+                <a:solidFill>
+                  <a:schemeClr val="bg1"/>
+                </a:solidFill>
+              </a:rPr>
+              <a:t>pentru</a:t>
+            </a:r>
+            <a:r>
+              <a:rPr lang="en-GB" dirty="0">
+                <a:solidFill>
+                  <a:schemeClr val="bg1"/>
+                </a:solidFill>
+              </a:rPr>
+              <a:t> a se </a:t>
+            </a:r>
+            <a:r>
+              <a:rPr lang="en-GB" dirty="0" err="1">
+                <a:solidFill>
+                  <a:schemeClr val="bg1"/>
+                </a:solidFill>
+              </a:rPr>
+              <a:t>ajunge</a:t>
+            </a:r>
+            <a:r>
+              <a:rPr lang="en-GB" dirty="0">
+                <a:solidFill>
+                  <a:schemeClr val="bg1"/>
+                </a:solidFill>
+              </a:rPr>
+              <a:t> la un </a:t>
+            </a:r>
+            <a:r>
+              <a:rPr lang="en-GB" dirty="0" err="1">
+                <a:solidFill>
+                  <a:schemeClr val="bg1"/>
+                </a:solidFill>
+              </a:rPr>
+              <a:t>nou</a:t>
+            </a:r>
+            <a:r>
+              <a:rPr lang="en-GB" dirty="0">
+                <a:solidFill>
+                  <a:schemeClr val="bg1"/>
+                </a:solidFill>
+              </a:rPr>
+              <a:t> max heap.</a:t>
+            </a:r>
+            <a:endParaRPr lang="ro-RO" dirty="0">
+              <a:solidFill>
+                <a:schemeClr val="bg1"/>
+              </a:solidFill>
+            </a:endParaRPr>
+          </a:p>
+        </p:txBody>
+      </p:sp>
+      <p:graphicFrame>
+        <p:nvGraphicFramePr>
+          <p:cNvPr id="5" name="Table 5">
+            <a:extLst>
+              <a:ext uri="{FF2B5EF4-FFF2-40B4-BE49-F238E27FC236}">
+                <a16:creationId xmlns:a16="http://schemas.microsoft.com/office/drawing/2014/main" id="{02732F3D-85E3-465B-B05E-B3E125942D8F}"/>
+              </a:ext>
+            </a:extLst>
+          </p:cNvPr>
+          <p:cNvGraphicFramePr>
+            <a:graphicFrameLocks noGrp="1"/>
+          </p:cNvGraphicFramePr>
+          <p:nvPr>
+            <p:extLst>
+              <p:ext uri="{D42A27DB-BD31-4B8C-83A1-F6EECF244321}">
+                <p14:modId xmlns:p14="http://schemas.microsoft.com/office/powerpoint/2010/main" val="720143838"/>
+              </p:ext>
+            </p:extLst>
+          </p:nvPr>
+        </p:nvGraphicFramePr>
+        <p:xfrm>
+          <a:off x="6646641" y="761548"/>
+          <a:ext cx="5048052" cy="5334904"/>
+        </p:xfrm>
+        <a:graphic>
+          <a:graphicData uri="http://schemas.openxmlformats.org/drawingml/2006/table">
+            <a:tbl>
+              <a:tblPr firstRow="1" bandRow="1">
+                <a:tableStyleId>{616DA210-FB5B-4158-B5E0-FEB733F419BA}</a:tableStyleId>
+              </a:tblPr>
+              <a:tblGrid>
+                <a:gridCol w="1262013">
+                  <a:extLst>
+                    <a:ext uri="{9D8B030D-6E8A-4147-A177-3AD203B41FA5}">
+                      <a16:colId xmlns:a16="http://schemas.microsoft.com/office/drawing/2014/main" val="1914828615"/>
+                    </a:ext>
+                  </a:extLst>
+                </a:gridCol>
+                <a:gridCol w="1262013">
+                  <a:extLst>
+                    <a:ext uri="{9D8B030D-6E8A-4147-A177-3AD203B41FA5}">
+                      <a16:colId xmlns:a16="http://schemas.microsoft.com/office/drawing/2014/main" val="1766897396"/>
+                    </a:ext>
+                  </a:extLst>
+                </a:gridCol>
+                <a:gridCol w="1262013">
+                  <a:extLst>
+                    <a:ext uri="{9D8B030D-6E8A-4147-A177-3AD203B41FA5}">
+                      <a16:colId xmlns:a16="http://schemas.microsoft.com/office/drawing/2014/main" val="4023029423"/>
+                    </a:ext>
+                  </a:extLst>
+                </a:gridCol>
+                <a:gridCol w="1262013">
+                  <a:extLst>
+                    <a:ext uri="{9D8B030D-6E8A-4147-A177-3AD203B41FA5}">
+                      <a16:colId xmlns:a16="http://schemas.microsoft.com/office/drawing/2014/main" val="4006115915"/>
+                    </a:ext>
+                  </a:extLst>
+                </a:gridCol>
+              </a:tblGrid>
+              <a:tr h="1333726">
+                <a:tc>
+                  <a:txBody>
+                    <a:bodyPr/>
+                    <a:lstStyle/>
+                    <a:p>
+                      <a:pPr algn="ctr"/>
+                      <a:r>
+                        <a:rPr lang="en-GB" sz="2400" dirty="0"/>
+                        <a:t>Nr </a:t>
+                      </a:r>
+                      <a:r>
+                        <a:rPr lang="en-GB" sz="2400" dirty="0" err="1"/>
+                        <a:t>numere</a:t>
+                      </a:r>
+                      <a:r>
+                        <a:rPr lang="en-GB" sz="2400" dirty="0"/>
+                        <a:t>/Maxim</a:t>
+                      </a:r>
+                      <a:endParaRPr lang="en-US" sz="2400" dirty="0"/>
+                    </a:p>
+                  </a:txBody>
+                  <a:tcPr/>
+                </a:tc>
+                <a:tc>
+                  <a:txBody>
+                    <a:bodyPr/>
+                    <a:lstStyle/>
+                    <a:p>
+                      <a:pPr algn="ctr"/>
+                      <a:endParaRPr lang="en-GB"/>
+                    </a:p>
+                    <a:p>
+                      <a:pPr algn="ctr"/>
+                      <a:r>
+                        <a:rPr lang="en-GB" sz="1800"/>
+                        <a:t> </a:t>
+                      </a:r>
+                      <a:r>
+                        <a:rPr lang="en-GB" sz="2400"/>
+                        <a:t>10^3</a:t>
+                      </a:r>
+                    </a:p>
+                    <a:p>
+                      <a:pPr algn="ctr"/>
+                      <a:endParaRPr lang="en-US"/>
+                    </a:p>
+                  </a:txBody>
+                  <a:tcPr/>
+                </a:tc>
+                <a:tc>
+                  <a:txBody>
+                    <a:bodyPr/>
+                    <a:lstStyle/>
+                    <a:p>
+                      <a:pPr algn="ctr"/>
+                      <a:endParaRPr lang="en-GB"/>
+                    </a:p>
+                    <a:p>
+                      <a:pPr algn="ctr"/>
+                      <a:r>
+                        <a:rPr lang="en-US" sz="2400"/>
+                        <a:t>10^6</a:t>
+                      </a:r>
+                    </a:p>
+                  </a:txBody>
+                  <a:tcPr/>
+                </a:tc>
+                <a:tc>
+                  <a:txBody>
+                    <a:bodyPr/>
+                    <a:lstStyle/>
+                    <a:p>
+                      <a:pPr algn="ctr"/>
+                      <a:endParaRPr lang="en-GB"/>
+                    </a:p>
+                    <a:p>
+                      <a:pPr algn="ctr"/>
+                      <a:r>
+                        <a:rPr lang="en-US" sz="2400"/>
+                        <a:t> 10^8</a:t>
+                      </a:r>
+                    </a:p>
+                  </a:txBody>
+                  <a:tcPr/>
+                </a:tc>
+                <a:extLst>
+                  <a:ext uri="{0D108BD9-81ED-4DB2-BD59-A6C34878D82A}">
+                    <a16:rowId xmlns:a16="http://schemas.microsoft.com/office/drawing/2014/main" val="3911010688"/>
+                  </a:ext>
+                </a:extLst>
+              </a:tr>
+              <a:tr h="1333726">
+                <a:tc>
+                  <a:txBody>
+                    <a:bodyPr/>
+                    <a:lstStyle/>
+                    <a:p>
+                      <a:pPr algn="ctr"/>
+                      <a:endParaRPr lang="en-GB" dirty="0"/>
+                    </a:p>
+                    <a:p>
+                      <a:pPr algn="ctr"/>
+                      <a:r>
+                        <a:rPr lang="en-US" dirty="0"/>
+                        <a:t>10^</a:t>
+                      </a:r>
+                      <a:r>
+                        <a:rPr lang="ro-RO" dirty="0"/>
+                        <a:t>6</a:t>
+                      </a:r>
+                      <a:endParaRPr lang="en-US" dirty="0"/>
+                    </a:p>
+                  </a:txBody>
+                  <a:tcPr/>
+                </a:tc>
+                <a:tc>
+                  <a:txBody>
+                    <a:bodyPr/>
+                    <a:lstStyle/>
+                    <a:p>
+                      <a:pPr algn="ctr"/>
+                      <a:r>
+                        <a:rPr lang="en-US" dirty="0"/>
+                        <a:t>0.000395</a:t>
+                      </a:r>
+                    </a:p>
+                    <a:p>
+                      <a:pPr algn="ctr"/>
+                      <a:r>
+                        <a:rPr lang="en-US" dirty="0"/>
+                        <a:t>sec</a:t>
+                      </a:r>
+                    </a:p>
+                  </a:txBody>
+                  <a:tcPr/>
+                </a:tc>
+                <a:tc>
+                  <a:txBody>
+                    <a:bodyPr/>
+                    <a:lstStyle/>
+                    <a:p>
+                      <a:pPr algn="ctr"/>
+                      <a:r>
+                        <a:rPr lang="en-US" dirty="0"/>
+                        <a:t>0.421612</a:t>
+                      </a:r>
+                    </a:p>
+                    <a:p>
+                      <a:pPr algn="ctr"/>
+                      <a:r>
+                        <a:rPr lang="en-US" dirty="0"/>
+                        <a:t>sec</a:t>
+                      </a:r>
+                    </a:p>
+                  </a:txBody>
+                  <a:tcPr/>
+                </a:tc>
+                <a:tc>
+                  <a:txBody>
+                    <a:bodyPr/>
+                    <a:lstStyle/>
+                    <a:p>
+                      <a:pPr algn="ctr"/>
+                      <a:r>
+                        <a:rPr lang="en-US" dirty="0"/>
+                        <a:t>133.125621 sec</a:t>
+                      </a:r>
+                    </a:p>
+                  </a:txBody>
+                  <a:tcPr/>
+                </a:tc>
+                <a:extLst>
+                  <a:ext uri="{0D108BD9-81ED-4DB2-BD59-A6C34878D82A}">
+                    <a16:rowId xmlns:a16="http://schemas.microsoft.com/office/drawing/2014/main" val="3227223433"/>
+                  </a:ext>
+                </a:extLst>
+              </a:tr>
+              <a:tr h="1333726">
+                <a:tc>
+                  <a:txBody>
+                    <a:bodyPr/>
+                    <a:lstStyle/>
+                    <a:p>
+                      <a:pPr algn="ctr"/>
+                      <a:endParaRPr lang="en-GB" dirty="0"/>
+                    </a:p>
+                    <a:p>
+                      <a:pPr algn="ctr"/>
+                      <a:r>
+                        <a:rPr lang="en-US" dirty="0"/>
+                        <a:t>10^1</a:t>
+                      </a:r>
+                      <a:r>
+                        <a:rPr lang="ro-RO" dirty="0"/>
+                        <a:t>2</a:t>
+                      </a:r>
+                      <a:endParaRPr lang="en-US" dirty="0"/>
+                    </a:p>
+                  </a:txBody>
+                  <a:tcPr/>
+                </a:tc>
+                <a:tc>
+                  <a:txBody>
+                    <a:bodyPr/>
+                    <a:lstStyle/>
+                    <a:p>
+                      <a:pPr algn="ctr"/>
+                      <a:r>
+                        <a:rPr lang="en-GB" dirty="0"/>
+                        <a:t>0.000427</a:t>
+                      </a:r>
+                    </a:p>
+                    <a:p>
+                      <a:pPr algn="ctr"/>
+                      <a:r>
+                        <a:rPr lang="en-GB" dirty="0"/>
+                        <a:t>sec</a:t>
+                      </a:r>
+                    </a:p>
+                  </a:txBody>
+                  <a:tcPr/>
+                </a:tc>
+                <a:tc>
+                  <a:txBody>
+                    <a:bodyPr/>
+                    <a:lstStyle/>
+                    <a:p>
+                      <a:pPr algn="ctr"/>
+                      <a:r>
+                        <a:rPr lang="en-GB" dirty="0"/>
+                        <a:t>0.406267</a:t>
+                      </a:r>
+                    </a:p>
+                    <a:p>
+                      <a:pPr algn="ctr"/>
+                      <a:r>
+                        <a:rPr lang="en-GB" dirty="0"/>
+                        <a:t>sec</a:t>
+                      </a:r>
+                    </a:p>
+                  </a:txBody>
+                  <a:tcPr/>
+                </a:tc>
+                <a:tc>
+                  <a:txBody>
+                    <a:bodyPr/>
+                    <a:lstStyle/>
+                    <a:p>
+                      <a:pPr algn="ctr"/>
+                      <a:r>
+                        <a:rPr lang="en-US" dirty="0"/>
+                        <a:t>130.439978</a:t>
+                      </a:r>
+                    </a:p>
+                    <a:p>
+                      <a:pPr algn="ctr"/>
+                      <a:r>
+                        <a:rPr lang="en-US" dirty="0"/>
+                        <a:t>sec</a:t>
+                      </a:r>
+                    </a:p>
+                  </a:txBody>
+                  <a:tcPr/>
+                </a:tc>
+                <a:extLst>
+                  <a:ext uri="{0D108BD9-81ED-4DB2-BD59-A6C34878D82A}">
+                    <a16:rowId xmlns:a16="http://schemas.microsoft.com/office/drawing/2014/main" val="2485184294"/>
+                  </a:ext>
+                </a:extLst>
+              </a:tr>
+              <a:tr h="1333726">
+                <a:tc>
+                  <a:txBody>
+                    <a:bodyPr/>
+                    <a:lstStyle/>
+                    <a:p>
+                      <a:pPr algn="ctr"/>
+                      <a:endParaRPr lang="ro-RO" dirty="0"/>
+                    </a:p>
+                    <a:p>
+                      <a:pPr algn="ctr"/>
+                      <a:r>
+                        <a:rPr lang="en-GB" dirty="0"/>
+                        <a:t>10^1</a:t>
+                      </a:r>
+                      <a:r>
+                        <a:rPr lang="ro-RO" dirty="0"/>
+                        <a:t>8</a:t>
+                      </a:r>
+                      <a:endParaRPr lang="en-US" dirty="0"/>
+                    </a:p>
+                  </a:txBody>
+                  <a:tcPr/>
+                </a:tc>
+                <a:tc>
+                  <a:txBody>
+                    <a:bodyPr/>
+                    <a:lstStyle/>
+                    <a:p>
+                      <a:pPr algn="ctr"/>
+                      <a:r>
+                        <a:rPr lang="en-US" dirty="0"/>
+                        <a:t>0.000409</a:t>
+                      </a:r>
+                    </a:p>
+                    <a:p>
+                      <a:pPr algn="ctr"/>
+                      <a:r>
+                        <a:rPr lang="en-US" dirty="0"/>
+                        <a:t>sec</a:t>
+                      </a:r>
+                    </a:p>
+                  </a:txBody>
+                  <a:tcPr/>
+                </a:tc>
+                <a:tc>
+                  <a:txBody>
+                    <a:bodyPr/>
+                    <a:lstStyle/>
+                    <a:p>
+                      <a:pPr algn="ctr"/>
+                      <a:r>
+                        <a:rPr lang="en-US" dirty="0"/>
+                        <a:t>0.413897</a:t>
+                      </a:r>
+                    </a:p>
+                    <a:p>
+                      <a:pPr algn="ctr"/>
+                      <a:r>
+                        <a:rPr lang="en-US" dirty="0"/>
+                        <a:t>sec</a:t>
+                      </a:r>
+                    </a:p>
+                  </a:txBody>
+                  <a:tcPr/>
+                </a:tc>
+                <a:tc>
+                  <a:txBody>
+                    <a:bodyPr/>
+                    <a:lstStyle/>
+                    <a:p>
+                      <a:pPr algn="ctr"/>
+                      <a:r>
+                        <a:rPr lang="en-US" dirty="0"/>
+                        <a:t>130.052381</a:t>
+                      </a:r>
+                    </a:p>
+                    <a:p>
+                      <a:pPr algn="ctr"/>
+                      <a:r>
+                        <a:rPr lang="en-US" dirty="0"/>
+                        <a:t>sec</a:t>
+                      </a:r>
+                    </a:p>
+                  </a:txBody>
+                  <a:tcPr/>
+                </a:tc>
+                <a:extLst>
+                  <a:ext uri="{0D108BD9-81ED-4DB2-BD59-A6C34878D82A}">
+                    <a16:rowId xmlns:a16="http://schemas.microsoft.com/office/drawing/2014/main" val="1764774220"/>
+                  </a:ext>
+                </a:extLst>
+              </a:tr>
+            </a:tbl>
+          </a:graphicData>
+        </a:graphic>
+      </p:graphicFrame>
+    </p:spTree>
+    <p:extLst>
+      <p:ext uri="{BB962C8B-B14F-4D97-AF65-F5344CB8AC3E}">
+        <p14:creationId xmlns:p14="http://schemas.microsoft.com/office/powerpoint/2010/main" val="3979862742"/>
+      </p:ext>
+    </p:extLst>
+  </p:cSld>
+  <p:clrMapOvr>
+    <a:masterClrMapping/>
+  </p:clrMapOvr>
+</p:sld>
+</file>
+
+<file path=ppt/slides/slide12.xml><?xml version="1.0" encoding="utf-8"?>
+<p:sld xmlns:a="http://schemas.openxmlformats.org/drawingml/2006/main" xmlns:r="http://schemas.openxmlformats.org/officeDocument/2006/relationships" xmlns:p="http://schemas.openxmlformats.org/presentationml/2006/main">
+  <p:cSld>
+    <p:spTree>
+      <p:nvGrpSpPr>
+        <p:cNvPr id="1" name=""/>
+        <p:cNvGrpSpPr/>
+        <p:nvPr/>
+      </p:nvGrpSpPr>
+      <p:grpSpPr>
+        <a:xfrm>
+          <a:off x="0" y="0"/>
+          <a:ext cx="0" cy="0"/>
+          <a:chOff x="0" y="0"/>
+          <a:chExt cx="0" cy="0"/>
+        </a:xfrm>
+      </p:grpSpPr>
+      <p:pic>
+        <p:nvPicPr>
+          <p:cNvPr id="5122" name="Picture 2" descr="Heapsort – Formula Function">
+            <a:extLst>
+              <a:ext uri="{FF2B5EF4-FFF2-40B4-BE49-F238E27FC236}">
+                <a16:creationId xmlns:a16="http://schemas.microsoft.com/office/drawing/2014/main" id="{4F097789-1424-4F7A-97E2-B87ABE899487}"/>
+              </a:ext>
+            </a:extLst>
+          </p:cNvPr>
+          <p:cNvPicPr>
+            <a:picLocks noChangeAspect="1" noChangeArrowheads="1"/>
+          </p:cNvPicPr>
+          <p:nvPr/>
+        </p:nvPicPr>
+        <p:blipFill>
+          <a:blip r:embed="rId2">
+            <a:extLst>
+              <a:ext uri="{28A0092B-C50C-407E-A947-70E740481C1C}">
+                <a14:useLocalDpi xmlns:a14="http://schemas.microsoft.com/office/drawing/2010/main" val="0"/>
+              </a:ext>
+            </a:extLst>
+          </a:blip>
+          <a:srcRect/>
+          <a:stretch>
+            <a:fillRect/>
+          </a:stretch>
+        </p:blipFill>
+        <p:spPr bwMode="auto">
+          <a:xfrm>
+            <a:off x="5695950" y="0"/>
+            <a:ext cx="6496050" cy="6858000"/>
+          </a:xfrm>
+          <a:prstGeom prst="rect">
+            <a:avLst/>
+          </a:prstGeom>
+          <a:noFill/>
+          <a:extLst>
+            <a:ext uri="{909E8E84-426E-40DD-AFC4-6F175D3DCCD1}">
+              <a14:hiddenFill xmlns:a14="http://schemas.microsoft.com/office/drawing/2010/main">
+                <a:solidFill>
+                  <a:srgbClr val="FFFFFF"/>
+                </a:solidFill>
+              </a14:hiddenFill>
+            </a:ext>
+          </a:extLst>
+        </p:spPr>
+      </p:pic>
+      <p:sp>
+        <p:nvSpPr>
+          <p:cNvPr id="4" name="TextBox 3">
+            <a:extLst>
+              <a:ext uri="{FF2B5EF4-FFF2-40B4-BE49-F238E27FC236}">
+                <a16:creationId xmlns:a16="http://schemas.microsoft.com/office/drawing/2014/main" id="{A18EFAA9-DC9F-43C5-8F9B-AD37051DC443}"/>
+              </a:ext>
+            </a:extLst>
+          </p:cNvPr>
+          <p:cNvSpPr txBox="1"/>
+          <p:nvPr/>
+        </p:nvSpPr>
+        <p:spPr>
+          <a:xfrm>
+            <a:off x="1114620" y="2136338"/>
+            <a:ext cx="4581330" cy="2585323"/>
+          </a:xfrm>
+          <a:prstGeom prst="rect">
+            <a:avLst/>
+          </a:prstGeom>
+          <a:noFill/>
+        </p:spPr>
+        <p:txBody>
+          <a:bodyPr wrap="square" rtlCol="0">
+            <a:spAutoFit/>
+          </a:bodyPr>
+          <a:lstStyle/>
+          <a:p>
+            <a:r>
+              <a:rPr lang="en-GB" sz="5400" dirty="0" err="1"/>
+              <a:t>Mecanism</a:t>
+            </a:r>
+            <a:r>
+              <a:rPr lang="en-GB" sz="5400" dirty="0"/>
+              <a:t> </a:t>
+            </a:r>
+            <a:r>
+              <a:rPr lang="en-GB" sz="5400" dirty="0" err="1"/>
+              <a:t>Functionare</a:t>
+            </a:r>
+            <a:r>
+              <a:rPr lang="en-GB" sz="5400" dirty="0"/>
+              <a:t> Heap Sort</a:t>
+            </a:r>
+            <a:endParaRPr lang="ro-RO" sz="5400" dirty="0"/>
+          </a:p>
+        </p:txBody>
+      </p:sp>
+    </p:spTree>
+    <p:extLst>
+      <p:ext uri="{BB962C8B-B14F-4D97-AF65-F5344CB8AC3E}">
+        <p14:creationId xmlns:p14="http://schemas.microsoft.com/office/powerpoint/2010/main" val="1287321988"/>
+      </p:ext>
+    </p:extLst>
+  </p:cSld>
+  <p:clrMapOvr>
+    <a:masterClrMapping/>
+  </p:clrMapOvr>
+</p:sld>
+</file>
+
+<file path=ppt/slides/slide13.xml><?xml version="1.0" encoding="utf-8"?>
+<p:sld xmlns:a="http://schemas.openxmlformats.org/drawingml/2006/main" xmlns:r="http://schemas.openxmlformats.org/officeDocument/2006/relationships" xmlns:p="http://schemas.openxmlformats.org/presentationml/2006/main">
+  <p:cSld>
+    <p:spTree>
+      <p:nvGrpSpPr>
+        <p:cNvPr id="1" name=""/>
+        <p:cNvGrpSpPr/>
+        <p:nvPr/>
+      </p:nvGrpSpPr>
+      <p:grpSpPr>
+        <a:xfrm>
+          <a:off x="0" y="0"/>
+          <a:ext cx="0" cy="0"/>
+          <a:chOff x="0" y="0"/>
+          <a:chExt cx="0" cy="0"/>
+        </a:xfrm>
+      </p:grpSpPr>
+      <p:graphicFrame>
+        <p:nvGraphicFramePr>
+          <p:cNvPr id="4" name="Table 4">
+            <a:extLst>
+              <a:ext uri="{FF2B5EF4-FFF2-40B4-BE49-F238E27FC236}">
+                <a16:creationId xmlns:a16="http://schemas.microsoft.com/office/drawing/2014/main" id="{00CC694C-9BF5-4865-B9AB-659AEA6A8240}"/>
+              </a:ext>
+            </a:extLst>
+          </p:cNvPr>
+          <p:cNvGraphicFramePr>
+            <a:graphicFrameLocks noGrp="1"/>
+          </p:cNvGraphicFramePr>
+          <p:nvPr>
+            <p:extLst>
+              <p:ext uri="{D42A27DB-BD31-4B8C-83A1-F6EECF244321}">
+                <p14:modId xmlns:p14="http://schemas.microsoft.com/office/powerpoint/2010/main" val="1774901599"/>
+              </p:ext>
+            </p:extLst>
+          </p:nvPr>
+        </p:nvGraphicFramePr>
+        <p:xfrm>
+          <a:off x="0" y="457200"/>
+          <a:ext cx="12191999" cy="6400800"/>
+        </p:xfrm>
+        <a:graphic>
+          <a:graphicData uri="http://schemas.openxmlformats.org/drawingml/2006/table">
+            <a:tbl>
+              <a:tblPr firstRow="1" bandRow="1">
+                <a:tableStyleId>{073A0DAA-6AF3-43AB-8588-CEC1D06C72B9}</a:tableStyleId>
+              </a:tblPr>
+              <a:tblGrid>
+                <a:gridCol w="2032000">
+                  <a:extLst>
+                    <a:ext uri="{9D8B030D-6E8A-4147-A177-3AD203B41FA5}">
+                      <a16:colId xmlns:a16="http://schemas.microsoft.com/office/drawing/2014/main" val="663216870"/>
+                    </a:ext>
+                  </a:extLst>
+                </a:gridCol>
+                <a:gridCol w="2032000">
+                  <a:extLst>
+                    <a:ext uri="{9D8B030D-6E8A-4147-A177-3AD203B41FA5}">
+                      <a16:colId xmlns:a16="http://schemas.microsoft.com/office/drawing/2014/main" val="2712000850"/>
+                    </a:ext>
+                  </a:extLst>
+                </a:gridCol>
+                <a:gridCol w="2032000">
+                  <a:extLst>
+                    <a:ext uri="{9D8B030D-6E8A-4147-A177-3AD203B41FA5}">
+                      <a16:colId xmlns:a16="http://schemas.microsoft.com/office/drawing/2014/main" val="76827257"/>
+                    </a:ext>
+                  </a:extLst>
+                </a:gridCol>
+                <a:gridCol w="2422849">
+                  <a:extLst>
+                    <a:ext uri="{9D8B030D-6E8A-4147-A177-3AD203B41FA5}">
+                      <a16:colId xmlns:a16="http://schemas.microsoft.com/office/drawing/2014/main" val="1722263282"/>
+                    </a:ext>
+                  </a:extLst>
+                </a:gridCol>
+                <a:gridCol w="1641150">
+                  <a:extLst>
+                    <a:ext uri="{9D8B030D-6E8A-4147-A177-3AD203B41FA5}">
+                      <a16:colId xmlns:a16="http://schemas.microsoft.com/office/drawing/2014/main" val="4080181984"/>
+                    </a:ext>
+                  </a:extLst>
+                </a:gridCol>
+                <a:gridCol w="2032000">
+                  <a:extLst>
+                    <a:ext uri="{9D8B030D-6E8A-4147-A177-3AD203B41FA5}">
+                      <a16:colId xmlns:a16="http://schemas.microsoft.com/office/drawing/2014/main" val="1320070701"/>
+                    </a:ext>
+                  </a:extLst>
+                </a:gridCol>
+              </a:tblGrid>
+              <a:tr h="582230">
+                <a:tc>
+                  <a:txBody>
+                    <a:bodyPr/>
+                    <a:lstStyle/>
+                    <a:p>
+                      <a:pPr algn="ctr"/>
+                      <a:r>
+                        <a:rPr lang="en-GB" dirty="0"/>
+                        <a:t>Test/</a:t>
+                      </a:r>
+                      <a:r>
+                        <a:rPr lang="en-GB" dirty="0" err="1"/>
+                        <a:t>Algoritm</a:t>
+                      </a:r>
+                      <a:r>
+                        <a:rPr lang="en-GB" dirty="0"/>
+                        <a:t> de </a:t>
+                      </a:r>
+                      <a:r>
+                        <a:rPr lang="en-GB" dirty="0" err="1"/>
+                        <a:t>sortare</a:t>
+                      </a:r>
+                      <a:endParaRPr lang="ro-RO" dirty="0"/>
+                    </a:p>
+                  </a:txBody>
+                  <a:tcPr/>
+                </a:tc>
+                <a:tc>
+                  <a:txBody>
+                    <a:bodyPr/>
+                    <a:lstStyle/>
+                    <a:p>
+                      <a:pPr algn="ctr"/>
+                      <a:r>
+                        <a:rPr lang="en-GB" dirty="0"/>
+                        <a:t>Merge Sort</a:t>
+                      </a:r>
+                      <a:endParaRPr lang="ro-RO" dirty="0"/>
+                    </a:p>
+                  </a:txBody>
+                  <a:tcPr/>
+                </a:tc>
+                <a:tc>
+                  <a:txBody>
+                    <a:bodyPr/>
+                    <a:lstStyle/>
+                    <a:p>
+                      <a:pPr algn="ctr"/>
+                      <a:r>
+                        <a:rPr lang="en-GB" dirty="0"/>
+                        <a:t>Shell Sort</a:t>
+                      </a:r>
+                      <a:endParaRPr lang="ro-RO" dirty="0"/>
+                    </a:p>
+                  </a:txBody>
+                  <a:tcPr/>
+                </a:tc>
+                <a:tc>
+                  <a:txBody>
+                    <a:bodyPr/>
+                    <a:lstStyle/>
+                    <a:p>
+                      <a:pPr algn="ctr"/>
+                      <a:r>
+                        <a:rPr lang="en-GB" dirty="0"/>
+                        <a:t>Radix Sort(b10/b100)</a:t>
+                      </a:r>
+                      <a:endParaRPr lang="ro-RO" dirty="0"/>
+                    </a:p>
+                  </a:txBody>
+                  <a:tcPr/>
+                </a:tc>
+                <a:tc>
+                  <a:txBody>
+                    <a:bodyPr/>
+                    <a:lstStyle/>
+                    <a:p>
+                      <a:pPr algn="ctr"/>
+                      <a:r>
+                        <a:rPr lang="en-GB" dirty="0"/>
+                        <a:t>Quick sort</a:t>
+                      </a:r>
+                      <a:endParaRPr lang="ro-RO" dirty="0"/>
+                    </a:p>
+                  </a:txBody>
+                  <a:tcPr/>
+                </a:tc>
+                <a:tc>
+                  <a:txBody>
+                    <a:bodyPr/>
+                    <a:lstStyle/>
+                    <a:p>
+                      <a:pPr algn="ctr"/>
+                      <a:r>
+                        <a:rPr lang="en-GB" dirty="0"/>
+                        <a:t>Heap Sort</a:t>
+                      </a:r>
+                      <a:endParaRPr lang="ro-RO" dirty="0"/>
+                    </a:p>
+                  </a:txBody>
+                  <a:tcPr/>
+                </a:tc>
+                <a:extLst>
+                  <a:ext uri="{0D108BD9-81ED-4DB2-BD59-A6C34878D82A}">
+                    <a16:rowId xmlns:a16="http://schemas.microsoft.com/office/drawing/2014/main" val="799928637"/>
+                  </a:ext>
+                </a:extLst>
+              </a:tr>
+              <a:tr h="639379">
+                <a:tc>
+                  <a:txBody>
+                    <a:bodyPr/>
+                    <a:lstStyle/>
+                    <a:p>
+                      <a:pPr algn="ctr"/>
+                      <a:r>
+                        <a:rPr lang="en-GB" dirty="0"/>
+                        <a:t>N = 10^3</a:t>
+                      </a:r>
+                    </a:p>
+                    <a:p>
+                      <a:pPr algn="ctr"/>
+                      <a:r>
+                        <a:rPr lang="en-GB" dirty="0"/>
+                        <a:t>M = 10^6</a:t>
+                      </a:r>
+                    </a:p>
+                  </a:txBody>
+                  <a:tcPr>
+                    <a:lnR w="38100" cap="flat" cmpd="sng" algn="ctr">
+                      <a:solidFill>
+                        <a:schemeClr val="bg1"/>
+                      </a:solidFill>
+                      <a:prstDash val="solid"/>
+                      <a:round/>
+                      <a:headEnd type="none" w="med" len="med"/>
+                      <a:tailEnd type="none" w="med" len="med"/>
+                    </a:lnR>
+                  </a:tcPr>
+                </a:tc>
+                <a:tc>
+                  <a:txBody>
+                    <a:bodyPr/>
+                    <a:lstStyle/>
+                    <a:p>
+                      <a:pPr algn="ctr"/>
+                      <a:r>
+                        <a:rPr lang="en-GB" dirty="0"/>
+                        <a:t>0.0014557</a:t>
+                      </a:r>
+                      <a:endParaRPr lang="ro-RO" dirty="0"/>
+                    </a:p>
+                  </a:txBody>
+                  <a:tcPr>
+                    <a:lnL w="38100" cap="flat" cmpd="sng" algn="ctr">
+                      <a:solidFill>
+                        <a:schemeClr val="bg1"/>
+                      </a:solidFill>
+                      <a:prstDash val="solid"/>
+                      <a:round/>
+                      <a:headEnd type="none" w="med" len="med"/>
+                      <a:tailEnd type="none" w="med" len="med"/>
+                    </a:lnL>
+                    <a:solidFill>
+                      <a:srgbClr val="FF0000"/>
+                    </a:solidFill>
+                  </a:tcPr>
+                </a:tc>
+                <a:tc>
+                  <a:txBody>
+                    <a:bodyPr/>
+                    <a:lstStyle/>
+                    <a:p>
+                      <a:pPr algn="ctr"/>
+                      <a:r>
+                        <a:rPr lang="en-GB" dirty="0"/>
+                        <a:t>0.000357</a:t>
+                      </a:r>
+                      <a:endParaRPr lang="ro-RO" dirty="0"/>
+                    </a:p>
+                  </a:txBody>
+                  <a:tcPr/>
+                </a:tc>
+                <a:tc>
+                  <a:txBody>
+                    <a:bodyPr/>
+                    <a:lstStyle/>
+                    <a:p>
+                      <a:pPr algn="ctr"/>
+                      <a:r>
+                        <a:rPr lang="en-GB" dirty="0"/>
+                        <a:t>0.000218 b10</a:t>
+                      </a:r>
+                    </a:p>
+                    <a:p>
+                      <a:pPr algn="ctr"/>
+                      <a:r>
+                        <a:rPr lang="en-GB" dirty="0"/>
+                        <a:t>0.000116 b100</a:t>
+                      </a:r>
+                      <a:endParaRPr lang="ro-RO" dirty="0"/>
+                    </a:p>
+                  </a:txBody>
+                  <a:tcPr>
+                    <a:solidFill>
+                      <a:srgbClr val="92D050"/>
+                    </a:solidFill>
+                  </a:tcPr>
+                </a:tc>
+                <a:tc>
+                  <a:txBody>
+                    <a:bodyPr/>
+                    <a:lstStyle/>
+                    <a:p>
+                      <a:pPr algn="ctr"/>
+                      <a:r>
+                        <a:rPr lang="en-GB" dirty="0"/>
+                        <a:t>0.000348</a:t>
+                      </a:r>
+                      <a:endParaRPr lang="ro-RO" dirty="0"/>
+                    </a:p>
+                  </a:txBody>
+                  <a:tcPr/>
+                </a:tc>
+                <a:tc>
+                  <a:txBody>
+                    <a:bodyPr/>
+                    <a:lstStyle/>
+                    <a:p>
+                      <a:pPr algn="ctr"/>
+                      <a:r>
+                        <a:rPr lang="en-GB" dirty="0"/>
+                        <a:t>0.000395</a:t>
+                      </a:r>
+                      <a:endParaRPr lang="ro-RO" dirty="0"/>
+                    </a:p>
+                  </a:txBody>
+                  <a:tcPr/>
+                </a:tc>
+                <a:extLst>
+                  <a:ext uri="{0D108BD9-81ED-4DB2-BD59-A6C34878D82A}">
+                    <a16:rowId xmlns:a16="http://schemas.microsoft.com/office/drawing/2014/main" val="543147934"/>
+                  </a:ext>
+                </a:extLst>
+              </a:tr>
+              <a:tr h="639379">
+                <a:tc>
+                  <a:txBody>
+                    <a:bodyPr/>
+                    <a:lstStyle/>
+                    <a:p>
+                      <a:pPr algn="ctr"/>
+                      <a:r>
+                        <a:rPr lang="en-GB" dirty="0"/>
+                        <a:t>N = 10^3</a:t>
+                      </a:r>
+                    </a:p>
+                    <a:p>
+                      <a:pPr algn="ctr"/>
+                      <a:r>
+                        <a:rPr lang="en-GB" dirty="0"/>
+                        <a:t>M = 10^12</a:t>
+                      </a:r>
+                      <a:endParaRPr lang="ro-RO" dirty="0"/>
+                    </a:p>
+                  </a:txBody>
+                  <a:tcPr>
+                    <a:lnR w="38100" cap="flat" cmpd="sng" algn="ctr">
+                      <a:solidFill>
+                        <a:schemeClr val="bg1"/>
+                      </a:solidFill>
+                      <a:prstDash val="solid"/>
+                      <a:round/>
+                      <a:headEnd type="none" w="med" len="med"/>
+                      <a:tailEnd type="none" w="med" len="med"/>
+                    </a:lnR>
+                    <a:lnB w="12700" cap="flat" cmpd="sng" algn="ctr">
+                      <a:noFill/>
+                      <a:prstDash val="solid"/>
+                      <a:round/>
+                      <a:headEnd type="none" w="med" len="med"/>
+                      <a:tailEnd type="none" w="med" len="med"/>
+                    </a:lnB>
+                  </a:tcPr>
+                </a:tc>
+                <a:tc>
+                  <a:txBody>
+                    <a:bodyPr/>
+                    <a:lstStyle/>
+                    <a:p>
+                      <a:pPr algn="ctr"/>
+                      <a:r>
+                        <a:rPr lang="en-GB" dirty="0"/>
+                        <a:t>0.001511</a:t>
+                      </a:r>
+                      <a:endParaRPr lang="ro-RO" dirty="0"/>
+                    </a:p>
+                  </a:txBody>
+                  <a:tcPr>
+                    <a:lnL w="38100" cap="flat" cmpd="sng" algn="ctr">
+                      <a:solidFill>
+                        <a:schemeClr val="bg1"/>
+                      </a:solidFill>
+                      <a:prstDash val="solid"/>
+                      <a:round/>
+                      <a:headEnd type="none" w="med" len="med"/>
+                      <a:tailEnd type="none" w="med" len="med"/>
+                    </a:lnL>
+                    <a:solidFill>
+                      <a:srgbClr val="FF0000"/>
+                    </a:solidFill>
+                  </a:tcPr>
+                </a:tc>
+                <a:tc>
+                  <a:txBody>
+                    <a:bodyPr/>
+                    <a:lstStyle/>
+                    <a:p>
+                      <a:pPr algn="ctr"/>
+                      <a:r>
+                        <a:rPr lang="en-GB" dirty="0"/>
+                        <a:t>0.000332</a:t>
+                      </a:r>
+                      <a:endParaRPr lang="ro-RO" dirty="0"/>
+                    </a:p>
+                  </a:txBody>
+                  <a:tcPr>
+                    <a:solidFill>
+                      <a:srgbClr val="92D050"/>
+                    </a:solidFill>
+                  </a:tcPr>
+                </a:tc>
+                <a:tc>
+                  <a:txBody>
+                    <a:bodyPr/>
+                    <a:lstStyle/>
+                    <a:p>
+                      <a:pPr algn="ctr"/>
+                      <a:r>
+                        <a:rPr lang="en-GB" dirty="0"/>
+                        <a:t>0.000528 b10</a:t>
+                      </a:r>
+                    </a:p>
+                    <a:p>
+                      <a:pPr algn="ctr"/>
+                      <a:r>
+                        <a:rPr lang="en-GB" dirty="0"/>
+                        <a:t>0.000334 b100</a:t>
+                      </a:r>
+                      <a:endParaRPr lang="ro-RO" dirty="0"/>
+                    </a:p>
+                  </a:txBody>
+                  <a:tcPr/>
+                </a:tc>
+                <a:tc>
+                  <a:txBody>
+                    <a:bodyPr/>
+                    <a:lstStyle/>
+                    <a:p>
+                      <a:pPr algn="ctr"/>
+                      <a:r>
+                        <a:rPr lang="en-GB" dirty="0"/>
+                        <a:t>0.000344</a:t>
+                      </a:r>
+                      <a:endParaRPr lang="ro-RO" dirty="0"/>
+                    </a:p>
+                  </a:txBody>
+                  <a:tcPr/>
+                </a:tc>
+                <a:tc>
+                  <a:txBody>
+                    <a:bodyPr/>
+                    <a:lstStyle/>
+                    <a:p>
+                      <a:pPr algn="ctr"/>
+                      <a:r>
+                        <a:rPr lang="en-GB" dirty="0"/>
+                        <a:t>0.000427</a:t>
+                      </a:r>
+                      <a:endParaRPr lang="ro-RO" dirty="0"/>
+                    </a:p>
+                  </a:txBody>
+                  <a:tcPr/>
+                </a:tc>
+                <a:extLst>
+                  <a:ext uri="{0D108BD9-81ED-4DB2-BD59-A6C34878D82A}">
+                    <a16:rowId xmlns:a16="http://schemas.microsoft.com/office/drawing/2014/main" val="484579809"/>
+                  </a:ext>
+                </a:extLst>
+              </a:tr>
+              <a:tr h="639379">
+                <a:tc>
+                  <a:txBody>
+                    <a:bodyPr/>
+                    <a:lstStyle/>
+                    <a:p>
+                      <a:pPr algn="ctr"/>
+                      <a:r>
+                        <a:rPr lang="en-GB" dirty="0"/>
+                        <a:t>N = 10^3</a:t>
+                      </a:r>
+                    </a:p>
+                    <a:p>
+                      <a:pPr algn="ctr"/>
+                      <a:r>
+                        <a:rPr lang="en-GB" dirty="0"/>
+                        <a:t>M = 10^18</a:t>
+                      </a:r>
+                      <a:endParaRPr lang="ro-RO" dirty="0"/>
+                    </a:p>
+                  </a:txBody>
+                  <a:tcPr>
+                    <a:lnL w="12700" cap="flat" cmpd="sng" algn="ctr">
+                      <a:noFill/>
+                      <a:prstDash val="solid"/>
+                      <a:round/>
+                      <a:headEnd type="none" w="med" len="med"/>
+                      <a:tailEnd type="none" w="med" len="med"/>
+                    </a:lnL>
+                    <a:lnR w="38100" cap="flat" cmpd="sng" algn="ctr">
+                      <a:solidFill>
+                        <a:schemeClr val="bg1"/>
+                      </a:solidFill>
+                      <a:prstDash val="solid"/>
+                      <a:round/>
+                      <a:headEnd type="none" w="med" len="med"/>
+                      <a:tailEnd type="none" w="med" len="med"/>
+                    </a:lnR>
+                    <a:lnT w="12700" cap="flat" cmpd="sng" algn="ctr">
+                      <a:noFill/>
+                      <a:prstDash val="solid"/>
+                      <a:round/>
+                      <a:headEnd type="none" w="med" len="med"/>
+                      <a:tailEnd type="none" w="med" len="med"/>
+                    </a:lnT>
+                    <a:lnB w="38100" cap="flat" cmpd="sng" algn="ctr">
+                      <a:solidFill>
+                        <a:schemeClr val="bg1"/>
+                      </a:solidFill>
+                      <a:prstDash val="solid"/>
+                      <a:round/>
+                      <a:headEnd type="none" w="med" len="med"/>
+                      <a:tailEnd type="none" w="med" len="med"/>
+                    </a:lnB>
+                    <a:lnTlToBr w="12700" cmpd="sng">
+                      <a:noFill/>
+                      <a:prstDash val="solid"/>
+                    </a:lnTlToBr>
+                    <a:lnBlToTr w="12700" cmpd="sng">
+                      <a:noFill/>
+                      <a:prstDash val="solid"/>
+                    </a:lnBlToTr>
+                  </a:tcPr>
+                </a:tc>
+                <a:tc>
+                  <a:txBody>
+                    <a:bodyPr/>
+                    <a:lstStyle/>
+                    <a:p>
+                      <a:pPr algn="ctr"/>
+                      <a:r>
+                        <a:rPr lang="en-GB" dirty="0"/>
+                        <a:t>0.001564</a:t>
+                      </a:r>
+                      <a:endParaRPr lang="ro-RO" dirty="0"/>
+                    </a:p>
+                  </a:txBody>
+                  <a:tcPr>
+                    <a:lnL w="38100" cap="flat" cmpd="sng" algn="ctr">
+                      <a:solidFill>
+                        <a:schemeClr val="bg1"/>
+                      </a:solidFill>
+                      <a:prstDash val="solid"/>
+                      <a:round/>
+                      <a:headEnd type="none" w="med" len="med"/>
+                      <a:tailEnd type="none" w="med" len="med"/>
+                    </a:lnL>
+                    <a:lnB w="38100" cap="flat" cmpd="sng" algn="ctr">
+                      <a:solidFill>
+                        <a:schemeClr val="bg1"/>
+                      </a:solidFill>
+                      <a:prstDash val="solid"/>
+                      <a:round/>
+                      <a:headEnd type="none" w="med" len="med"/>
+                      <a:tailEnd type="none" w="med" len="med"/>
+                    </a:lnB>
+                    <a:solidFill>
+                      <a:srgbClr val="FF0000"/>
+                    </a:solidFill>
+                  </a:tcPr>
+                </a:tc>
+                <a:tc>
+                  <a:txBody>
+                    <a:bodyPr/>
+                    <a:lstStyle/>
+                    <a:p>
+                      <a:pPr algn="ctr"/>
+                      <a:r>
+                        <a:rPr lang="en-GB" dirty="0"/>
+                        <a:t>0.000364</a:t>
+                      </a:r>
+                      <a:endParaRPr lang="ro-RO" dirty="0"/>
+                    </a:p>
+                  </a:txBody>
+                  <a:tcPr>
+                    <a:lnB w="38100" cap="flat" cmpd="sng" algn="ctr">
+                      <a:solidFill>
+                        <a:schemeClr val="bg1"/>
+                      </a:solidFill>
+                      <a:prstDash val="solid"/>
+                      <a:round/>
+                      <a:headEnd type="none" w="med" len="med"/>
+                      <a:tailEnd type="none" w="med" len="med"/>
+                    </a:lnB>
+                  </a:tcPr>
+                </a:tc>
+                <a:tc>
+                  <a:txBody>
+                    <a:bodyPr/>
+                    <a:lstStyle/>
+                    <a:p>
+                      <a:pPr algn="ctr"/>
+                      <a:r>
+                        <a:rPr lang="en-GB" dirty="0"/>
+                        <a:t>0.000936 b10</a:t>
+                      </a:r>
+                    </a:p>
+                    <a:p>
+                      <a:pPr algn="ctr"/>
+                      <a:r>
+                        <a:rPr lang="en-GB" dirty="0"/>
+                        <a:t>0.000491 b100</a:t>
+                      </a:r>
+                      <a:endParaRPr lang="ro-RO" dirty="0"/>
+                    </a:p>
+                  </a:txBody>
+                  <a:tcPr>
+                    <a:lnB w="38100" cap="flat" cmpd="sng" algn="ctr">
+                      <a:solidFill>
+                        <a:schemeClr val="bg1"/>
+                      </a:solidFill>
+                      <a:prstDash val="solid"/>
+                      <a:round/>
+                      <a:headEnd type="none" w="med" len="med"/>
+                      <a:tailEnd type="none" w="med" len="med"/>
+                    </a:lnB>
+                  </a:tcPr>
+                </a:tc>
+                <a:tc>
+                  <a:txBody>
+                    <a:bodyPr/>
+                    <a:lstStyle/>
+                    <a:p>
+                      <a:pPr algn="ctr"/>
+                      <a:r>
+                        <a:rPr lang="en-GB" dirty="0"/>
+                        <a:t>0.000341</a:t>
+                      </a:r>
+                      <a:endParaRPr lang="ro-RO" dirty="0"/>
+                    </a:p>
+                  </a:txBody>
+                  <a:tcPr>
+                    <a:lnB w="38100" cap="flat" cmpd="sng" algn="ctr">
+                      <a:solidFill>
+                        <a:schemeClr val="bg1"/>
+                      </a:solidFill>
+                      <a:prstDash val="solid"/>
+                      <a:round/>
+                      <a:headEnd type="none" w="med" len="med"/>
+                      <a:tailEnd type="none" w="med" len="med"/>
+                    </a:lnB>
+                    <a:solidFill>
+                      <a:srgbClr val="92D050"/>
+                    </a:solidFill>
+                  </a:tcPr>
+                </a:tc>
+                <a:tc>
+                  <a:txBody>
+                    <a:bodyPr/>
+                    <a:lstStyle/>
+                    <a:p>
+                      <a:pPr algn="ctr"/>
+                      <a:r>
+                        <a:rPr lang="en-GB" dirty="0"/>
+                        <a:t>0.000409</a:t>
+                      </a:r>
+                      <a:endParaRPr lang="ro-RO" dirty="0"/>
+                    </a:p>
+                  </a:txBody>
+                  <a:tcPr>
+                    <a:lnB w="38100" cap="flat" cmpd="sng" algn="ctr">
+                      <a:solidFill>
+                        <a:schemeClr val="bg1"/>
+                      </a:solidFill>
+                      <a:prstDash val="solid"/>
+                      <a:round/>
+                      <a:headEnd type="none" w="med" len="med"/>
+                      <a:tailEnd type="none" w="med" len="med"/>
+                    </a:lnB>
+                  </a:tcPr>
+                </a:tc>
+                <a:extLst>
+                  <a:ext uri="{0D108BD9-81ED-4DB2-BD59-A6C34878D82A}">
+                    <a16:rowId xmlns:a16="http://schemas.microsoft.com/office/drawing/2014/main" val="1159857645"/>
+                  </a:ext>
+                </a:extLst>
+              </a:tr>
+              <a:tr h="639379">
+                <a:tc>
+                  <a:txBody>
+                    <a:bodyPr/>
+                    <a:lstStyle/>
+                    <a:p>
+                      <a:pPr algn="ctr"/>
+                      <a:r>
+                        <a:rPr lang="en-GB" dirty="0"/>
+                        <a:t>N = 10^6</a:t>
+                      </a:r>
+                    </a:p>
+                    <a:p>
+                      <a:pPr algn="ctr"/>
+                      <a:r>
+                        <a:rPr lang="en-GB" dirty="0"/>
+                        <a:t>M = 10^6</a:t>
+                      </a:r>
+                      <a:endParaRPr lang="ro-RO" dirty="0"/>
+                    </a:p>
+                  </a:txBody>
+                  <a:tcPr>
+                    <a:lnR w="38100" cap="flat" cmpd="sng" algn="ctr">
+                      <a:solidFill>
+                        <a:schemeClr val="bg1"/>
+                      </a:solidFill>
+                      <a:prstDash val="solid"/>
+                      <a:round/>
+                      <a:headEnd type="none" w="med" len="med"/>
+                      <a:tailEnd type="none" w="med" len="med"/>
+                    </a:lnR>
+                    <a:lnT w="38100" cap="flat" cmpd="sng" algn="ctr">
+                      <a:solidFill>
+                        <a:schemeClr val="bg1"/>
+                      </a:solidFill>
+                      <a:prstDash val="solid"/>
+                      <a:round/>
+                      <a:headEnd type="none" w="med" len="med"/>
+                      <a:tailEnd type="none" w="med" len="med"/>
+                    </a:lnT>
+                  </a:tcPr>
+                </a:tc>
+                <a:tc>
+                  <a:txBody>
+                    <a:bodyPr/>
+                    <a:lstStyle/>
+                    <a:p>
+                      <a:pPr algn="ctr"/>
+                      <a:r>
+                        <a:rPr lang="en-GB" dirty="0"/>
+                        <a:t>1.069499</a:t>
+                      </a:r>
+                      <a:endParaRPr lang="ro-RO" dirty="0"/>
+                    </a:p>
+                  </a:txBody>
+                  <a:tcPr>
+                    <a:lnL w="38100" cap="flat" cmpd="sng" algn="ctr">
+                      <a:solidFill>
+                        <a:schemeClr val="bg1"/>
+                      </a:solidFill>
+                      <a:prstDash val="solid"/>
+                      <a:round/>
+                      <a:headEnd type="none" w="med" len="med"/>
+                      <a:tailEnd type="none" w="med" len="med"/>
+                    </a:lnL>
+                    <a:lnT w="38100" cap="flat" cmpd="sng" algn="ctr">
+                      <a:solidFill>
+                        <a:schemeClr val="bg1"/>
+                      </a:solidFill>
+                      <a:prstDash val="solid"/>
+                      <a:round/>
+                      <a:headEnd type="none" w="med" len="med"/>
+                      <a:tailEnd type="none" w="med" len="med"/>
+                    </a:lnT>
+                    <a:solidFill>
+                      <a:srgbClr val="FF0000"/>
+                    </a:solidFill>
+                  </a:tcPr>
+                </a:tc>
+                <a:tc>
+                  <a:txBody>
+                    <a:bodyPr/>
+                    <a:lstStyle/>
+                    <a:p>
+                      <a:pPr algn="ctr"/>
+                      <a:r>
+                        <a:rPr lang="en-GB" dirty="0"/>
+                        <a:t>0.520499</a:t>
+                      </a:r>
+                      <a:endParaRPr lang="ro-RO" dirty="0"/>
+                    </a:p>
+                  </a:txBody>
+                  <a:tcPr>
+                    <a:lnT w="38100" cap="flat" cmpd="sng" algn="ctr">
+                      <a:solidFill>
+                        <a:schemeClr val="bg1"/>
+                      </a:solidFill>
+                      <a:prstDash val="solid"/>
+                      <a:round/>
+                      <a:headEnd type="none" w="med" len="med"/>
+                      <a:tailEnd type="none" w="med" len="med"/>
+                    </a:lnT>
+                  </a:tcPr>
+                </a:tc>
+                <a:tc>
+                  <a:txBody>
+                    <a:bodyPr/>
+                    <a:lstStyle/>
+                    <a:p>
+                      <a:pPr algn="ctr"/>
+                      <a:r>
+                        <a:rPr lang="en-GB" dirty="0"/>
+                        <a:t>0.208176 b10</a:t>
+                      </a:r>
+                    </a:p>
+                    <a:p>
+                      <a:pPr algn="ctr"/>
+                      <a:r>
+                        <a:rPr lang="en-GB" dirty="0"/>
+                        <a:t>0.124011 b100</a:t>
+                      </a:r>
+                      <a:endParaRPr lang="ro-RO" dirty="0"/>
+                    </a:p>
+                  </a:txBody>
+                  <a:tcPr>
+                    <a:lnT w="38100" cap="flat" cmpd="sng" algn="ctr">
+                      <a:solidFill>
+                        <a:schemeClr val="bg1"/>
+                      </a:solidFill>
+                      <a:prstDash val="solid"/>
+                      <a:round/>
+                      <a:headEnd type="none" w="med" len="med"/>
+                      <a:tailEnd type="none" w="med" len="med"/>
+                    </a:lnT>
+                    <a:solidFill>
+                      <a:srgbClr val="92D050"/>
+                    </a:solidFill>
+                  </a:tcPr>
+                </a:tc>
+                <a:tc>
+                  <a:txBody>
+                    <a:bodyPr/>
+                    <a:lstStyle/>
+                    <a:p>
+                      <a:pPr algn="ctr"/>
+                      <a:r>
+                        <a:rPr lang="en-GB" dirty="0"/>
+                        <a:t>0.284576</a:t>
+                      </a:r>
+                      <a:endParaRPr lang="ro-RO" dirty="0"/>
+                    </a:p>
+                  </a:txBody>
+                  <a:tcPr>
+                    <a:lnT w="38100" cap="flat" cmpd="sng" algn="ctr">
+                      <a:solidFill>
+                        <a:schemeClr val="bg1"/>
+                      </a:solidFill>
+                      <a:prstDash val="solid"/>
+                      <a:round/>
+                      <a:headEnd type="none" w="med" len="med"/>
+                      <a:tailEnd type="none" w="med" len="med"/>
+                    </a:lnT>
+                  </a:tcPr>
+                </a:tc>
+                <a:tc>
+                  <a:txBody>
+                    <a:bodyPr/>
+                    <a:lstStyle/>
+                    <a:p>
+                      <a:pPr algn="ctr"/>
+                      <a:r>
+                        <a:rPr lang="en-GB" dirty="0"/>
+                        <a:t>0.421612</a:t>
+                      </a:r>
+                      <a:endParaRPr lang="ro-RO" dirty="0"/>
+                    </a:p>
+                  </a:txBody>
+                  <a:tcPr>
+                    <a:lnT w="38100" cap="flat" cmpd="sng" algn="ctr">
+                      <a:solidFill>
+                        <a:schemeClr val="bg1"/>
+                      </a:solidFill>
+                      <a:prstDash val="solid"/>
+                      <a:round/>
+                      <a:headEnd type="none" w="med" len="med"/>
+                      <a:tailEnd type="none" w="med" len="med"/>
+                    </a:lnT>
+                  </a:tcPr>
+                </a:tc>
+                <a:extLst>
+                  <a:ext uri="{0D108BD9-81ED-4DB2-BD59-A6C34878D82A}">
+                    <a16:rowId xmlns:a16="http://schemas.microsoft.com/office/drawing/2014/main" val="4149162127"/>
+                  </a:ext>
+                </a:extLst>
+              </a:tr>
+              <a:tr h="639379">
+                <a:tc>
+                  <a:txBody>
+                    <a:bodyPr/>
+                    <a:lstStyle/>
+                    <a:p>
+                      <a:pPr algn="ctr"/>
+                      <a:r>
+                        <a:rPr lang="en-GB" dirty="0"/>
+                        <a:t>N = 10^6</a:t>
+                      </a:r>
+                    </a:p>
+                    <a:p>
+                      <a:pPr marL="0" marR="0" lvl="0" indent="0" algn="ctr" defTabSz="457200" rtl="0" eaLnBrk="1" fontAlgn="auto" latinLnBrk="0" hangingPunct="1">
+                        <a:lnSpc>
+                          <a:spcPct val="100000"/>
+                        </a:lnSpc>
+                        <a:spcBef>
+                          <a:spcPts val="0"/>
+                        </a:spcBef>
+                        <a:spcAft>
+                          <a:spcPts val="0"/>
+                        </a:spcAft>
+                        <a:buClrTx/>
+                        <a:buSzTx/>
+                        <a:buFontTx/>
+                        <a:buNone/>
+                        <a:tabLst/>
+                        <a:defRPr/>
+                      </a:pPr>
+                      <a:r>
+                        <a:rPr lang="en-GB" dirty="0"/>
+                        <a:t>M = 10^12</a:t>
+                      </a:r>
+                      <a:endParaRPr lang="ro-RO" dirty="0"/>
+                    </a:p>
+                  </a:txBody>
+                  <a:tcPr>
+                    <a:lnR w="38100" cap="flat" cmpd="sng" algn="ctr">
+                      <a:solidFill>
+                        <a:schemeClr val="bg1"/>
+                      </a:solidFill>
+                      <a:prstDash val="solid"/>
+                      <a:round/>
+                      <a:headEnd type="none" w="med" len="med"/>
+                      <a:tailEnd type="none" w="med" len="med"/>
+                    </a:lnR>
+                  </a:tcPr>
+                </a:tc>
+                <a:tc>
+                  <a:txBody>
+                    <a:bodyPr/>
+                    <a:lstStyle/>
+                    <a:p>
+                      <a:pPr algn="ctr"/>
+                      <a:r>
+                        <a:rPr lang="en-GB" dirty="0"/>
+                        <a:t>1.0566413</a:t>
+                      </a:r>
+                      <a:endParaRPr lang="ro-RO" dirty="0"/>
+                    </a:p>
+                  </a:txBody>
+                  <a:tcPr>
+                    <a:lnL w="38100" cap="flat" cmpd="sng" algn="ctr">
+                      <a:solidFill>
+                        <a:schemeClr val="bg1"/>
+                      </a:solidFill>
+                      <a:prstDash val="solid"/>
+                      <a:round/>
+                      <a:headEnd type="none" w="med" len="med"/>
+                      <a:tailEnd type="none" w="med" len="med"/>
+                    </a:lnL>
+                    <a:solidFill>
+                      <a:srgbClr val="FF0000"/>
+                    </a:solidFill>
+                  </a:tcPr>
+                </a:tc>
+                <a:tc>
+                  <a:txBody>
+                    <a:bodyPr/>
+                    <a:lstStyle/>
+                    <a:p>
+                      <a:pPr algn="ctr"/>
+                      <a:r>
+                        <a:rPr lang="en-GB" dirty="0"/>
+                        <a:t>0.551641</a:t>
+                      </a:r>
+                      <a:endParaRPr lang="ro-RO" dirty="0"/>
+                    </a:p>
+                  </a:txBody>
+                  <a:tcPr/>
+                </a:tc>
+                <a:tc>
+                  <a:txBody>
+                    <a:bodyPr/>
+                    <a:lstStyle/>
+                    <a:p>
+                      <a:pPr algn="ctr"/>
+                      <a:r>
+                        <a:rPr lang="en-GB" dirty="0"/>
+                        <a:t>0.444713 b10</a:t>
+                      </a:r>
+                    </a:p>
+                    <a:p>
+                      <a:pPr algn="ctr"/>
+                      <a:r>
+                        <a:rPr lang="en-GB" dirty="0"/>
+                        <a:t>0.234127 b100</a:t>
+                      </a:r>
+                      <a:endParaRPr lang="ro-RO" dirty="0"/>
+                    </a:p>
+                  </a:txBody>
+                  <a:tcPr>
+                    <a:solidFill>
+                      <a:srgbClr val="92D050"/>
+                    </a:solidFill>
+                  </a:tcPr>
+                </a:tc>
+                <a:tc>
+                  <a:txBody>
+                    <a:bodyPr/>
+                    <a:lstStyle/>
+                    <a:p>
+                      <a:pPr algn="ctr"/>
+                      <a:r>
+                        <a:rPr lang="en-GB" dirty="0"/>
+                        <a:t>0.285479</a:t>
+                      </a:r>
+                      <a:endParaRPr lang="ro-RO" dirty="0"/>
+                    </a:p>
+                  </a:txBody>
+                  <a:tcPr/>
+                </a:tc>
+                <a:tc>
+                  <a:txBody>
+                    <a:bodyPr/>
+                    <a:lstStyle/>
+                    <a:p>
+                      <a:pPr algn="ctr"/>
+                      <a:r>
+                        <a:rPr lang="en-GB" dirty="0"/>
+                        <a:t>0.406267</a:t>
+                      </a:r>
+                      <a:endParaRPr lang="ro-RO" dirty="0"/>
+                    </a:p>
+                  </a:txBody>
+                  <a:tcPr/>
+                </a:tc>
+                <a:extLst>
+                  <a:ext uri="{0D108BD9-81ED-4DB2-BD59-A6C34878D82A}">
+                    <a16:rowId xmlns:a16="http://schemas.microsoft.com/office/drawing/2014/main" val="1621923761"/>
+                  </a:ext>
+                </a:extLst>
+              </a:tr>
+              <a:tr h="639379">
+                <a:tc>
+                  <a:txBody>
+                    <a:bodyPr/>
+                    <a:lstStyle/>
+                    <a:p>
+                      <a:pPr algn="ctr"/>
+                      <a:r>
+                        <a:rPr lang="en-GB" dirty="0"/>
+                        <a:t>N = 10^6</a:t>
+                      </a:r>
+                    </a:p>
+                    <a:p>
+                      <a:pPr algn="ctr"/>
+                      <a:r>
+                        <a:rPr lang="en-GB" dirty="0"/>
+                        <a:t>M = 10^18</a:t>
+                      </a:r>
+                      <a:endParaRPr lang="ro-RO" dirty="0"/>
+                    </a:p>
+                  </a:txBody>
+                  <a:tcPr>
+                    <a:lnR w="38100" cap="flat" cmpd="sng" algn="ctr">
+                      <a:solidFill>
+                        <a:schemeClr val="bg1"/>
+                      </a:solidFill>
+                      <a:prstDash val="solid"/>
+                      <a:round/>
+                      <a:headEnd type="none" w="med" len="med"/>
+                      <a:tailEnd type="none" w="med" len="med"/>
+                    </a:lnR>
+                    <a:lnB w="38100" cap="flat" cmpd="sng" algn="ctr">
+                      <a:solidFill>
+                        <a:schemeClr val="bg1"/>
+                      </a:solidFill>
+                      <a:prstDash val="solid"/>
+                      <a:round/>
+                      <a:headEnd type="none" w="med" len="med"/>
+                      <a:tailEnd type="none" w="med" len="med"/>
+                    </a:lnB>
+                  </a:tcPr>
+                </a:tc>
+                <a:tc>
+                  <a:txBody>
+                    <a:bodyPr/>
+                    <a:lstStyle/>
+                    <a:p>
+                      <a:pPr algn="ctr"/>
+                      <a:r>
+                        <a:rPr lang="en-GB" dirty="0"/>
+                        <a:t>1.059641</a:t>
+                      </a:r>
+                      <a:endParaRPr lang="ro-RO" dirty="0"/>
+                    </a:p>
+                  </a:txBody>
+                  <a:tcPr>
+                    <a:lnL w="38100" cap="flat" cmpd="sng" algn="ctr">
+                      <a:solidFill>
+                        <a:schemeClr val="bg1"/>
+                      </a:solidFill>
+                      <a:prstDash val="solid"/>
+                      <a:round/>
+                      <a:headEnd type="none" w="med" len="med"/>
+                      <a:tailEnd type="none" w="med" len="med"/>
+                    </a:lnL>
+                    <a:lnB w="38100" cap="flat" cmpd="sng" algn="ctr">
+                      <a:solidFill>
+                        <a:schemeClr val="bg1"/>
+                      </a:solidFill>
+                      <a:prstDash val="solid"/>
+                      <a:round/>
+                      <a:headEnd type="none" w="med" len="med"/>
+                      <a:tailEnd type="none" w="med" len="med"/>
+                    </a:lnB>
+                    <a:solidFill>
+                      <a:srgbClr val="FF0000"/>
+                    </a:solidFill>
+                  </a:tcPr>
+                </a:tc>
+                <a:tc>
+                  <a:txBody>
+                    <a:bodyPr/>
+                    <a:lstStyle/>
+                    <a:p>
+                      <a:pPr algn="ctr"/>
+                      <a:r>
+                        <a:rPr lang="en-GB" dirty="0"/>
+                        <a:t>0.529641</a:t>
+                      </a:r>
+                      <a:endParaRPr lang="ro-RO" dirty="0"/>
+                    </a:p>
+                  </a:txBody>
+                  <a:tcPr>
+                    <a:lnB w="38100" cap="flat" cmpd="sng" algn="ctr">
+                      <a:solidFill>
+                        <a:schemeClr val="bg1"/>
+                      </a:solidFill>
+                      <a:prstDash val="solid"/>
+                      <a:round/>
+                      <a:headEnd type="none" w="med" len="med"/>
+                      <a:tailEnd type="none" w="med" len="med"/>
+                    </a:lnB>
+                  </a:tcPr>
+                </a:tc>
+                <a:tc>
+                  <a:txBody>
+                    <a:bodyPr/>
+                    <a:lstStyle/>
+                    <a:p>
+                      <a:pPr algn="ctr"/>
+                      <a:r>
+                        <a:rPr lang="en-GB" dirty="0"/>
+                        <a:t>0.789576 b10</a:t>
+                      </a:r>
+                    </a:p>
+                    <a:p>
+                      <a:pPr algn="ctr"/>
+                      <a:r>
+                        <a:rPr lang="en-GB" dirty="0"/>
+                        <a:t>0.412672 b100</a:t>
+                      </a:r>
+                      <a:endParaRPr lang="ro-RO" dirty="0"/>
+                    </a:p>
+                  </a:txBody>
+                  <a:tcPr>
+                    <a:lnB w="38100" cap="flat" cmpd="sng" algn="ctr">
+                      <a:solidFill>
+                        <a:schemeClr val="bg1"/>
+                      </a:solidFill>
+                      <a:prstDash val="solid"/>
+                      <a:round/>
+                      <a:headEnd type="none" w="med" len="med"/>
+                      <a:tailEnd type="none" w="med" len="med"/>
+                    </a:lnB>
+                  </a:tcPr>
+                </a:tc>
+                <a:tc>
+                  <a:txBody>
+                    <a:bodyPr/>
+                    <a:lstStyle/>
+                    <a:p>
+                      <a:pPr algn="ctr"/>
+                      <a:r>
+                        <a:rPr lang="en-GB" dirty="0"/>
+                        <a:t>0.285031</a:t>
+                      </a:r>
+                      <a:endParaRPr lang="ro-RO" dirty="0"/>
+                    </a:p>
+                  </a:txBody>
+                  <a:tcPr>
+                    <a:lnB w="38100" cap="flat" cmpd="sng" algn="ctr">
+                      <a:solidFill>
+                        <a:schemeClr val="bg1"/>
+                      </a:solidFill>
+                      <a:prstDash val="solid"/>
+                      <a:round/>
+                      <a:headEnd type="none" w="med" len="med"/>
+                      <a:tailEnd type="none" w="med" len="med"/>
+                    </a:lnB>
+                    <a:solidFill>
+                      <a:srgbClr val="92D050"/>
+                    </a:solidFill>
+                  </a:tcPr>
+                </a:tc>
+                <a:tc>
+                  <a:txBody>
+                    <a:bodyPr/>
+                    <a:lstStyle/>
+                    <a:p>
+                      <a:pPr algn="ctr"/>
+                      <a:r>
+                        <a:rPr lang="en-GB" dirty="0"/>
+                        <a:t>0.413897</a:t>
+                      </a:r>
+                      <a:endParaRPr lang="ro-RO" dirty="0"/>
+                    </a:p>
+                  </a:txBody>
+                  <a:tcPr>
+                    <a:lnB w="38100" cap="flat" cmpd="sng" algn="ctr">
+                      <a:solidFill>
+                        <a:schemeClr val="bg1"/>
+                      </a:solidFill>
+                      <a:prstDash val="solid"/>
+                      <a:round/>
+                      <a:headEnd type="none" w="med" len="med"/>
+                      <a:tailEnd type="none" w="med" len="med"/>
+                    </a:lnB>
+                  </a:tcPr>
+                </a:tc>
+                <a:extLst>
+                  <a:ext uri="{0D108BD9-81ED-4DB2-BD59-A6C34878D82A}">
+                    <a16:rowId xmlns:a16="http://schemas.microsoft.com/office/drawing/2014/main" val="1208100431"/>
+                  </a:ext>
+                </a:extLst>
+              </a:tr>
+              <a:tr h="639379">
+                <a:tc>
+                  <a:txBody>
+                    <a:bodyPr/>
+                    <a:lstStyle/>
+                    <a:p>
+                      <a:pPr algn="ctr"/>
+                      <a:r>
+                        <a:rPr lang="en-GB" dirty="0"/>
+                        <a:t>N = 10^8</a:t>
+                      </a:r>
+                    </a:p>
+                    <a:p>
+                      <a:pPr algn="ctr"/>
+                      <a:r>
+                        <a:rPr lang="en-GB" dirty="0"/>
+                        <a:t>M = 10^6</a:t>
+                      </a:r>
+                      <a:endParaRPr lang="ro-RO" dirty="0"/>
+                    </a:p>
+                  </a:txBody>
+                  <a:tcPr>
+                    <a:lnR w="38100" cap="flat" cmpd="sng" algn="ctr">
+                      <a:solidFill>
+                        <a:schemeClr val="bg1"/>
+                      </a:solidFill>
+                      <a:prstDash val="solid"/>
+                      <a:round/>
+                      <a:headEnd type="none" w="med" len="med"/>
+                      <a:tailEnd type="none" w="med" len="med"/>
+                    </a:lnR>
+                    <a:lnT w="38100" cap="flat" cmpd="sng" algn="ctr">
+                      <a:solidFill>
+                        <a:schemeClr val="bg1"/>
+                      </a:solidFill>
+                      <a:prstDash val="solid"/>
+                      <a:round/>
+                      <a:headEnd type="none" w="med" len="med"/>
+                      <a:tailEnd type="none" w="med" len="med"/>
+                    </a:lnT>
+                  </a:tcPr>
+                </a:tc>
+                <a:tc>
+                  <a:txBody>
+                    <a:bodyPr/>
+                    <a:lstStyle/>
+                    <a:p>
+                      <a:pPr algn="ctr"/>
+                      <a:r>
+                        <a:rPr lang="en-GB" dirty="0"/>
+                        <a:t>105.064998</a:t>
+                      </a:r>
+                      <a:endParaRPr lang="ro-RO" dirty="0"/>
+                    </a:p>
+                  </a:txBody>
+                  <a:tcPr>
+                    <a:lnL w="38100" cap="flat" cmpd="sng" algn="ctr">
+                      <a:solidFill>
+                        <a:schemeClr val="bg1"/>
+                      </a:solidFill>
+                      <a:prstDash val="solid"/>
+                      <a:round/>
+                      <a:headEnd type="none" w="med" len="med"/>
+                      <a:tailEnd type="none" w="med" len="med"/>
+                    </a:lnL>
+                    <a:lnT w="38100" cap="flat" cmpd="sng" algn="ctr">
+                      <a:solidFill>
+                        <a:schemeClr val="bg1"/>
+                      </a:solidFill>
+                      <a:prstDash val="solid"/>
+                      <a:round/>
+                      <a:headEnd type="none" w="med" len="med"/>
+                      <a:tailEnd type="none" w="med" len="med"/>
+                    </a:lnT>
+                  </a:tcPr>
+                </a:tc>
+                <a:tc>
+                  <a:txBody>
+                    <a:bodyPr/>
+                    <a:lstStyle/>
+                    <a:p>
+                      <a:pPr algn="ctr"/>
+                      <a:r>
+                        <a:rPr lang="en-GB" dirty="0"/>
+                        <a:t>100.064998</a:t>
+                      </a:r>
+                      <a:endParaRPr lang="ro-RO" dirty="0"/>
+                    </a:p>
+                  </a:txBody>
+                  <a:tcPr>
+                    <a:lnT w="38100" cap="flat" cmpd="sng" algn="ctr">
+                      <a:solidFill>
+                        <a:schemeClr val="bg1"/>
+                      </a:solidFill>
+                      <a:prstDash val="solid"/>
+                      <a:round/>
+                      <a:headEnd type="none" w="med" len="med"/>
+                      <a:tailEnd type="none" w="med" len="med"/>
+                    </a:lnT>
+                  </a:tcPr>
+                </a:tc>
+                <a:tc>
+                  <a:txBody>
+                    <a:bodyPr/>
+                    <a:lstStyle/>
+                    <a:p>
+                      <a:pPr algn="ctr"/>
+                      <a:r>
+                        <a:rPr lang="en-GB" dirty="0"/>
+                        <a:t>22.277076 b10</a:t>
+                      </a:r>
+                    </a:p>
+                    <a:p>
+                      <a:pPr algn="ctr"/>
+                      <a:r>
+                        <a:rPr lang="en-GB" dirty="0"/>
+                        <a:t>12.572883 b100</a:t>
+                      </a:r>
+                      <a:endParaRPr lang="ro-RO" dirty="0"/>
+                    </a:p>
+                  </a:txBody>
+                  <a:tcPr>
+                    <a:lnT w="38100" cap="flat" cmpd="sng" algn="ctr">
+                      <a:solidFill>
+                        <a:schemeClr val="bg1"/>
+                      </a:solidFill>
+                      <a:prstDash val="solid"/>
+                      <a:round/>
+                      <a:headEnd type="none" w="med" len="med"/>
+                      <a:tailEnd type="none" w="med" len="med"/>
+                    </a:lnT>
+                    <a:solidFill>
+                      <a:srgbClr val="92D050"/>
+                    </a:solidFill>
+                  </a:tcPr>
+                </a:tc>
+                <a:tc>
+                  <a:txBody>
+                    <a:bodyPr/>
+                    <a:lstStyle/>
+                    <a:p>
+                      <a:pPr algn="ctr"/>
+                      <a:r>
+                        <a:rPr lang="en-GB" dirty="0"/>
+                        <a:t>28.7033556</a:t>
+                      </a:r>
+                      <a:endParaRPr lang="ro-RO" dirty="0"/>
+                    </a:p>
+                  </a:txBody>
+                  <a:tcPr>
+                    <a:lnT w="38100" cap="flat" cmpd="sng" algn="ctr">
+                      <a:solidFill>
+                        <a:schemeClr val="bg1"/>
+                      </a:solidFill>
+                      <a:prstDash val="solid"/>
+                      <a:round/>
+                      <a:headEnd type="none" w="med" len="med"/>
+                      <a:tailEnd type="none" w="med" len="med"/>
+                    </a:lnT>
+                  </a:tcPr>
+                </a:tc>
+                <a:tc>
+                  <a:txBody>
+                    <a:bodyPr/>
+                    <a:lstStyle/>
+                    <a:p>
+                      <a:pPr algn="ctr"/>
+                      <a:r>
+                        <a:rPr lang="en-GB" dirty="0"/>
+                        <a:t>133.125621</a:t>
+                      </a:r>
+                      <a:endParaRPr lang="ro-RO" dirty="0"/>
+                    </a:p>
+                  </a:txBody>
+                  <a:tcPr>
+                    <a:lnT w="38100" cap="flat" cmpd="sng" algn="ctr">
+                      <a:solidFill>
+                        <a:schemeClr val="bg1"/>
+                      </a:solidFill>
+                      <a:prstDash val="solid"/>
+                      <a:round/>
+                      <a:headEnd type="none" w="med" len="med"/>
+                      <a:tailEnd type="none" w="med" len="med"/>
+                    </a:lnT>
+                    <a:solidFill>
+                      <a:srgbClr val="FF0000"/>
+                    </a:solidFill>
+                  </a:tcPr>
+                </a:tc>
+                <a:extLst>
+                  <a:ext uri="{0D108BD9-81ED-4DB2-BD59-A6C34878D82A}">
+                    <a16:rowId xmlns:a16="http://schemas.microsoft.com/office/drawing/2014/main" val="1260120887"/>
+                  </a:ext>
+                </a:extLst>
+              </a:tr>
+              <a:tr h="639379">
+                <a:tc>
+                  <a:txBody>
+                    <a:bodyPr/>
+                    <a:lstStyle/>
+                    <a:p>
+                      <a:pPr algn="ctr"/>
+                      <a:r>
+                        <a:rPr lang="en-GB" dirty="0"/>
+                        <a:t>N = 10^8</a:t>
+                      </a:r>
+                    </a:p>
+                    <a:p>
+                      <a:pPr marL="0" marR="0" lvl="0" indent="0" algn="ctr" defTabSz="457200" rtl="0" eaLnBrk="1" fontAlgn="auto" latinLnBrk="0" hangingPunct="1">
+                        <a:lnSpc>
+                          <a:spcPct val="100000"/>
+                        </a:lnSpc>
+                        <a:spcBef>
+                          <a:spcPts val="0"/>
+                        </a:spcBef>
+                        <a:spcAft>
+                          <a:spcPts val="0"/>
+                        </a:spcAft>
+                        <a:buClrTx/>
+                        <a:buSzTx/>
+                        <a:buFontTx/>
+                        <a:buNone/>
+                        <a:tabLst/>
+                        <a:defRPr/>
+                      </a:pPr>
+                      <a:r>
+                        <a:rPr lang="en-GB" dirty="0"/>
+                        <a:t>M = 10^12</a:t>
+                      </a:r>
+                      <a:endParaRPr lang="ro-RO" dirty="0"/>
+                    </a:p>
+                  </a:txBody>
+                  <a:tcPr>
+                    <a:lnR w="38100" cap="flat" cmpd="sng" algn="ctr">
+                      <a:solidFill>
+                        <a:schemeClr val="bg1"/>
+                      </a:solidFill>
+                      <a:prstDash val="solid"/>
+                      <a:round/>
+                      <a:headEnd type="none" w="med" len="med"/>
+                      <a:tailEnd type="none" w="med" len="med"/>
+                    </a:lnR>
+                  </a:tcPr>
+                </a:tc>
+                <a:tc>
+                  <a:txBody>
+                    <a:bodyPr/>
+                    <a:lstStyle/>
+                    <a:p>
+                      <a:pPr algn="ctr"/>
+                      <a:r>
+                        <a:rPr lang="en-GB" dirty="0"/>
+                        <a:t>110.658123</a:t>
+                      </a:r>
+                      <a:endParaRPr lang="ro-RO" dirty="0"/>
+                    </a:p>
+                  </a:txBody>
+                  <a:tcPr>
+                    <a:lnL w="38100" cap="flat" cmpd="sng" algn="ctr">
+                      <a:solidFill>
+                        <a:schemeClr val="bg1"/>
+                      </a:solidFill>
+                      <a:prstDash val="solid"/>
+                      <a:round/>
+                      <a:headEnd type="none" w="med" len="med"/>
+                      <a:tailEnd type="none" w="med" len="med"/>
+                    </a:lnL>
+                  </a:tcPr>
+                </a:tc>
+                <a:tc>
+                  <a:txBody>
+                    <a:bodyPr/>
+                    <a:lstStyle/>
+                    <a:p>
+                      <a:pPr algn="ctr"/>
+                      <a:r>
+                        <a:rPr lang="en-GB" dirty="0"/>
+                        <a:t>118.658123</a:t>
+                      </a:r>
+                      <a:endParaRPr lang="ro-RO" dirty="0"/>
+                    </a:p>
+                  </a:txBody>
+                  <a:tcPr/>
+                </a:tc>
+                <a:tc>
+                  <a:txBody>
+                    <a:bodyPr/>
+                    <a:lstStyle/>
+                    <a:p>
+                      <a:pPr algn="ctr"/>
+                      <a:r>
+                        <a:rPr lang="en-GB" dirty="0"/>
+                        <a:t>45.852258 b10</a:t>
+                      </a:r>
+                    </a:p>
+                    <a:p>
+                      <a:pPr algn="ctr"/>
+                      <a:r>
+                        <a:rPr lang="en-GB" dirty="0"/>
+                        <a:t>23.912181 b100</a:t>
+                      </a:r>
+                      <a:endParaRPr lang="ro-RO" dirty="0"/>
+                    </a:p>
+                  </a:txBody>
+                  <a:tcPr>
+                    <a:solidFill>
+                      <a:srgbClr val="92D050"/>
+                    </a:solidFill>
+                  </a:tcPr>
+                </a:tc>
+                <a:tc>
+                  <a:txBody>
+                    <a:bodyPr/>
+                    <a:lstStyle/>
+                    <a:p>
+                      <a:pPr algn="ctr"/>
+                      <a:r>
+                        <a:rPr lang="en-GB" dirty="0"/>
+                        <a:t>40.069109</a:t>
+                      </a:r>
+                      <a:endParaRPr lang="ro-RO" dirty="0"/>
+                    </a:p>
+                  </a:txBody>
+                  <a:tcPr/>
+                </a:tc>
+                <a:tc>
+                  <a:txBody>
+                    <a:bodyPr/>
+                    <a:lstStyle/>
+                    <a:p>
+                      <a:pPr algn="ctr"/>
+                      <a:r>
+                        <a:rPr lang="en-GB" dirty="0"/>
+                        <a:t>130.439978</a:t>
+                      </a:r>
+                      <a:endParaRPr lang="ro-RO" dirty="0"/>
+                    </a:p>
+                  </a:txBody>
+                  <a:tcPr>
+                    <a:solidFill>
+                      <a:srgbClr val="FF0000"/>
+                    </a:solidFill>
+                  </a:tcPr>
+                </a:tc>
+                <a:extLst>
+                  <a:ext uri="{0D108BD9-81ED-4DB2-BD59-A6C34878D82A}">
+                    <a16:rowId xmlns:a16="http://schemas.microsoft.com/office/drawing/2014/main" val="3617141664"/>
+                  </a:ext>
+                </a:extLst>
+              </a:tr>
+              <a:tr h="639379">
+                <a:tc>
+                  <a:txBody>
+                    <a:bodyPr/>
+                    <a:lstStyle/>
+                    <a:p>
+                      <a:pPr algn="ctr"/>
+                      <a:r>
+                        <a:rPr lang="en-GB" dirty="0"/>
+                        <a:t>N = 10^8</a:t>
+                      </a:r>
+                    </a:p>
+                    <a:p>
+                      <a:pPr algn="ctr"/>
+                      <a:r>
+                        <a:rPr lang="en-GB" dirty="0"/>
+                        <a:t>M = 10^18</a:t>
+                      </a:r>
+                      <a:endParaRPr lang="ro-RO" dirty="0"/>
+                    </a:p>
+                  </a:txBody>
+                  <a:tcPr>
+                    <a:lnR w="38100" cap="flat" cmpd="sng" algn="ctr">
+                      <a:solidFill>
+                        <a:schemeClr val="bg1"/>
+                      </a:solidFill>
+                      <a:prstDash val="solid"/>
+                      <a:round/>
+                      <a:headEnd type="none" w="med" len="med"/>
+                      <a:tailEnd type="none" w="med" len="med"/>
+                    </a:lnR>
+                  </a:tcPr>
+                </a:tc>
+                <a:tc>
+                  <a:txBody>
+                    <a:bodyPr/>
+                    <a:lstStyle/>
+                    <a:p>
+                      <a:pPr algn="ctr"/>
+                      <a:r>
+                        <a:rPr lang="en-GB" dirty="0"/>
+                        <a:t>111.513115</a:t>
+                      </a:r>
+                      <a:endParaRPr lang="ro-RO" dirty="0"/>
+                    </a:p>
+                  </a:txBody>
+                  <a:tcPr>
+                    <a:lnL w="38100" cap="flat" cmpd="sng" algn="ctr">
+                      <a:solidFill>
+                        <a:schemeClr val="bg1"/>
+                      </a:solidFill>
+                      <a:prstDash val="solid"/>
+                      <a:round/>
+                      <a:headEnd type="none" w="med" len="med"/>
+                      <a:tailEnd type="none" w="med" len="med"/>
+                    </a:lnL>
+                  </a:tcPr>
+                </a:tc>
+                <a:tc>
+                  <a:txBody>
+                    <a:bodyPr/>
+                    <a:lstStyle/>
+                    <a:p>
+                      <a:pPr algn="ctr"/>
+                      <a:r>
+                        <a:rPr lang="en-GB" dirty="0"/>
+                        <a:t>110.247889</a:t>
+                      </a:r>
+                      <a:endParaRPr lang="ro-RO" dirty="0"/>
+                    </a:p>
+                  </a:txBody>
+                  <a:tcPr>
+                    <a:solidFill>
+                      <a:schemeClr val="tx1">
+                        <a:lumMod val="75000"/>
+                      </a:schemeClr>
+                    </a:solidFill>
+                  </a:tcPr>
+                </a:tc>
+                <a:tc>
+                  <a:txBody>
+                    <a:bodyPr/>
+                    <a:lstStyle/>
+                    <a:p>
+                      <a:pPr algn="ctr"/>
+                      <a:r>
+                        <a:rPr lang="en-GB" dirty="0"/>
+                        <a:t>81.374478 b10</a:t>
+                      </a:r>
+                    </a:p>
+                    <a:p>
+                      <a:pPr algn="ctr"/>
+                      <a:r>
+                        <a:rPr lang="en-GB" dirty="0"/>
+                        <a:t>41.403647 b100</a:t>
+                      </a:r>
+                      <a:endParaRPr lang="ro-RO" dirty="0"/>
+                    </a:p>
+                  </a:txBody>
+                  <a:tcPr>
+                    <a:solidFill>
+                      <a:srgbClr val="92D050"/>
+                    </a:solidFill>
+                  </a:tcPr>
+                </a:tc>
+                <a:tc>
+                  <a:txBody>
+                    <a:bodyPr/>
+                    <a:lstStyle/>
+                    <a:p>
+                      <a:pPr algn="ctr"/>
+                      <a:r>
+                        <a:rPr lang="en-GB" dirty="0"/>
+                        <a:t>42.961625</a:t>
+                      </a:r>
+                      <a:endParaRPr lang="ro-RO" dirty="0"/>
+                    </a:p>
+                  </a:txBody>
+                  <a:tcPr/>
+                </a:tc>
+                <a:tc>
+                  <a:txBody>
+                    <a:bodyPr/>
+                    <a:lstStyle/>
+                    <a:p>
+                      <a:pPr algn="ctr"/>
+                      <a:r>
+                        <a:rPr lang="en-GB" dirty="0"/>
+                        <a:t>130.052381</a:t>
+                      </a:r>
+                      <a:endParaRPr lang="ro-RO" dirty="0"/>
+                    </a:p>
+                  </a:txBody>
+                  <a:tcPr>
+                    <a:solidFill>
+                      <a:srgbClr val="FF0000"/>
+                    </a:solidFill>
+                  </a:tcPr>
+                </a:tc>
+                <a:extLst>
+                  <a:ext uri="{0D108BD9-81ED-4DB2-BD59-A6C34878D82A}">
+                    <a16:rowId xmlns:a16="http://schemas.microsoft.com/office/drawing/2014/main" val="455241072"/>
+                  </a:ext>
+                </a:extLst>
+              </a:tr>
+            </a:tbl>
+          </a:graphicData>
+        </a:graphic>
+      </p:graphicFrame>
+      <p:sp>
+        <p:nvSpPr>
+          <p:cNvPr id="5" name="TextBox 4">
+            <a:extLst>
+              <a:ext uri="{FF2B5EF4-FFF2-40B4-BE49-F238E27FC236}">
+                <a16:creationId xmlns:a16="http://schemas.microsoft.com/office/drawing/2014/main" id="{C5A60A0F-F5E4-48F5-B108-E25D381BD4D6}"/>
+              </a:ext>
+            </a:extLst>
+          </p:cNvPr>
+          <p:cNvSpPr txBox="1"/>
+          <p:nvPr/>
+        </p:nvSpPr>
+        <p:spPr>
+          <a:xfrm>
+            <a:off x="3222170" y="0"/>
+            <a:ext cx="5747657" cy="523220"/>
+          </a:xfrm>
+          <a:prstGeom prst="rect">
+            <a:avLst/>
+          </a:prstGeom>
+          <a:noFill/>
+        </p:spPr>
+        <p:txBody>
+          <a:bodyPr wrap="square" rtlCol="0">
+            <a:spAutoFit/>
+          </a:bodyPr>
+          <a:lstStyle/>
+          <a:p>
+            <a:pPr algn="ctr"/>
+            <a:r>
+              <a:rPr lang="en-GB" sz="2800" dirty="0" err="1"/>
+              <a:t>Timpi</a:t>
+            </a:r>
+            <a:r>
+              <a:rPr lang="en-GB" sz="2800" dirty="0"/>
+              <a:t> de </a:t>
+            </a:r>
+            <a:r>
+              <a:rPr lang="en-GB" sz="2800" dirty="0" err="1"/>
+              <a:t>sortare</a:t>
+            </a:r>
+            <a:r>
+              <a:rPr lang="en-GB" sz="2800" dirty="0"/>
+              <a:t> in </a:t>
+            </a:r>
+            <a:r>
+              <a:rPr lang="en-GB" sz="2800" dirty="0" err="1"/>
+              <a:t>secunde</a:t>
+            </a:r>
+            <a:endParaRPr lang="ro-RO" sz="2800" dirty="0"/>
+          </a:p>
+        </p:txBody>
+      </p:sp>
+    </p:spTree>
+    <p:extLst>
+      <p:ext uri="{BB962C8B-B14F-4D97-AF65-F5344CB8AC3E}">
+        <p14:creationId xmlns:p14="http://schemas.microsoft.com/office/powerpoint/2010/main" val="3619558512"/>
+      </p:ext>
+    </p:extLst>
+  </p:cSld>
+  <p:clrMapOvr>
+    <a:masterClrMapping/>
+  </p:clrMapOvr>
+</p:sld>
+</file>
+
+<file path=ppt/slides/slide14.xml><?xml version="1.0" encoding="utf-8"?>
+<p:sld xmlns:a="http://schemas.openxmlformats.org/drawingml/2006/main" xmlns:r="http://schemas.openxmlformats.org/officeDocument/2006/relationships" xmlns:p="http://schemas.openxmlformats.org/presentationml/2006/main">
+  <p:cSld>
+    <p:spTree>
+      <p:nvGrpSpPr>
+        <p:cNvPr id="1" name=""/>
+        <p:cNvGrpSpPr/>
+        <p:nvPr/>
+      </p:nvGrpSpPr>
+      <p:grpSpPr>
+        <a:xfrm>
+          <a:off x="0" y="0"/>
+          <a:ext cx="0" cy="0"/>
+          <a:chOff x="0" y="0"/>
+          <a:chExt cx="0" cy="0"/>
+        </a:xfrm>
+      </p:grpSpPr>
+      <p:sp>
+        <p:nvSpPr>
+          <p:cNvPr id="2" name="Title 1">
+            <a:extLst>
+              <a:ext uri="{FF2B5EF4-FFF2-40B4-BE49-F238E27FC236}">
+                <a16:creationId xmlns:a16="http://schemas.microsoft.com/office/drawing/2014/main" id="{149A60DA-E5C2-425A-AC81-A70CD4BB9D96}"/>
+              </a:ext>
+            </a:extLst>
+          </p:cNvPr>
+          <p:cNvSpPr>
+            <a:spLocks noGrp="1"/>
+          </p:cNvSpPr>
+          <p:nvPr>
+            <p:ph type="title"/>
+          </p:nvPr>
+        </p:nvSpPr>
+        <p:spPr/>
+        <p:txBody>
+          <a:bodyPr/>
+          <a:lstStyle/>
+          <a:p>
+            <a:r>
+              <a:rPr lang="en-GB" dirty="0" err="1"/>
+              <a:t>Concluzii</a:t>
+            </a:r>
+            <a:endParaRPr lang="ro-RO" dirty="0"/>
+          </a:p>
+        </p:txBody>
+      </p:sp>
+      <p:sp>
+        <p:nvSpPr>
+          <p:cNvPr id="3" name="Content Placeholder 2">
+            <a:extLst>
+              <a:ext uri="{FF2B5EF4-FFF2-40B4-BE49-F238E27FC236}">
+                <a16:creationId xmlns:a16="http://schemas.microsoft.com/office/drawing/2014/main" id="{E7120AA8-B30D-4D27-9B29-222ED83E8A76}"/>
+              </a:ext>
+            </a:extLst>
+          </p:cNvPr>
+          <p:cNvSpPr>
+            <a:spLocks noGrp="1"/>
+          </p:cNvSpPr>
+          <p:nvPr>
+            <p:ph idx="1"/>
+          </p:nvPr>
+        </p:nvSpPr>
+        <p:spPr>
+          <a:xfrm>
+            <a:off x="913795" y="2076450"/>
+            <a:ext cx="10353762" cy="4171950"/>
+          </a:xfrm>
+        </p:spPr>
+        <p:txBody>
+          <a:bodyPr>
+            <a:normAutofit lnSpcReduction="10000"/>
+          </a:bodyPr>
+          <a:lstStyle/>
+          <a:p>
+            <a:pPr algn="just"/>
+            <a:r>
+              <a:rPr lang="en-GB" dirty="0"/>
+              <a:t>In general, </a:t>
+            </a:r>
+            <a:r>
+              <a:rPr lang="en-GB" dirty="0" err="1"/>
+              <a:t>cel</a:t>
+            </a:r>
+            <a:r>
+              <a:rPr lang="en-GB" dirty="0"/>
+              <a:t> </a:t>
+            </a:r>
+            <a:r>
+              <a:rPr lang="en-GB" dirty="0" err="1"/>
+              <a:t>mai</a:t>
+            </a:r>
+            <a:r>
+              <a:rPr lang="en-GB" dirty="0"/>
+              <a:t> lent </a:t>
+            </a:r>
+            <a:r>
+              <a:rPr lang="en-GB" dirty="0" err="1"/>
+              <a:t>algoritm</a:t>
+            </a:r>
+            <a:r>
+              <a:rPr lang="en-GB" dirty="0"/>
+              <a:t> de </a:t>
+            </a:r>
+            <a:r>
+              <a:rPr lang="en-GB" dirty="0" err="1"/>
+              <a:t>sortate</a:t>
+            </a:r>
+            <a:r>
+              <a:rPr lang="en-GB" dirty="0"/>
+              <a:t> </a:t>
+            </a:r>
+            <a:r>
+              <a:rPr lang="en-GB" dirty="0" err="1"/>
+              <a:t>pentru</a:t>
+            </a:r>
+            <a:r>
+              <a:rPr lang="en-GB" dirty="0"/>
+              <a:t> teste cu </a:t>
+            </a:r>
+            <a:r>
+              <a:rPr lang="en-GB" dirty="0" err="1"/>
+              <a:t>numere</a:t>
+            </a:r>
+            <a:r>
+              <a:rPr lang="en-GB" dirty="0"/>
+              <a:t> </a:t>
+            </a:r>
+            <a:r>
+              <a:rPr lang="en-GB" dirty="0" err="1"/>
+              <a:t>mari</a:t>
+            </a:r>
+            <a:r>
+              <a:rPr lang="en-GB" dirty="0"/>
+              <a:t> </a:t>
+            </a:r>
+            <a:r>
+              <a:rPr lang="en-GB" dirty="0" err="1"/>
+              <a:t>este</a:t>
+            </a:r>
+            <a:r>
+              <a:rPr lang="en-GB" dirty="0"/>
+              <a:t> Heap-Sort, </a:t>
+            </a:r>
+            <a:r>
+              <a:rPr lang="en-GB" dirty="0" err="1"/>
+              <a:t>avand</a:t>
+            </a:r>
+            <a:r>
+              <a:rPr lang="en-GB" dirty="0"/>
+              <a:t> </a:t>
+            </a:r>
+            <a:r>
+              <a:rPr lang="en-GB" dirty="0" err="1"/>
+              <a:t>timpi</a:t>
+            </a:r>
+            <a:r>
+              <a:rPr lang="en-GB" dirty="0"/>
+              <a:t> </a:t>
+            </a:r>
+            <a:r>
+              <a:rPr lang="en-GB" dirty="0" err="1"/>
+              <a:t>comparabili</a:t>
+            </a:r>
+            <a:r>
+              <a:rPr lang="en-GB" dirty="0"/>
+              <a:t> cu merge sort </a:t>
+            </a:r>
+            <a:r>
+              <a:rPr lang="en-GB" dirty="0" err="1"/>
+              <a:t>si</a:t>
+            </a:r>
+            <a:r>
+              <a:rPr lang="en-GB" dirty="0"/>
+              <a:t> cu shell sort, </a:t>
+            </a:r>
+            <a:r>
+              <a:rPr lang="en-GB" dirty="0" err="1"/>
+              <a:t>dar</a:t>
+            </a:r>
+            <a:r>
+              <a:rPr lang="en-GB" dirty="0"/>
+              <a:t> </a:t>
+            </a:r>
+            <a:r>
+              <a:rPr lang="en-GB" dirty="0" err="1"/>
+              <a:t>spre</a:t>
+            </a:r>
+            <a:r>
+              <a:rPr lang="en-GB" dirty="0"/>
+              <a:t> </a:t>
+            </a:r>
+            <a:r>
+              <a:rPr lang="en-GB" dirty="0" err="1"/>
+              <a:t>deosebire</a:t>
+            </a:r>
+            <a:r>
+              <a:rPr lang="en-GB" dirty="0"/>
+              <a:t> de merge sort, </a:t>
+            </a:r>
+            <a:r>
+              <a:rPr lang="en-GB" dirty="0" err="1"/>
+              <a:t>acesta</a:t>
+            </a:r>
+            <a:r>
+              <a:rPr lang="en-GB" dirty="0"/>
+              <a:t> nu </a:t>
+            </a:r>
+            <a:r>
+              <a:rPr lang="en-GB" dirty="0" err="1"/>
+              <a:t>necesita</a:t>
+            </a:r>
+            <a:r>
+              <a:rPr lang="en-GB" dirty="0"/>
+              <a:t> un vector auxiliar.</a:t>
+            </a:r>
+          </a:p>
+          <a:p>
+            <a:pPr algn="just"/>
+            <a:r>
+              <a:rPr lang="en-GB" dirty="0"/>
+              <a:t>Tot in general, </a:t>
+            </a:r>
+            <a:r>
+              <a:rPr lang="en-GB" dirty="0" err="1"/>
+              <a:t>algoritmul</a:t>
+            </a:r>
+            <a:r>
+              <a:rPr lang="en-GB" dirty="0"/>
+              <a:t> de radix sort </a:t>
+            </a:r>
+            <a:r>
+              <a:rPr lang="en-GB" dirty="0" err="1"/>
+              <a:t>este</a:t>
+            </a:r>
+            <a:r>
+              <a:rPr lang="en-GB" dirty="0"/>
+              <a:t> </a:t>
+            </a:r>
+            <a:r>
+              <a:rPr lang="en-GB" dirty="0" err="1"/>
+              <a:t>cel</a:t>
+            </a:r>
+            <a:r>
+              <a:rPr lang="en-GB" dirty="0"/>
+              <a:t> </a:t>
+            </a:r>
+            <a:r>
+              <a:rPr lang="en-GB" dirty="0" err="1"/>
+              <a:t>mai</a:t>
+            </a:r>
+            <a:r>
+              <a:rPr lang="en-GB" dirty="0"/>
+              <a:t> bun </a:t>
+            </a:r>
+            <a:r>
+              <a:rPr lang="en-GB" dirty="0" err="1"/>
+              <a:t>pentru</a:t>
+            </a:r>
+            <a:r>
+              <a:rPr lang="en-GB" dirty="0"/>
+              <a:t> </a:t>
+            </a:r>
+            <a:r>
+              <a:rPr lang="en-GB" dirty="0" err="1"/>
+              <a:t>majoritatea</a:t>
+            </a:r>
+            <a:r>
+              <a:rPr lang="en-GB" dirty="0"/>
+              <a:t> </a:t>
+            </a:r>
+            <a:r>
+              <a:rPr lang="en-GB" dirty="0" err="1"/>
+              <a:t>cazurilor</a:t>
+            </a:r>
+            <a:r>
+              <a:rPr lang="en-GB" dirty="0"/>
+              <a:t>, </a:t>
+            </a:r>
+            <a:r>
+              <a:rPr lang="en-GB" dirty="0" err="1"/>
+              <a:t>insa</a:t>
+            </a:r>
+            <a:r>
+              <a:rPr lang="en-GB" dirty="0"/>
+              <a:t> pot </a:t>
+            </a:r>
+            <a:r>
+              <a:rPr lang="en-GB" dirty="0" err="1"/>
+              <a:t>exista</a:t>
+            </a:r>
+            <a:r>
+              <a:rPr lang="en-GB" dirty="0"/>
+              <a:t> </a:t>
+            </a:r>
+            <a:r>
+              <a:rPr lang="en-GB" dirty="0" err="1"/>
+              <a:t>anumite</a:t>
+            </a:r>
+            <a:r>
+              <a:rPr lang="en-GB" dirty="0"/>
+              <a:t> </a:t>
+            </a:r>
+            <a:r>
+              <a:rPr lang="en-GB" dirty="0" err="1"/>
+              <a:t>situatii</a:t>
+            </a:r>
+            <a:r>
+              <a:rPr lang="en-GB" dirty="0"/>
+              <a:t>, in care </a:t>
+            </a:r>
+            <a:r>
+              <a:rPr lang="en-GB" dirty="0" err="1"/>
+              <a:t>daca</a:t>
+            </a:r>
+            <a:r>
+              <a:rPr lang="en-GB" dirty="0"/>
+              <a:t> </a:t>
+            </a:r>
+            <a:r>
+              <a:rPr lang="en-GB" dirty="0" err="1"/>
+              <a:t>numere</a:t>
+            </a:r>
+            <a:r>
+              <a:rPr lang="en-GB" dirty="0"/>
+              <a:t> sunt </a:t>
+            </a:r>
+            <a:r>
+              <a:rPr lang="en-GB" dirty="0" err="1"/>
+              <a:t>putine</a:t>
+            </a:r>
+            <a:r>
+              <a:rPr lang="en-GB" dirty="0"/>
+              <a:t>, </a:t>
+            </a:r>
+            <a:r>
+              <a:rPr lang="en-GB" dirty="0" err="1"/>
+              <a:t>dar</a:t>
+            </a:r>
+            <a:r>
+              <a:rPr lang="en-GB" dirty="0"/>
+              <a:t> </a:t>
+            </a:r>
+            <a:r>
+              <a:rPr lang="en-GB" dirty="0" err="1"/>
+              <a:t>foarte</a:t>
+            </a:r>
+            <a:r>
+              <a:rPr lang="en-GB" dirty="0"/>
+              <a:t> </a:t>
+            </a:r>
+            <a:r>
+              <a:rPr lang="en-GB" dirty="0" err="1"/>
+              <a:t>mari</a:t>
+            </a:r>
+            <a:r>
+              <a:rPr lang="en-GB" dirty="0"/>
+              <a:t> un </a:t>
+            </a:r>
+            <a:r>
+              <a:rPr lang="en-GB" dirty="0" err="1"/>
+              <a:t>algoritm</a:t>
+            </a:r>
+            <a:r>
+              <a:rPr lang="en-GB" dirty="0"/>
+              <a:t> precum </a:t>
+            </a:r>
+            <a:r>
+              <a:rPr lang="en-GB" dirty="0" err="1"/>
+              <a:t>cel</a:t>
+            </a:r>
+            <a:r>
+              <a:rPr lang="en-GB" dirty="0"/>
+              <a:t> de quick sort, s-</a:t>
+            </a:r>
+            <a:r>
+              <a:rPr lang="en-GB" dirty="0" err="1"/>
+              <a:t>ar</a:t>
+            </a:r>
+            <a:r>
+              <a:rPr lang="en-GB" dirty="0"/>
+              <a:t> </a:t>
+            </a:r>
+            <a:r>
+              <a:rPr lang="en-GB" dirty="0" err="1"/>
+              <a:t>descurca</a:t>
+            </a:r>
+            <a:r>
+              <a:rPr lang="en-GB" dirty="0"/>
+              <a:t> </a:t>
+            </a:r>
+            <a:r>
+              <a:rPr lang="en-GB" dirty="0" err="1"/>
+              <a:t>mai</a:t>
+            </a:r>
+            <a:r>
+              <a:rPr lang="en-GB" dirty="0"/>
+              <a:t> bine.</a:t>
+            </a:r>
+          </a:p>
+          <a:p>
+            <a:pPr algn="just"/>
+            <a:r>
+              <a:rPr lang="en-GB" dirty="0"/>
+              <a:t>Cu </a:t>
+            </a:r>
+            <a:r>
+              <a:rPr lang="en-GB" dirty="0" err="1"/>
+              <a:t>toate</a:t>
+            </a:r>
+            <a:r>
+              <a:rPr lang="en-GB" dirty="0"/>
+              <a:t> ca radix sort, a </a:t>
+            </a:r>
+            <a:r>
+              <a:rPr lang="en-GB" dirty="0" err="1"/>
+              <a:t>obtinut</a:t>
+            </a:r>
+            <a:r>
+              <a:rPr lang="en-GB" dirty="0"/>
+              <a:t> </a:t>
+            </a:r>
+            <a:r>
+              <a:rPr lang="en-GB" dirty="0" err="1"/>
+              <a:t>timpii</a:t>
+            </a:r>
+            <a:r>
+              <a:rPr lang="en-GB" dirty="0"/>
+              <a:t> </a:t>
+            </a:r>
+            <a:r>
+              <a:rPr lang="en-GB" dirty="0" err="1"/>
+              <a:t>cei</a:t>
+            </a:r>
+            <a:r>
+              <a:rPr lang="en-GB" dirty="0"/>
+              <a:t> </a:t>
+            </a:r>
+            <a:r>
+              <a:rPr lang="en-GB" dirty="0" err="1"/>
+              <a:t>mai</a:t>
+            </a:r>
+            <a:r>
+              <a:rPr lang="en-GB" dirty="0"/>
+              <a:t> </a:t>
+            </a:r>
+            <a:r>
+              <a:rPr lang="en-GB" dirty="0" err="1"/>
+              <a:t>buni</a:t>
+            </a:r>
+            <a:r>
+              <a:rPr lang="en-GB" dirty="0"/>
+              <a:t> </a:t>
+            </a:r>
+            <a:r>
+              <a:rPr lang="en-GB" dirty="0" err="1"/>
+              <a:t>pentru</a:t>
+            </a:r>
+            <a:r>
+              <a:rPr lang="en-GB" dirty="0"/>
+              <a:t> </a:t>
+            </a:r>
+            <a:r>
+              <a:rPr lang="en-GB" dirty="0" err="1"/>
+              <a:t>cele</a:t>
+            </a:r>
+            <a:r>
+              <a:rPr lang="en-GB" dirty="0"/>
+              <a:t> </a:t>
+            </a:r>
+            <a:r>
+              <a:rPr lang="en-GB" dirty="0" err="1"/>
+              <a:t>mai</a:t>
+            </a:r>
+            <a:r>
+              <a:rPr lang="en-GB" dirty="0"/>
+              <a:t> </a:t>
+            </a:r>
+            <a:r>
+              <a:rPr lang="en-GB" dirty="0" err="1"/>
+              <a:t>multe</a:t>
+            </a:r>
+            <a:r>
+              <a:rPr lang="en-GB" dirty="0"/>
+              <a:t> teste, consider ca quick sort </a:t>
+            </a:r>
+            <a:r>
+              <a:rPr lang="en-GB" dirty="0" err="1"/>
+              <a:t>este</a:t>
+            </a:r>
+            <a:r>
+              <a:rPr lang="en-GB" dirty="0"/>
+              <a:t> </a:t>
+            </a:r>
+            <a:r>
+              <a:rPr lang="en-GB" dirty="0" err="1"/>
+              <a:t>cel</a:t>
+            </a:r>
+            <a:r>
+              <a:rPr lang="en-GB" dirty="0"/>
+              <a:t> </a:t>
+            </a:r>
+            <a:r>
+              <a:rPr lang="en-GB" dirty="0" err="1"/>
+              <a:t>mai</a:t>
+            </a:r>
+            <a:r>
+              <a:rPr lang="en-GB" dirty="0"/>
+              <a:t> bun </a:t>
+            </a:r>
+            <a:r>
+              <a:rPr lang="en-GB" dirty="0" err="1"/>
+              <a:t>algoritm</a:t>
+            </a:r>
+            <a:r>
+              <a:rPr lang="en-GB" dirty="0"/>
+              <a:t> de </a:t>
+            </a:r>
+            <a:r>
+              <a:rPr lang="en-GB" dirty="0" err="1"/>
+              <a:t>sortare</a:t>
+            </a:r>
+            <a:r>
+              <a:rPr lang="en-GB" dirty="0"/>
+              <a:t>, </a:t>
+            </a:r>
+            <a:r>
+              <a:rPr lang="en-GB" dirty="0" err="1"/>
+              <a:t>timpii</a:t>
+            </a:r>
+            <a:r>
+              <a:rPr lang="en-GB" dirty="0"/>
+              <a:t> </a:t>
+            </a:r>
+            <a:r>
+              <a:rPr lang="en-GB" dirty="0" err="1"/>
+              <a:t>fiind</a:t>
+            </a:r>
+            <a:r>
+              <a:rPr lang="en-GB" dirty="0"/>
+              <a:t> </a:t>
+            </a:r>
+            <a:r>
+              <a:rPr lang="en-GB" dirty="0" err="1"/>
+              <a:t>comparabili</a:t>
+            </a:r>
+            <a:r>
+              <a:rPr lang="en-GB" dirty="0"/>
+              <a:t> cu </a:t>
+            </a:r>
+            <a:r>
+              <a:rPr lang="en-GB" dirty="0" err="1"/>
+              <a:t>algoritmul</a:t>
+            </a:r>
+            <a:r>
+              <a:rPr lang="en-GB" dirty="0"/>
+              <a:t> de radix sort, </a:t>
+            </a:r>
+            <a:r>
+              <a:rPr lang="en-GB" dirty="0" err="1"/>
+              <a:t>fiind</a:t>
+            </a:r>
+            <a:r>
+              <a:rPr lang="en-GB" dirty="0"/>
+              <a:t> </a:t>
+            </a:r>
+            <a:r>
+              <a:rPr lang="en-GB" dirty="0" err="1"/>
+              <a:t>insa</a:t>
+            </a:r>
+            <a:r>
+              <a:rPr lang="en-GB" dirty="0"/>
+              <a:t> </a:t>
+            </a:r>
+            <a:r>
+              <a:rPr lang="en-GB" dirty="0" err="1"/>
+              <a:t>mult</a:t>
+            </a:r>
+            <a:r>
+              <a:rPr lang="en-GB" dirty="0"/>
+              <a:t> </a:t>
+            </a:r>
+            <a:r>
+              <a:rPr lang="en-GB" dirty="0" err="1"/>
+              <a:t>mai</a:t>
+            </a:r>
+            <a:r>
+              <a:rPr lang="en-GB" dirty="0"/>
+              <a:t> consistent </a:t>
+            </a:r>
+            <a:r>
+              <a:rPr lang="en-GB" dirty="0" err="1"/>
+              <a:t>indiferent</a:t>
+            </a:r>
+            <a:r>
+              <a:rPr lang="en-GB" dirty="0"/>
+              <a:t> de </a:t>
+            </a:r>
+            <a:r>
+              <a:rPr lang="en-GB" dirty="0" err="1"/>
+              <a:t>numerele</a:t>
+            </a:r>
+            <a:r>
+              <a:rPr lang="en-GB" dirty="0"/>
+              <a:t> de la input.</a:t>
+            </a:r>
+          </a:p>
+          <a:p>
+            <a:pPr algn="just"/>
+            <a:endParaRPr lang="ro-RO" dirty="0"/>
+          </a:p>
+        </p:txBody>
+      </p:sp>
+    </p:spTree>
+    <p:extLst>
+      <p:ext uri="{BB962C8B-B14F-4D97-AF65-F5344CB8AC3E}">
+        <p14:creationId xmlns:p14="http://schemas.microsoft.com/office/powerpoint/2010/main" val="3030938578"/>
+      </p:ext>
+    </p:extLst>
+  </p:cSld>
+  <p:clrMapOvr>
+    <a:masterClrMapping/>
+  </p:clrMapOvr>
+</p:sld>
+</file>
+
+<file path=ppt/slides/slide15.xml><?xml version="1.0" encoding="utf-8"?>
+<p:sld xmlns:a="http://schemas.openxmlformats.org/drawingml/2006/main" xmlns:r="http://schemas.openxmlformats.org/officeDocument/2006/relationships" xmlns:p="http://schemas.openxmlformats.org/presentationml/2006/main">
+  <p:cSld>
+    <p:spTree>
+      <p:nvGrpSpPr>
+        <p:cNvPr id="1" name=""/>
+        <p:cNvGrpSpPr/>
+        <p:nvPr/>
+      </p:nvGrpSpPr>
+      <p:grpSpPr>
+        <a:xfrm>
+          <a:off x="0" y="0"/>
+          <a:ext cx="0" cy="0"/>
+          <a:chOff x="0" y="0"/>
+          <a:chExt cx="0" cy="0"/>
+        </a:xfrm>
+      </p:grpSpPr>
+      <p:sp>
+        <p:nvSpPr>
+          <p:cNvPr id="2" name="Title 1">
+            <a:extLst>
+              <a:ext uri="{FF2B5EF4-FFF2-40B4-BE49-F238E27FC236}">
+                <a16:creationId xmlns:a16="http://schemas.microsoft.com/office/drawing/2014/main" id="{49B37F89-F864-432B-97C7-C6A01D11136B}"/>
+              </a:ext>
+            </a:extLst>
+          </p:cNvPr>
+          <p:cNvSpPr>
+            <a:spLocks noGrp="1"/>
+          </p:cNvSpPr>
+          <p:nvPr>
+            <p:ph type="title"/>
+          </p:nvPr>
+        </p:nvSpPr>
+        <p:spPr>
+          <a:xfrm>
+            <a:off x="261613" y="1542661"/>
+            <a:ext cx="11668773" cy="3449216"/>
+          </a:xfrm>
+        </p:spPr>
+        <p:txBody>
+          <a:bodyPr>
+            <a:normAutofit/>
+          </a:bodyPr>
+          <a:lstStyle/>
+          <a:p>
+            <a:r>
+              <a:rPr lang="en-GB" sz="9600" dirty="0"/>
+              <a:t>ENDL;</a:t>
+            </a:r>
+            <a:endParaRPr lang="ro-RO" sz="9600" dirty="0"/>
+          </a:p>
+        </p:txBody>
+      </p:sp>
+    </p:spTree>
+    <p:extLst>
+      <p:ext uri="{BB962C8B-B14F-4D97-AF65-F5344CB8AC3E}">
+        <p14:creationId xmlns:p14="http://schemas.microsoft.com/office/powerpoint/2010/main" val="436138260"/>
+      </p:ext>
+    </p:extLst>
+  </p:cSld>
+  <p:clrMapOvr>
+    <a:masterClrMapping/>
+  </p:clrMapOvr>
+</p:sld>
+</file>
+
 <file path=ppt/slides/slide2.xml><?xml version="1.0" encoding="utf-8"?>
+<p:sld xmlns:a="http://schemas.openxmlformats.org/drawingml/2006/main" xmlns:r="http://schemas.openxmlformats.org/officeDocument/2006/relationships" xmlns:p="http://schemas.openxmlformats.org/presentationml/2006/main">
+  <p:cSld>
+    <p:spTree>
+      <p:nvGrpSpPr>
+        <p:cNvPr id="1" name=""/>
+        <p:cNvGrpSpPr/>
+        <p:nvPr/>
+      </p:nvGrpSpPr>
+      <p:grpSpPr>
+        <a:xfrm>
+          <a:off x="0" y="0"/>
+          <a:ext cx="0" cy="0"/>
+          <a:chOff x="0" y="0"/>
+          <a:chExt cx="0" cy="0"/>
+        </a:xfrm>
+      </p:grpSpPr>
+      <p:sp>
+        <p:nvSpPr>
+          <p:cNvPr id="2" name="Title 1">
+            <a:extLst>
+              <a:ext uri="{FF2B5EF4-FFF2-40B4-BE49-F238E27FC236}">
+                <a16:creationId xmlns:a16="http://schemas.microsoft.com/office/drawing/2014/main" id="{79C8B5CC-D020-4AA9-AEEA-835C5E5D39D7}"/>
+              </a:ext>
+            </a:extLst>
+          </p:cNvPr>
+          <p:cNvSpPr>
+            <a:spLocks noGrp="1"/>
+          </p:cNvSpPr>
+          <p:nvPr>
+            <p:ph type="title"/>
+          </p:nvPr>
+        </p:nvSpPr>
+        <p:spPr/>
+        <p:txBody>
+          <a:bodyPr/>
+          <a:lstStyle/>
+          <a:p>
+            <a:r>
+              <a:rPr lang="en-GB" dirty="0" err="1"/>
+              <a:t>Algoritmi</a:t>
+            </a:r>
+            <a:endParaRPr lang="ro-RO" dirty="0"/>
+          </a:p>
+        </p:txBody>
+      </p:sp>
+      <p:sp>
+        <p:nvSpPr>
+          <p:cNvPr id="3" name="Content Placeholder 2">
+            <a:extLst>
+              <a:ext uri="{FF2B5EF4-FFF2-40B4-BE49-F238E27FC236}">
+                <a16:creationId xmlns:a16="http://schemas.microsoft.com/office/drawing/2014/main" id="{900F9ACA-E267-4678-AD26-4920AE13D7BF}"/>
+              </a:ext>
+            </a:extLst>
+          </p:cNvPr>
+          <p:cNvSpPr>
+            <a:spLocks noGrp="1"/>
+          </p:cNvSpPr>
+          <p:nvPr>
+            <p:ph idx="1"/>
+          </p:nvPr>
+        </p:nvSpPr>
+        <p:spPr/>
+        <p:txBody>
+          <a:bodyPr>
+            <a:normAutofit/>
+          </a:bodyPr>
+          <a:lstStyle/>
+          <a:p>
+            <a:pPr>
+              <a:buFont typeface="Wingdings" panose="05000000000000000000" pitchFamily="2" charset="2"/>
+              <a:buChar char="v"/>
+            </a:pPr>
+            <a:r>
+              <a:rPr lang="en-GB" sz="3200" dirty="0"/>
+              <a:t>Radix Sort (</a:t>
+            </a:r>
+            <a:r>
+              <a:rPr lang="en-GB" sz="3200" dirty="0" err="1"/>
+              <a:t>baza</a:t>
+            </a:r>
+            <a:r>
+              <a:rPr lang="en-GB" sz="3200" dirty="0"/>
+              <a:t> </a:t>
+            </a:r>
+            <a:r>
+              <a:rPr lang="en-GB" sz="3200" dirty="0" err="1"/>
+              <a:t>variabila</a:t>
+            </a:r>
+            <a:r>
+              <a:rPr lang="en-GB" sz="3200" dirty="0"/>
+              <a:t>)</a:t>
+            </a:r>
+          </a:p>
+          <a:p>
+            <a:pPr>
+              <a:buFont typeface="Wingdings" panose="05000000000000000000" pitchFamily="2" charset="2"/>
+              <a:buChar char="v"/>
+            </a:pPr>
+            <a:r>
+              <a:rPr lang="en-GB" sz="3200" dirty="0"/>
+              <a:t>Merge Sort</a:t>
+            </a:r>
+          </a:p>
+          <a:p>
+            <a:pPr>
+              <a:buFont typeface="Wingdings" panose="05000000000000000000" pitchFamily="2" charset="2"/>
+              <a:buChar char="v"/>
+            </a:pPr>
+            <a:r>
+              <a:rPr lang="en-GB" sz="3200" dirty="0"/>
+              <a:t>Shell Sort</a:t>
+            </a:r>
+          </a:p>
+          <a:p>
+            <a:pPr>
+              <a:buFont typeface="Wingdings" panose="05000000000000000000" pitchFamily="2" charset="2"/>
+              <a:buChar char="v"/>
+            </a:pPr>
+            <a:r>
+              <a:rPr lang="en-GB" sz="3200" dirty="0"/>
+              <a:t>Quick Sort (3 </a:t>
+            </a:r>
+            <a:r>
+              <a:rPr lang="en-GB" sz="3200" dirty="0" err="1"/>
+              <a:t>partitii</a:t>
+            </a:r>
+            <a:r>
+              <a:rPr lang="en-GB" sz="3200" dirty="0"/>
+              <a:t>)</a:t>
+            </a:r>
+          </a:p>
+          <a:p>
+            <a:pPr>
+              <a:buFont typeface="Wingdings" panose="05000000000000000000" pitchFamily="2" charset="2"/>
+              <a:buChar char="v"/>
+            </a:pPr>
+            <a:r>
+              <a:rPr lang="en-GB" sz="3200" dirty="0"/>
+              <a:t>Heap Sort</a:t>
+            </a:r>
+            <a:endParaRPr lang="ro-RO" sz="3200" dirty="0"/>
+          </a:p>
+        </p:txBody>
+      </p:sp>
+    </p:spTree>
+    <p:extLst>
+      <p:ext uri="{BB962C8B-B14F-4D97-AF65-F5344CB8AC3E}">
+        <p14:creationId xmlns:p14="http://schemas.microsoft.com/office/powerpoint/2010/main" val="1997976645"/>
+      </p:ext>
+    </p:extLst>
+  </p:cSld>
+  <p:clrMapOvr>
+    <a:masterClrMapping/>
+  </p:clrMapOvr>
+</p:sld>
+</file>
+
+<file path=ppt/slides/slide3.xml><?xml version="1.0" encoding="utf-8"?>
 <p:sld xmlns:a="http://schemas.openxmlformats.org/drawingml/2006/main" xmlns:r="http://schemas.openxmlformats.org/officeDocument/2006/relationships" xmlns:p="http://schemas.openxmlformats.org/presentationml/2006/main">
   <p:cSld>
     <p:spTree>
@@ -6893,7 +10926,7 @@
         </p:spPr>
         <p:txBody>
           <a:bodyPr>
-            <a:normAutofit fontScale="85000" lnSpcReduction="20000"/>
+            <a:normAutofit fontScale="70000" lnSpcReduction="20000"/>
           </a:bodyPr>
           <a:lstStyle/>
           <a:p>
@@ -7303,7 +11336,7 @@
                   <a:schemeClr val="bg1"/>
                 </a:solidFill>
               </a:rPr>
-              <a:t>(L)*(N+B)) </a:t>
+              <a:t>(L)*(N)) </a:t>
             </a:r>
             <a:r>
               <a:rPr lang="en-GB" dirty="0" err="1">
@@ -7527,7 +11560,177 @@
                   <a:schemeClr val="bg1"/>
                 </a:solidFill>
               </a:rPr>
-              <a:t>. De </a:t>
+              <a:t>. </a:t>
+            </a:r>
+            <a:r>
+              <a:rPr lang="en-GB" dirty="0" err="1">
+                <a:solidFill>
+                  <a:schemeClr val="bg1"/>
+                </a:solidFill>
+              </a:rPr>
+              <a:t>Sortarea</a:t>
+            </a:r>
+            <a:r>
+              <a:rPr lang="en-GB" dirty="0">
+                <a:solidFill>
+                  <a:schemeClr val="bg1"/>
+                </a:solidFill>
+              </a:rPr>
+              <a:t> se face </a:t>
+            </a:r>
+            <a:r>
+              <a:rPr lang="en-GB" dirty="0" err="1">
+                <a:solidFill>
+                  <a:schemeClr val="bg1"/>
+                </a:solidFill>
+              </a:rPr>
+              <a:t>incepand</a:t>
+            </a:r>
+            <a:r>
+              <a:rPr lang="en-GB" dirty="0">
+                <a:solidFill>
+                  <a:schemeClr val="bg1"/>
+                </a:solidFill>
+              </a:rPr>
+              <a:t> de la LSD (Least Significant Digit) </a:t>
+            </a:r>
+            <a:r>
+              <a:rPr lang="en-GB" dirty="0" err="1">
+                <a:solidFill>
+                  <a:schemeClr val="bg1"/>
+                </a:solidFill>
+              </a:rPr>
+              <a:t>si</a:t>
+            </a:r>
+            <a:r>
+              <a:rPr lang="en-GB" dirty="0">
+                <a:solidFill>
+                  <a:schemeClr val="bg1"/>
+                </a:solidFill>
+              </a:rPr>
+              <a:t> continua </a:t>
+            </a:r>
+            <a:r>
+              <a:rPr lang="en-GB" dirty="0" err="1">
+                <a:solidFill>
+                  <a:schemeClr val="bg1"/>
+                </a:solidFill>
+              </a:rPr>
+              <a:t>pana</a:t>
+            </a:r>
+            <a:r>
+              <a:rPr lang="en-GB" dirty="0">
+                <a:solidFill>
+                  <a:schemeClr val="bg1"/>
+                </a:solidFill>
+              </a:rPr>
+              <a:t> la </a:t>
+            </a:r>
+            <a:r>
+              <a:rPr lang="en-GB" dirty="0" err="1">
+                <a:solidFill>
+                  <a:schemeClr val="bg1"/>
+                </a:solidFill>
+              </a:rPr>
+              <a:t>cifra</a:t>
+            </a:r>
+            <a:r>
+              <a:rPr lang="en-GB" dirty="0">
+                <a:solidFill>
+                  <a:schemeClr val="bg1"/>
+                </a:solidFill>
+              </a:rPr>
+              <a:t> de </a:t>
+            </a:r>
+            <a:r>
+              <a:rPr lang="en-GB" dirty="0" err="1">
+                <a:solidFill>
+                  <a:schemeClr val="bg1"/>
+                </a:solidFill>
+              </a:rPr>
+              <a:t>cel</a:t>
+            </a:r>
+            <a:r>
+              <a:rPr lang="en-GB" dirty="0">
+                <a:solidFill>
+                  <a:schemeClr val="bg1"/>
+                </a:solidFill>
+              </a:rPr>
+              <a:t> </a:t>
+            </a:r>
+            <a:r>
+              <a:rPr lang="en-GB" dirty="0" err="1">
+                <a:solidFill>
+                  <a:schemeClr val="bg1"/>
+                </a:solidFill>
+              </a:rPr>
+              <a:t>mai</a:t>
+            </a:r>
+            <a:r>
+              <a:rPr lang="en-GB" dirty="0">
+                <a:solidFill>
+                  <a:schemeClr val="bg1"/>
+                </a:solidFill>
+              </a:rPr>
+              <a:t> mare grad, al </a:t>
+            </a:r>
+            <a:r>
+              <a:rPr lang="en-GB" dirty="0" err="1">
+                <a:solidFill>
+                  <a:schemeClr val="bg1"/>
+                </a:solidFill>
+              </a:rPr>
+              <a:t>celui</a:t>
+            </a:r>
+            <a:r>
+              <a:rPr lang="en-GB" dirty="0">
+                <a:solidFill>
+                  <a:schemeClr val="bg1"/>
+                </a:solidFill>
+              </a:rPr>
+              <a:t> </a:t>
+            </a:r>
+            <a:r>
+              <a:rPr lang="en-GB" dirty="0" err="1">
+                <a:solidFill>
+                  <a:schemeClr val="bg1"/>
+                </a:solidFill>
+              </a:rPr>
+              <a:t>mai</a:t>
+            </a:r>
+            <a:r>
+              <a:rPr lang="en-GB" dirty="0">
+                <a:solidFill>
+                  <a:schemeClr val="bg1"/>
+                </a:solidFill>
+              </a:rPr>
+              <a:t> mare </a:t>
+            </a:r>
+            <a:r>
+              <a:rPr lang="en-GB" dirty="0" err="1">
+                <a:solidFill>
+                  <a:schemeClr val="bg1"/>
+                </a:solidFill>
+              </a:rPr>
+              <a:t>numar</a:t>
+            </a:r>
+            <a:r>
+              <a:rPr lang="en-GB" dirty="0">
+                <a:solidFill>
+                  <a:schemeClr val="bg1"/>
+                </a:solidFill>
+              </a:rPr>
+              <a:t>.</a:t>
+            </a:r>
+          </a:p>
+          <a:p>
+            <a:r>
+              <a:rPr lang="en-GB" dirty="0">
+                <a:solidFill>
+                  <a:schemeClr val="bg1"/>
+                </a:solidFill>
+              </a:rPr>
+              <a:t>De </a:t>
             </a:r>
             <a:r>
               <a:rPr lang="en-GB" dirty="0" err="1">
@@ -8338,7 +12541,132 @@
 </p:sld>
 </file>
 
-<file path=ppt/slides/slide3.xml><?xml version="1.0" encoding="utf-8"?>
+<file path=ppt/slides/slide4.xml><?xml version="1.0" encoding="utf-8"?>
+<p:sld xmlns:a="http://schemas.openxmlformats.org/drawingml/2006/main" xmlns:r="http://schemas.openxmlformats.org/officeDocument/2006/relationships" xmlns:p="http://schemas.openxmlformats.org/presentationml/2006/main">
+  <p:cSld>
+    <p:spTree>
+      <p:nvGrpSpPr>
+        <p:cNvPr id="1" name=""/>
+        <p:cNvGrpSpPr/>
+        <p:nvPr/>
+      </p:nvGrpSpPr>
+      <p:grpSpPr>
+        <a:xfrm>
+          <a:off x="0" y="0"/>
+          <a:ext cx="0" cy="0"/>
+          <a:chOff x="0" y="0"/>
+          <a:chExt cx="0" cy="0"/>
+        </a:xfrm>
+      </p:grpSpPr>
+      <p:pic>
+        <p:nvPicPr>
+          <p:cNvPr id="1026" name="Picture 2" descr="Simplistic illustration of the steps performed in a radix sort. In this...  | Download Scientific Diagram">
+            <a:extLst>
+              <a:ext uri="{FF2B5EF4-FFF2-40B4-BE49-F238E27FC236}">
+                <a16:creationId xmlns:a16="http://schemas.microsoft.com/office/drawing/2014/main" id="{89A21E26-2174-4D7F-A842-6B53852105AF}"/>
+              </a:ext>
+            </a:extLst>
+          </p:cNvPr>
+          <p:cNvPicPr>
+            <a:picLocks noChangeAspect="1" noChangeArrowheads="1"/>
+          </p:cNvPicPr>
+          <p:nvPr/>
+        </p:nvPicPr>
+        <p:blipFill>
+          <a:blip r:embed="rId2">
+            <a:extLst>
+              <a:ext uri="{28A0092B-C50C-407E-A947-70E740481C1C}">
+                <a14:useLocalDpi xmlns:a14="http://schemas.microsoft.com/office/drawing/2010/main" val="0"/>
+              </a:ext>
+            </a:extLst>
+          </a:blip>
+          <a:srcRect/>
+          <a:stretch>
+            <a:fillRect/>
+          </a:stretch>
+        </p:blipFill>
+        <p:spPr bwMode="auto">
+          <a:xfrm>
+            <a:off x="0" y="2015412"/>
+            <a:ext cx="12206977" cy="4842588"/>
+          </a:xfrm>
+          <a:prstGeom prst="rect">
+            <a:avLst/>
+          </a:prstGeom>
+          <a:noFill/>
+          <a:extLst>
+            <a:ext uri="{909E8E84-426E-40DD-AFC4-6F175D3DCCD1}">
+              <a14:hiddenFill xmlns:a14="http://schemas.microsoft.com/office/drawing/2010/main">
+                <a:solidFill>
+                  <a:srgbClr val="FFFFFF"/>
+                </a:solidFill>
+              </a14:hiddenFill>
+            </a:ext>
+          </a:extLst>
+        </p:spPr>
+      </p:pic>
+      <p:sp>
+        <p:nvSpPr>
+          <p:cNvPr id="5" name="TextBox 4">
+            <a:extLst>
+              <a:ext uri="{FF2B5EF4-FFF2-40B4-BE49-F238E27FC236}">
+                <a16:creationId xmlns:a16="http://schemas.microsoft.com/office/drawing/2014/main" id="{D1F3C29E-C3C6-44DE-9A96-1F2A9808A492}"/>
+              </a:ext>
+            </a:extLst>
+          </p:cNvPr>
+          <p:cNvSpPr txBox="1"/>
+          <p:nvPr/>
+        </p:nvSpPr>
+        <p:spPr>
+          <a:xfrm>
+            <a:off x="1822579" y="326570"/>
+            <a:ext cx="8546841" cy="830997"/>
+          </a:xfrm>
+          <a:prstGeom prst="rect">
+            <a:avLst/>
+          </a:prstGeom>
+          <a:noFill/>
+        </p:spPr>
+        <p:txBody>
+          <a:bodyPr wrap="square" rtlCol="0">
+            <a:spAutoFit/>
+          </a:bodyPr>
+          <a:lstStyle/>
+          <a:p>
+            <a:r>
+              <a:rPr lang="en-GB" sz="4800" dirty="0" err="1"/>
+              <a:t>Mecanism</a:t>
+            </a:r>
+            <a:r>
+              <a:rPr lang="en-GB" sz="4800" dirty="0"/>
+              <a:t> </a:t>
+            </a:r>
+            <a:r>
+              <a:rPr lang="en-GB" sz="4800" dirty="0" err="1"/>
+              <a:t>functionare</a:t>
+            </a:r>
+            <a:r>
+              <a:rPr lang="en-GB" sz="4800" dirty="0"/>
+              <a:t> Radix Sort</a:t>
+            </a:r>
+            <a:endParaRPr lang="ro-RO" sz="4800" dirty="0"/>
+          </a:p>
+        </p:txBody>
+      </p:sp>
+    </p:spTree>
+    <p:extLst>
+      <p:ext uri="{BB962C8B-B14F-4D97-AF65-F5344CB8AC3E}">
+        <p14:creationId xmlns:p14="http://schemas.microsoft.com/office/powerpoint/2010/main" val="2573919889"/>
+      </p:ext>
+    </p:extLst>
+  </p:cSld>
+  <p:clrMapOvr>
+    <a:masterClrMapping/>
+  </p:clrMapOvr>
+</p:sld>
+</file>
+
+<file path=ppt/slides/slide5.xml><?xml version="1.0" encoding="utf-8"?>
 <p:sld xmlns:a="http://schemas.openxmlformats.org/drawingml/2006/main" xmlns:r="http://schemas.openxmlformats.org/officeDocument/2006/relationships" xmlns:p="http://schemas.openxmlformats.org/presentationml/2006/main">
   <p:cSld>
     <p:bg>
@@ -9742,7 +14070,132 @@
 </p:sld>
 </file>
 
-<file path=ppt/slides/slide4.xml><?xml version="1.0" encoding="utf-8"?>
+<file path=ppt/slides/slide6.xml><?xml version="1.0" encoding="utf-8"?>
+<p:sld xmlns:a="http://schemas.openxmlformats.org/drawingml/2006/main" xmlns:r="http://schemas.openxmlformats.org/officeDocument/2006/relationships" xmlns:p="http://schemas.openxmlformats.org/presentationml/2006/main">
+  <p:cSld>
+    <p:spTree>
+      <p:nvGrpSpPr>
+        <p:cNvPr id="1" name=""/>
+        <p:cNvGrpSpPr/>
+        <p:nvPr/>
+      </p:nvGrpSpPr>
+      <p:grpSpPr>
+        <a:xfrm>
+          <a:off x="0" y="0"/>
+          <a:ext cx="0" cy="0"/>
+          <a:chOff x="0" y="0"/>
+          <a:chExt cx="0" cy="0"/>
+        </a:xfrm>
+      </p:grpSpPr>
+      <p:pic>
+        <p:nvPicPr>
+          <p:cNvPr id="2052" name="Picture 4" descr="Visualizing, Designing, and Analyzing the Merge Sort Algorithm. | by Vikram  Gupta | Level Up Coding">
+            <a:extLst>
+              <a:ext uri="{FF2B5EF4-FFF2-40B4-BE49-F238E27FC236}">
+                <a16:creationId xmlns:a16="http://schemas.microsoft.com/office/drawing/2014/main" id="{027987AC-BBD4-4B1F-81EF-E6210516C359}"/>
+              </a:ext>
+            </a:extLst>
+          </p:cNvPr>
+          <p:cNvPicPr>
+            <a:picLocks noChangeAspect="1" noChangeArrowheads="1"/>
+          </p:cNvPicPr>
+          <p:nvPr/>
+        </p:nvPicPr>
+        <p:blipFill>
+          <a:blip r:embed="rId2">
+            <a:extLst>
+              <a:ext uri="{28A0092B-C50C-407E-A947-70E740481C1C}">
+                <a14:useLocalDpi xmlns:a14="http://schemas.microsoft.com/office/drawing/2010/main" val="0"/>
+              </a:ext>
+            </a:extLst>
+          </a:blip>
+          <a:srcRect/>
+          <a:stretch>
+            <a:fillRect/>
+          </a:stretch>
+        </p:blipFill>
+        <p:spPr bwMode="auto">
+          <a:xfrm>
+            <a:off x="4083698" y="0"/>
+            <a:ext cx="8108302" cy="6881630"/>
+          </a:xfrm>
+          <a:prstGeom prst="rect">
+            <a:avLst/>
+          </a:prstGeom>
+          <a:noFill/>
+          <a:extLst>
+            <a:ext uri="{909E8E84-426E-40DD-AFC4-6F175D3DCCD1}">
+              <a14:hiddenFill xmlns:a14="http://schemas.microsoft.com/office/drawing/2010/main">
+                <a:solidFill>
+                  <a:srgbClr val="FFFFFF"/>
+                </a:solidFill>
+              </a14:hiddenFill>
+            </a:ext>
+          </a:extLst>
+        </p:spPr>
+      </p:pic>
+      <p:sp>
+        <p:nvSpPr>
+          <p:cNvPr id="4" name="TextBox 3">
+            <a:extLst>
+              <a:ext uri="{FF2B5EF4-FFF2-40B4-BE49-F238E27FC236}">
+                <a16:creationId xmlns:a16="http://schemas.microsoft.com/office/drawing/2014/main" id="{6441AD33-53D7-4398-A7F7-607200DBABE9}"/>
+              </a:ext>
+            </a:extLst>
+          </p:cNvPr>
+          <p:cNvSpPr txBox="1"/>
+          <p:nvPr/>
+        </p:nvSpPr>
+        <p:spPr>
+          <a:xfrm>
+            <a:off x="466530" y="821094"/>
+            <a:ext cx="3125755" cy="2308324"/>
+          </a:xfrm>
+          <a:prstGeom prst="rect">
+            <a:avLst/>
+          </a:prstGeom>
+          <a:noFill/>
+        </p:spPr>
+        <p:txBody>
+          <a:bodyPr wrap="square" rtlCol="0">
+            <a:spAutoFit/>
+          </a:bodyPr>
+          <a:lstStyle/>
+          <a:p>
+            <a:r>
+              <a:rPr lang="en-GB" sz="4800" dirty="0" err="1"/>
+              <a:t>Mecanism</a:t>
+            </a:r>
+            <a:r>
+              <a:rPr lang="en-GB" sz="4800" dirty="0"/>
+              <a:t> </a:t>
+            </a:r>
+            <a:r>
+              <a:rPr lang="en-GB" sz="4800" dirty="0" err="1"/>
+              <a:t>functionare</a:t>
+            </a:r>
+            <a:r>
+              <a:rPr lang="en-GB" sz="4800" dirty="0"/>
+              <a:t> Merge Sort</a:t>
+            </a:r>
+            <a:endParaRPr lang="ro-RO" sz="4800" dirty="0"/>
+          </a:p>
+        </p:txBody>
+      </p:sp>
+    </p:spTree>
+    <p:extLst>
+      <p:ext uri="{BB962C8B-B14F-4D97-AF65-F5344CB8AC3E}">
+        <p14:creationId xmlns:p14="http://schemas.microsoft.com/office/powerpoint/2010/main" val="2758190960"/>
+      </p:ext>
+    </p:extLst>
+  </p:cSld>
+  <p:clrMapOvr>
+    <a:masterClrMapping/>
+  </p:clrMapOvr>
+</p:sld>
+</file>
+
+<file path=ppt/slides/slide7.xml><?xml version="1.0" encoding="utf-8"?>
 <p:sld xmlns:a="http://schemas.openxmlformats.org/drawingml/2006/main" xmlns:r="http://schemas.openxmlformats.org/officeDocument/2006/relationships" xmlns:p="http://schemas.openxmlformats.org/presentationml/2006/main">
   <p:cSld>
     <p:spTree>
@@ -10995,7 +15448,130 @@
 </p:sld>
 </file>
 
-<file path=ppt/slides/slide5.xml><?xml version="1.0" encoding="utf-8"?>
+<file path=ppt/slides/slide8.xml><?xml version="1.0" encoding="utf-8"?>
+<p:sld xmlns:a="http://schemas.openxmlformats.org/drawingml/2006/main" xmlns:r="http://schemas.openxmlformats.org/officeDocument/2006/relationships" xmlns:p="http://schemas.openxmlformats.org/presentationml/2006/main">
+  <p:cSld>
+    <p:spTree>
+      <p:nvGrpSpPr>
+        <p:cNvPr id="1" name=""/>
+        <p:cNvGrpSpPr/>
+        <p:nvPr/>
+      </p:nvGrpSpPr>
+      <p:grpSpPr>
+        <a:xfrm>
+          <a:off x="0" y="0"/>
+          <a:ext cx="0" cy="0"/>
+          <a:chOff x="0" y="0"/>
+          <a:chExt cx="0" cy="0"/>
+        </a:xfrm>
+      </p:grpSpPr>
+      <p:sp>
+        <p:nvSpPr>
+          <p:cNvPr id="2" name="Title 1">
+            <a:extLst>
+              <a:ext uri="{FF2B5EF4-FFF2-40B4-BE49-F238E27FC236}">
+                <a16:creationId xmlns:a16="http://schemas.microsoft.com/office/drawing/2014/main" id="{50840513-DC38-43DC-A731-F8E4100B968A}"/>
+              </a:ext>
+            </a:extLst>
+          </p:cNvPr>
+          <p:cNvSpPr>
+            <a:spLocks noGrp="1"/>
+          </p:cNvSpPr>
+          <p:nvPr>
+            <p:ph type="title"/>
+          </p:nvPr>
+        </p:nvSpPr>
+        <p:spPr>
+          <a:xfrm>
+            <a:off x="167950" y="609599"/>
+            <a:ext cx="2939143" cy="5781869"/>
+          </a:xfrm>
+        </p:spPr>
+        <p:txBody>
+          <a:bodyPr/>
+          <a:lstStyle/>
+          <a:p>
+            <a:r>
+              <a:rPr lang="en-GB" dirty="0" err="1"/>
+              <a:t>Mecanism</a:t>
+            </a:r>
+            <a:r>
+              <a:rPr lang="en-GB" dirty="0"/>
+              <a:t> </a:t>
+            </a:r>
+            <a:r>
+              <a:rPr lang="en-GB" dirty="0" err="1"/>
+              <a:t>functionare</a:t>
+            </a:r>
+            <a:r>
+              <a:rPr lang="en-GB" dirty="0"/>
+              <a:t> Shell Sort</a:t>
+            </a:r>
+            <a:endParaRPr lang="ro-RO" dirty="0"/>
+          </a:p>
+        </p:txBody>
+      </p:sp>
+      <p:pic>
+        <p:nvPicPr>
+          <p:cNvPr id="3074" name="Picture 2" descr="Shell Sort (With Code in Python, C++, Java and C)">
+            <a:extLst>
+              <a:ext uri="{FF2B5EF4-FFF2-40B4-BE49-F238E27FC236}">
+                <a16:creationId xmlns:a16="http://schemas.microsoft.com/office/drawing/2014/main" id="{EB0C34F6-D5D2-4609-B0C5-28120B7472B5}"/>
+              </a:ext>
+            </a:extLst>
+          </p:cNvPr>
+          <p:cNvPicPr>
+            <a:picLocks noChangeAspect="1" noChangeArrowheads="1"/>
+          </p:cNvPicPr>
+          <p:nvPr/>
+        </p:nvPicPr>
+        <p:blipFill>
+          <a:blip r:embed="rId2">
+            <a:extLst>
+              <a:ext uri="{28A0092B-C50C-407E-A947-70E740481C1C}">
+                <a14:useLocalDpi xmlns:a14="http://schemas.microsoft.com/office/drawing/2010/main" val="0"/>
+              </a:ext>
+            </a:extLst>
+          </a:blip>
+          <a:srcRect/>
+          <a:stretch>
+            <a:fillRect/>
+          </a:stretch>
+        </p:blipFill>
+        <p:spPr bwMode="auto">
+          <a:xfrm>
+            <a:off x="2764969" y="279918"/>
+            <a:ext cx="9550401" cy="6578082"/>
+          </a:xfrm>
+          <a:prstGeom prst="rect">
+            <a:avLst/>
+          </a:prstGeom>
+          <a:noFill/>
+          <a:extLst>
+            <a:ext uri="{909E8E84-426E-40DD-AFC4-6F175D3DCCD1}">
+              <a14:hiddenFill xmlns:a14="http://schemas.microsoft.com/office/drawing/2010/main">
+                <a:solidFill>
+                  <a:srgbClr val="FFFFFF"/>
+                </a:solidFill>
+              </a14:hiddenFill>
+            </a:ext>
+          </a:extLst>
+        </p:spPr>
+      </p:pic>
+    </p:spTree>
+    <p:extLst>
+      <p:ext uri="{BB962C8B-B14F-4D97-AF65-F5344CB8AC3E}">
+        <p14:creationId xmlns:p14="http://schemas.microsoft.com/office/powerpoint/2010/main" val="2933257315"/>
+      </p:ext>
+    </p:extLst>
+  </p:cSld>
+  <p:clrMapOvr>
+    <a:masterClrMapping/>
+  </p:clrMapOvr>
+</p:sld>
+</file>
+
+<file path=ppt/slides/slide9.xml><?xml version="1.0" encoding="utf-8"?>
 <p:sld xmlns:a="http://schemas.openxmlformats.org/drawingml/2006/main" xmlns:r="http://schemas.openxmlformats.org/officeDocument/2006/relationships" xmlns:p="http://schemas.openxmlformats.org/presentationml/2006/main">
   <p:cSld>
     <p:spTree>
@@ -12177,3541 +16753,6 @@
     <p:extLst>
       <p:ext uri="{BB962C8B-B14F-4D97-AF65-F5344CB8AC3E}">
         <p14:creationId xmlns:p14="http://schemas.microsoft.com/office/powerpoint/2010/main" val="728769618"/>
-      </p:ext>
-    </p:extLst>
-  </p:cSld>
-  <p:clrMapOvr>
-    <a:masterClrMapping/>
-  </p:clrMapOvr>
-</p:sld>
-</file>
-
-<file path=ppt/slides/slide6.xml><?xml version="1.0" encoding="utf-8"?>
-<p:sld xmlns:a="http://schemas.openxmlformats.org/drawingml/2006/main" xmlns:r="http://schemas.openxmlformats.org/officeDocument/2006/relationships" xmlns:p="http://schemas.openxmlformats.org/presentationml/2006/main">
-  <p:cSld>
-    <p:spTree>
-      <p:nvGrpSpPr>
-        <p:cNvPr id="1" name=""/>
-        <p:cNvGrpSpPr/>
-        <p:nvPr/>
-      </p:nvGrpSpPr>
-      <p:grpSpPr>
-        <a:xfrm>
-          <a:off x="0" y="0"/>
-          <a:ext cx="0" cy="0"/>
-          <a:chOff x="0" y="0"/>
-          <a:chExt cx="0" cy="0"/>
-        </a:xfrm>
-      </p:grpSpPr>
-      <p:pic>
-        <p:nvPicPr>
-          <p:cNvPr id="4" name="Picture 3">
-            <a:extLst>
-              <a:ext uri="{FF2B5EF4-FFF2-40B4-BE49-F238E27FC236}">
-                <a16:creationId xmlns:a16="http://schemas.microsoft.com/office/drawing/2014/main" id="{8A9104F2-587D-43C7-8967-3653D97B3C78}"/>
-              </a:ext>
-              <a:ext uri="{C183D7F6-B498-43B3-948B-1728B52AA6E4}">
-                <adec:decorative xmlns:adec="http://schemas.microsoft.com/office/drawing/2017/decorative" val="1"/>
-              </a:ext>
-            </a:extLst>
-          </p:cNvPr>
-          <p:cNvPicPr>
-            <a:picLocks noChangeAspect="1"/>
-          </p:cNvPicPr>
-          <p:nvPr/>
-        </p:nvPicPr>
-        <p:blipFill rotWithShape="1">
-          <a:blip r:embed="rId2">
-            <a:extLst>
-              <a:ext uri="{28A0092B-C50C-407E-A947-70E740481C1C}">
-                <a14:useLocalDpi xmlns:a14="http://schemas.microsoft.com/office/drawing/2010/main" val="0"/>
-              </a:ext>
-            </a:extLst>
-          </a:blip>
-          <a:srcRect b="-1"/>
-          <a:stretch/>
-        </p:blipFill>
-        <p:spPr>
-          <a:xfrm>
-            <a:off x="0" y="10"/>
-            <a:ext cx="6096000" cy="6857990"/>
-          </a:xfrm>
-          <a:prstGeom prst="rect">
-            <a:avLst/>
-          </a:prstGeom>
-        </p:spPr>
-      </p:pic>
-      <p:sp>
-        <p:nvSpPr>
-          <p:cNvPr id="2" name="Title 1">
-            <a:extLst>
-              <a:ext uri="{FF2B5EF4-FFF2-40B4-BE49-F238E27FC236}">
-                <a16:creationId xmlns:a16="http://schemas.microsoft.com/office/drawing/2014/main" id="{A4E4A641-04C4-467B-8584-DF403DB4E97D}"/>
-              </a:ext>
-            </a:extLst>
-          </p:cNvPr>
-          <p:cNvSpPr>
-            <a:spLocks noGrp="1"/>
-          </p:cNvSpPr>
-          <p:nvPr>
-            <p:ph type="title"/>
-          </p:nvPr>
-        </p:nvSpPr>
-        <p:spPr>
-          <a:xfrm>
-            <a:off x="913795" y="609600"/>
-            <a:ext cx="4460310" cy="1257300"/>
-          </a:xfrm>
-        </p:spPr>
-        <p:txBody>
-          <a:bodyPr/>
-          <a:lstStyle/>
-          <a:p>
-            <a:r>
-              <a:rPr lang="en-GB" dirty="0">
-                <a:solidFill>
-                  <a:schemeClr val="bg1"/>
-                </a:solidFill>
-              </a:rPr>
-              <a:t>Heap Sort</a:t>
-            </a:r>
-            <a:endParaRPr lang="ro-RO" dirty="0">
-              <a:solidFill>
-                <a:schemeClr val="bg1"/>
-              </a:solidFill>
-            </a:endParaRPr>
-          </a:p>
-        </p:txBody>
-      </p:sp>
-      <p:sp>
-        <p:nvSpPr>
-          <p:cNvPr id="3" name="Content Placeholder 2">
-            <a:extLst>
-              <a:ext uri="{FF2B5EF4-FFF2-40B4-BE49-F238E27FC236}">
-                <a16:creationId xmlns:a16="http://schemas.microsoft.com/office/drawing/2014/main" id="{390A8995-AE4F-4CF4-8126-3DD5D156F560}"/>
-              </a:ext>
-            </a:extLst>
-          </p:cNvPr>
-          <p:cNvSpPr>
-            <a:spLocks noGrp="1"/>
-          </p:cNvSpPr>
-          <p:nvPr>
-            <p:ph idx="1"/>
-          </p:nvPr>
-        </p:nvSpPr>
-        <p:spPr>
-          <a:xfrm>
-            <a:off x="913795" y="2076450"/>
-            <a:ext cx="4460310" cy="3714749"/>
-          </a:xfrm>
-        </p:spPr>
-        <p:txBody>
-          <a:bodyPr>
-            <a:normAutofit fontScale="92500" lnSpcReduction="10000"/>
-          </a:bodyPr>
-          <a:lstStyle/>
-          <a:p>
-            <a:r>
-              <a:rPr lang="en-GB" dirty="0" err="1">
-                <a:solidFill>
-                  <a:schemeClr val="bg1"/>
-                </a:solidFill>
-              </a:rPr>
-              <a:t>Algoritmul</a:t>
-            </a:r>
-            <a:r>
-              <a:rPr lang="en-GB" dirty="0">
-                <a:solidFill>
-                  <a:schemeClr val="bg1"/>
-                </a:solidFill>
-              </a:rPr>
-              <a:t> de heap sort </a:t>
-            </a:r>
-            <a:r>
-              <a:rPr lang="en-GB" dirty="0" err="1">
-                <a:solidFill>
-                  <a:schemeClr val="bg1"/>
-                </a:solidFill>
-              </a:rPr>
-              <a:t>este</a:t>
-            </a:r>
-            <a:r>
-              <a:rPr lang="en-GB" dirty="0">
-                <a:solidFill>
-                  <a:schemeClr val="bg1"/>
-                </a:solidFill>
-              </a:rPr>
-              <a:t> un </a:t>
-            </a:r>
-            <a:r>
-              <a:rPr lang="en-GB" dirty="0" err="1">
-                <a:solidFill>
-                  <a:schemeClr val="bg1"/>
-                </a:solidFill>
-              </a:rPr>
-              <a:t>algoritm</a:t>
-            </a:r>
-            <a:r>
-              <a:rPr lang="en-GB" dirty="0">
-                <a:solidFill>
-                  <a:schemeClr val="bg1"/>
-                </a:solidFill>
-              </a:rPr>
-              <a:t> </a:t>
-            </a:r>
-            <a:r>
-              <a:rPr lang="en-GB" dirty="0" err="1">
-                <a:solidFill>
-                  <a:schemeClr val="bg1"/>
-                </a:solidFill>
-              </a:rPr>
-              <a:t>recursiv</a:t>
-            </a:r>
-            <a:r>
-              <a:rPr lang="en-GB" dirty="0">
-                <a:solidFill>
-                  <a:schemeClr val="bg1"/>
-                </a:solidFill>
-              </a:rPr>
-              <a:t>, </a:t>
-            </a:r>
-            <a:r>
-              <a:rPr lang="en-GB" dirty="0" err="1">
-                <a:solidFill>
-                  <a:schemeClr val="bg1"/>
-                </a:solidFill>
-              </a:rPr>
-              <a:t>ce</a:t>
-            </a:r>
-            <a:r>
-              <a:rPr lang="en-GB" dirty="0">
-                <a:solidFill>
-                  <a:schemeClr val="bg1"/>
-                </a:solidFill>
-              </a:rPr>
-              <a:t> initial </a:t>
-            </a:r>
-            <a:r>
-              <a:rPr lang="en-GB" dirty="0" err="1">
-                <a:solidFill>
-                  <a:schemeClr val="bg1"/>
-                </a:solidFill>
-              </a:rPr>
-              <a:t>preia</a:t>
-            </a:r>
-            <a:r>
-              <a:rPr lang="en-GB" dirty="0">
-                <a:solidFill>
-                  <a:schemeClr val="bg1"/>
-                </a:solidFill>
-              </a:rPr>
-              <a:t> un vector </a:t>
-            </a:r>
-            <a:r>
-              <a:rPr lang="en-GB" dirty="0" err="1">
-                <a:solidFill>
-                  <a:schemeClr val="bg1"/>
-                </a:solidFill>
-              </a:rPr>
-              <a:t>si</a:t>
-            </a:r>
-            <a:r>
-              <a:rPr lang="en-GB" dirty="0">
-                <a:solidFill>
-                  <a:schemeClr val="bg1"/>
-                </a:solidFill>
-              </a:rPr>
-              <a:t> il </a:t>
-            </a:r>
-            <a:r>
-              <a:rPr lang="en-GB" dirty="0" err="1">
-                <a:solidFill>
-                  <a:schemeClr val="bg1"/>
-                </a:solidFill>
-              </a:rPr>
-              <a:t>transforma</a:t>
-            </a:r>
-            <a:r>
-              <a:rPr lang="en-GB" dirty="0">
-                <a:solidFill>
-                  <a:schemeClr val="bg1"/>
-                </a:solidFill>
-              </a:rPr>
-              <a:t> </a:t>
-            </a:r>
-            <a:r>
-              <a:rPr lang="en-GB" dirty="0" err="1">
-                <a:solidFill>
-                  <a:schemeClr val="bg1"/>
-                </a:solidFill>
-              </a:rPr>
-              <a:t>intr</a:t>
-            </a:r>
-            <a:r>
-              <a:rPr lang="en-GB" dirty="0">
-                <a:solidFill>
-                  <a:schemeClr val="bg1"/>
-                </a:solidFill>
-              </a:rPr>
-              <a:t>-un max heap. </a:t>
-            </a:r>
-            <a:r>
-              <a:rPr lang="en-GB" dirty="0" err="1">
-                <a:solidFill>
-                  <a:schemeClr val="bg1"/>
-                </a:solidFill>
-              </a:rPr>
-              <a:t>Dupa</a:t>
-            </a:r>
-            <a:r>
-              <a:rPr lang="en-GB" dirty="0">
-                <a:solidFill>
-                  <a:schemeClr val="bg1"/>
-                </a:solidFill>
-              </a:rPr>
-              <a:t> </a:t>
-            </a:r>
-            <a:r>
-              <a:rPr lang="en-GB" dirty="0" err="1">
-                <a:solidFill>
-                  <a:schemeClr val="bg1"/>
-                </a:solidFill>
-              </a:rPr>
-              <a:t>aceea</a:t>
-            </a:r>
-            <a:r>
-              <a:rPr lang="en-GB" dirty="0">
-                <a:solidFill>
-                  <a:schemeClr val="bg1"/>
-                </a:solidFill>
-              </a:rPr>
-              <a:t> </a:t>
-            </a:r>
-            <a:r>
-              <a:rPr lang="en-GB" dirty="0" err="1">
-                <a:solidFill>
-                  <a:schemeClr val="bg1"/>
-                </a:solidFill>
-              </a:rPr>
-              <a:t>schimba</a:t>
-            </a:r>
-            <a:r>
-              <a:rPr lang="en-GB" dirty="0">
-                <a:solidFill>
-                  <a:schemeClr val="bg1"/>
-                </a:solidFill>
-              </a:rPr>
-              <a:t> </a:t>
-            </a:r>
-            <a:r>
-              <a:rPr lang="en-GB" dirty="0" err="1">
-                <a:solidFill>
-                  <a:schemeClr val="bg1"/>
-                </a:solidFill>
-              </a:rPr>
-              <a:t>elementul</a:t>
-            </a:r>
-            <a:r>
-              <a:rPr lang="en-GB" dirty="0">
-                <a:solidFill>
-                  <a:schemeClr val="bg1"/>
-                </a:solidFill>
-              </a:rPr>
-              <a:t> din </a:t>
-            </a:r>
-            <a:r>
-              <a:rPr lang="en-GB" dirty="0" err="1">
-                <a:solidFill>
-                  <a:schemeClr val="bg1"/>
-                </a:solidFill>
-              </a:rPr>
-              <a:t>radacina</a:t>
-            </a:r>
-            <a:r>
-              <a:rPr lang="en-GB" dirty="0">
-                <a:solidFill>
-                  <a:schemeClr val="bg1"/>
-                </a:solidFill>
-              </a:rPr>
-              <a:t> cu </a:t>
-            </a:r>
-            <a:r>
-              <a:rPr lang="en-GB" dirty="0" err="1">
-                <a:solidFill>
-                  <a:schemeClr val="bg1"/>
-                </a:solidFill>
-              </a:rPr>
-              <a:t>ultimul</a:t>
-            </a:r>
-            <a:r>
-              <a:rPr lang="en-GB" dirty="0">
-                <a:solidFill>
-                  <a:schemeClr val="bg1"/>
-                </a:solidFill>
-              </a:rPr>
-              <a:t> element </a:t>
-            </a:r>
-            <a:r>
-              <a:rPr lang="en-GB" dirty="0" err="1">
-                <a:solidFill>
-                  <a:schemeClr val="bg1"/>
-                </a:solidFill>
-              </a:rPr>
-              <a:t>si</a:t>
-            </a:r>
-            <a:r>
-              <a:rPr lang="en-GB" dirty="0">
-                <a:solidFill>
-                  <a:schemeClr val="bg1"/>
-                </a:solidFill>
-              </a:rPr>
-              <a:t> se </a:t>
-            </a:r>
-            <a:r>
-              <a:rPr lang="en-GB" dirty="0" err="1">
-                <a:solidFill>
-                  <a:schemeClr val="bg1"/>
-                </a:solidFill>
-              </a:rPr>
-              <a:t>apeleaza</a:t>
-            </a:r>
-            <a:r>
-              <a:rPr lang="en-GB" dirty="0">
-                <a:solidFill>
-                  <a:schemeClr val="bg1"/>
-                </a:solidFill>
-              </a:rPr>
-              <a:t> din </a:t>
-            </a:r>
-            <a:r>
-              <a:rPr lang="en-GB" dirty="0" err="1">
-                <a:solidFill>
-                  <a:schemeClr val="bg1"/>
-                </a:solidFill>
-              </a:rPr>
-              <a:t>nou</a:t>
-            </a:r>
-            <a:r>
-              <a:rPr lang="en-GB" dirty="0">
-                <a:solidFill>
-                  <a:schemeClr val="bg1"/>
-                </a:solidFill>
-              </a:rPr>
-              <a:t> </a:t>
-            </a:r>
-            <a:r>
-              <a:rPr lang="en-GB" dirty="0" err="1">
-                <a:solidFill>
-                  <a:schemeClr val="bg1"/>
-                </a:solidFill>
-              </a:rPr>
-              <a:t>transformarea</a:t>
-            </a:r>
-            <a:r>
-              <a:rPr lang="en-GB" dirty="0">
-                <a:solidFill>
-                  <a:schemeClr val="bg1"/>
-                </a:solidFill>
-              </a:rPr>
-              <a:t> in heap </a:t>
-            </a:r>
-            <a:r>
-              <a:rPr lang="en-GB" dirty="0" err="1">
-                <a:solidFill>
-                  <a:schemeClr val="bg1"/>
-                </a:solidFill>
-              </a:rPr>
-              <a:t>pentru</a:t>
-            </a:r>
-            <a:r>
-              <a:rPr lang="en-GB" dirty="0">
-                <a:solidFill>
-                  <a:schemeClr val="bg1"/>
-                </a:solidFill>
-              </a:rPr>
-              <a:t> </a:t>
-            </a:r>
-            <a:r>
-              <a:rPr lang="en-GB" dirty="0" err="1">
-                <a:solidFill>
-                  <a:schemeClr val="bg1"/>
-                </a:solidFill>
-              </a:rPr>
-              <a:t>lungimea</a:t>
-            </a:r>
-            <a:r>
-              <a:rPr lang="en-GB" dirty="0">
-                <a:solidFill>
-                  <a:schemeClr val="bg1"/>
-                </a:solidFill>
-              </a:rPr>
-              <a:t> n-1, </a:t>
-            </a:r>
-            <a:r>
-              <a:rPr lang="en-GB" dirty="0" err="1">
-                <a:solidFill>
-                  <a:schemeClr val="bg1"/>
-                </a:solidFill>
-              </a:rPr>
-              <a:t>dar</a:t>
-            </a:r>
-            <a:r>
-              <a:rPr lang="en-GB" dirty="0">
-                <a:solidFill>
-                  <a:schemeClr val="bg1"/>
-                </a:solidFill>
-              </a:rPr>
-              <a:t> de </a:t>
-            </a:r>
-            <a:r>
-              <a:rPr lang="en-GB" dirty="0" err="1">
-                <a:solidFill>
-                  <a:schemeClr val="bg1"/>
-                </a:solidFill>
-              </a:rPr>
-              <a:t>aceasta</a:t>
-            </a:r>
-            <a:r>
-              <a:rPr lang="en-GB" dirty="0">
-                <a:solidFill>
-                  <a:schemeClr val="bg1"/>
-                </a:solidFill>
-              </a:rPr>
-              <a:t> data heap-</a:t>
-            </a:r>
-            <a:r>
-              <a:rPr lang="en-GB" dirty="0" err="1">
-                <a:solidFill>
-                  <a:schemeClr val="bg1"/>
-                </a:solidFill>
-              </a:rPr>
-              <a:t>ul</a:t>
-            </a:r>
-            <a:r>
-              <a:rPr lang="en-GB" dirty="0">
-                <a:solidFill>
-                  <a:schemeClr val="bg1"/>
-                </a:solidFill>
-              </a:rPr>
-              <a:t> </a:t>
-            </a:r>
-            <a:r>
-              <a:rPr lang="en-GB" dirty="0" err="1">
-                <a:solidFill>
-                  <a:schemeClr val="bg1"/>
-                </a:solidFill>
-              </a:rPr>
-              <a:t>este</a:t>
-            </a:r>
-            <a:r>
-              <a:rPr lang="en-GB" dirty="0">
-                <a:solidFill>
-                  <a:schemeClr val="bg1"/>
-                </a:solidFill>
-              </a:rPr>
-              <a:t> </a:t>
-            </a:r>
-            <a:r>
-              <a:rPr lang="en-GB" dirty="0" err="1">
-                <a:solidFill>
-                  <a:schemeClr val="bg1"/>
-                </a:solidFill>
-              </a:rPr>
-              <a:t>aproape</a:t>
-            </a:r>
-            <a:r>
-              <a:rPr lang="en-GB" dirty="0">
-                <a:solidFill>
-                  <a:schemeClr val="bg1"/>
-                </a:solidFill>
-              </a:rPr>
-              <a:t> </a:t>
-            </a:r>
-            <a:r>
-              <a:rPr lang="en-GB" dirty="0" err="1">
-                <a:solidFill>
-                  <a:schemeClr val="bg1"/>
-                </a:solidFill>
-              </a:rPr>
-              <a:t>creat</a:t>
-            </a:r>
-            <a:r>
-              <a:rPr lang="en-GB" dirty="0">
-                <a:solidFill>
-                  <a:schemeClr val="bg1"/>
-                </a:solidFill>
-              </a:rPr>
-              <a:t>, </a:t>
-            </a:r>
-            <a:r>
-              <a:rPr lang="en-GB" dirty="0" err="1">
-                <a:solidFill>
-                  <a:schemeClr val="bg1"/>
-                </a:solidFill>
-              </a:rPr>
-              <a:t>fiind</a:t>
-            </a:r>
-            <a:r>
-              <a:rPr lang="en-GB" dirty="0">
-                <a:solidFill>
-                  <a:schemeClr val="bg1"/>
-                </a:solidFill>
-              </a:rPr>
-              <a:t> </a:t>
-            </a:r>
-            <a:r>
-              <a:rPr lang="en-GB" dirty="0" err="1">
-                <a:solidFill>
-                  <a:schemeClr val="bg1"/>
-                </a:solidFill>
-              </a:rPr>
-              <a:t>nevoie</a:t>
-            </a:r>
-            <a:r>
-              <a:rPr lang="en-GB" dirty="0">
-                <a:solidFill>
-                  <a:schemeClr val="bg1"/>
-                </a:solidFill>
-              </a:rPr>
-              <a:t> de maxim log2(n) </a:t>
-            </a:r>
-            <a:r>
-              <a:rPr lang="en-GB" dirty="0" err="1">
-                <a:solidFill>
-                  <a:schemeClr val="bg1"/>
-                </a:solidFill>
-              </a:rPr>
-              <a:t>schimbari</a:t>
-            </a:r>
-            <a:r>
-              <a:rPr lang="en-GB" dirty="0">
-                <a:solidFill>
-                  <a:schemeClr val="bg1"/>
-                </a:solidFill>
-              </a:rPr>
-              <a:t> </a:t>
-            </a:r>
-            <a:r>
-              <a:rPr lang="en-GB" dirty="0" err="1">
-                <a:solidFill>
-                  <a:schemeClr val="bg1"/>
-                </a:solidFill>
-              </a:rPr>
-              <a:t>pentru</a:t>
-            </a:r>
-            <a:r>
-              <a:rPr lang="en-GB" dirty="0">
-                <a:solidFill>
-                  <a:schemeClr val="bg1"/>
-                </a:solidFill>
-              </a:rPr>
-              <a:t> a se </a:t>
-            </a:r>
-            <a:r>
-              <a:rPr lang="en-GB" dirty="0" err="1">
-                <a:solidFill>
-                  <a:schemeClr val="bg1"/>
-                </a:solidFill>
-              </a:rPr>
-              <a:t>ajunge</a:t>
-            </a:r>
-            <a:r>
-              <a:rPr lang="en-GB" dirty="0">
-                <a:solidFill>
-                  <a:schemeClr val="bg1"/>
-                </a:solidFill>
-              </a:rPr>
-              <a:t> la un </a:t>
-            </a:r>
-            <a:r>
-              <a:rPr lang="en-GB" dirty="0" err="1">
-                <a:solidFill>
-                  <a:schemeClr val="bg1"/>
-                </a:solidFill>
-              </a:rPr>
-              <a:t>nou</a:t>
-            </a:r>
-            <a:r>
-              <a:rPr lang="en-GB" dirty="0">
-                <a:solidFill>
-                  <a:schemeClr val="bg1"/>
-                </a:solidFill>
-              </a:rPr>
-              <a:t> max heap.</a:t>
-            </a:r>
-            <a:endParaRPr lang="ro-RO" dirty="0">
-              <a:solidFill>
-                <a:schemeClr val="bg1"/>
-              </a:solidFill>
-            </a:endParaRPr>
-          </a:p>
-        </p:txBody>
-      </p:sp>
-      <p:graphicFrame>
-        <p:nvGraphicFramePr>
-          <p:cNvPr id="5" name="Table 5">
-            <a:extLst>
-              <a:ext uri="{FF2B5EF4-FFF2-40B4-BE49-F238E27FC236}">
-                <a16:creationId xmlns:a16="http://schemas.microsoft.com/office/drawing/2014/main" id="{02732F3D-85E3-465B-B05E-B3E125942D8F}"/>
-              </a:ext>
-            </a:extLst>
-          </p:cNvPr>
-          <p:cNvGraphicFramePr>
-            <a:graphicFrameLocks noGrp="1"/>
-          </p:cNvGraphicFramePr>
-          <p:nvPr>
-            <p:extLst>
-              <p:ext uri="{D42A27DB-BD31-4B8C-83A1-F6EECF244321}">
-                <p14:modId xmlns:p14="http://schemas.microsoft.com/office/powerpoint/2010/main" val="720143838"/>
-              </p:ext>
-            </p:extLst>
-          </p:nvPr>
-        </p:nvGraphicFramePr>
-        <p:xfrm>
-          <a:off x="6646641" y="761548"/>
-          <a:ext cx="5048052" cy="5334904"/>
-        </p:xfrm>
-        <a:graphic>
-          <a:graphicData uri="http://schemas.openxmlformats.org/drawingml/2006/table">
-            <a:tbl>
-              <a:tblPr firstRow="1" bandRow="1">
-                <a:tableStyleId>{616DA210-FB5B-4158-B5E0-FEB733F419BA}</a:tableStyleId>
-              </a:tblPr>
-              <a:tblGrid>
-                <a:gridCol w="1262013">
-                  <a:extLst>
-                    <a:ext uri="{9D8B030D-6E8A-4147-A177-3AD203B41FA5}">
-                      <a16:colId xmlns:a16="http://schemas.microsoft.com/office/drawing/2014/main" val="1914828615"/>
-                    </a:ext>
-                  </a:extLst>
-                </a:gridCol>
-                <a:gridCol w="1262013">
-                  <a:extLst>
-                    <a:ext uri="{9D8B030D-6E8A-4147-A177-3AD203B41FA5}">
-                      <a16:colId xmlns:a16="http://schemas.microsoft.com/office/drawing/2014/main" val="1766897396"/>
-                    </a:ext>
-                  </a:extLst>
-                </a:gridCol>
-                <a:gridCol w="1262013">
-                  <a:extLst>
-                    <a:ext uri="{9D8B030D-6E8A-4147-A177-3AD203B41FA5}">
-                      <a16:colId xmlns:a16="http://schemas.microsoft.com/office/drawing/2014/main" val="4023029423"/>
-                    </a:ext>
-                  </a:extLst>
-                </a:gridCol>
-                <a:gridCol w="1262013">
-                  <a:extLst>
-                    <a:ext uri="{9D8B030D-6E8A-4147-A177-3AD203B41FA5}">
-                      <a16:colId xmlns:a16="http://schemas.microsoft.com/office/drawing/2014/main" val="4006115915"/>
-                    </a:ext>
-                  </a:extLst>
-                </a:gridCol>
-              </a:tblGrid>
-              <a:tr h="1333726">
-                <a:tc>
-                  <a:txBody>
-                    <a:bodyPr/>
-                    <a:lstStyle/>
-                    <a:p>
-                      <a:pPr algn="ctr"/>
-                      <a:r>
-                        <a:rPr lang="en-GB" sz="2400" dirty="0"/>
-                        <a:t>Nr </a:t>
-                      </a:r>
-                      <a:r>
-                        <a:rPr lang="en-GB" sz="2400" dirty="0" err="1"/>
-                        <a:t>numere</a:t>
-                      </a:r>
-                      <a:r>
-                        <a:rPr lang="en-GB" sz="2400" dirty="0"/>
-                        <a:t>/Maxim</a:t>
-                      </a:r>
-                      <a:endParaRPr lang="en-US" sz="2400" dirty="0"/>
-                    </a:p>
-                  </a:txBody>
-                  <a:tcPr/>
-                </a:tc>
-                <a:tc>
-                  <a:txBody>
-                    <a:bodyPr/>
-                    <a:lstStyle/>
-                    <a:p>
-                      <a:pPr algn="ctr"/>
-                      <a:endParaRPr lang="en-GB"/>
-                    </a:p>
-                    <a:p>
-                      <a:pPr algn="ctr"/>
-                      <a:r>
-                        <a:rPr lang="en-GB" sz="1800"/>
-                        <a:t> </a:t>
-                      </a:r>
-                      <a:r>
-                        <a:rPr lang="en-GB" sz="2400"/>
-                        <a:t>10^3</a:t>
-                      </a:r>
-                    </a:p>
-                    <a:p>
-                      <a:pPr algn="ctr"/>
-                      <a:endParaRPr lang="en-US"/>
-                    </a:p>
-                  </a:txBody>
-                  <a:tcPr/>
-                </a:tc>
-                <a:tc>
-                  <a:txBody>
-                    <a:bodyPr/>
-                    <a:lstStyle/>
-                    <a:p>
-                      <a:pPr algn="ctr"/>
-                      <a:endParaRPr lang="en-GB"/>
-                    </a:p>
-                    <a:p>
-                      <a:pPr algn="ctr"/>
-                      <a:r>
-                        <a:rPr lang="en-US" sz="2400"/>
-                        <a:t>10^6</a:t>
-                      </a:r>
-                    </a:p>
-                  </a:txBody>
-                  <a:tcPr/>
-                </a:tc>
-                <a:tc>
-                  <a:txBody>
-                    <a:bodyPr/>
-                    <a:lstStyle/>
-                    <a:p>
-                      <a:pPr algn="ctr"/>
-                      <a:endParaRPr lang="en-GB"/>
-                    </a:p>
-                    <a:p>
-                      <a:pPr algn="ctr"/>
-                      <a:r>
-                        <a:rPr lang="en-US" sz="2400"/>
-                        <a:t> 10^8</a:t>
-                      </a:r>
-                    </a:p>
-                  </a:txBody>
-                  <a:tcPr/>
-                </a:tc>
-                <a:extLst>
-                  <a:ext uri="{0D108BD9-81ED-4DB2-BD59-A6C34878D82A}">
-                    <a16:rowId xmlns:a16="http://schemas.microsoft.com/office/drawing/2014/main" val="3911010688"/>
-                  </a:ext>
-                </a:extLst>
-              </a:tr>
-              <a:tr h="1333726">
-                <a:tc>
-                  <a:txBody>
-                    <a:bodyPr/>
-                    <a:lstStyle/>
-                    <a:p>
-                      <a:pPr algn="ctr"/>
-                      <a:endParaRPr lang="en-GB" dirty="0"/>
-                    </a:p>
-                    <a:p>
-                      <a:pPr algn="ctr"/>
-                      <a:r>
-                        <a:rPr lang="en-US" dirty="0"/>
-                        <a:t>10^</a:t>
-                      </a:r>
-                      <a:r>
-                        <a:rPr lang="ro-RO" dirty="0"/>
-                        <a:t>6</a:t>
-                      </a:r>
-                      <a:endParaRPr lang="en-US" dirty="0"/>
-                    </a:p>
-                  </a:txBody>
-                  <a:tcPr/>
-                </a:tc>
-                <a:tc>
-                  <a:txBody>
-                    <a:bodyPr/>
-                    <a:lstStyle/>
-                    <a:p>
-                      <a:pPr algn="ctr"/>
-                      <a:r>
-                        <a:rPr lang="en-US" dirty="0"/>
-                        <a:t>0.000395</a:t>
-                      </a:r>
-                    </a:p>
-                    <a:p>
-                      <a:pPr algn="ctr"/>
-                      <a:r>
-                        <a:rPr lang="en-US" dirty="0"/>
-                        <a:t>sec</a:t>
-                      </a:r>
-                    </a:p>
-                  </a:txBody>
-                  <a:tcPr/>
-                </a:tc>
-                <a:tc>
-                  <a:txBody>
-                    <a:bodyPr/>
-                    <a:lstStyle/>
-                    <a:p>
-                      <a:pPr algn="ctr"/>
-                      <a:r>
-                        <a:rPr lang="en-US" dirty="0"/>
-                        <a:t>0.421612</a:t>
-                      </a:r>
-                    </a:p>
-                    <a:p>
-                      <a:pPr algn="ctr"/>
-                      <a:r>
-                        <a:rPr lang="en-US" dirty="0"/>
-                        <a:t>sec</a:t>
-                      </a:r>
-                    </a:p>
-                  </a:txBody>
-                  <a:tcPr/>
-                </a:tc>
-                <a:tc>
-                  <a:txBody>
-                    <a:bodyPr/>
-                    <a:lstStyle/>
-                    <a:p>
-                      <a:pPr algn="ctr"/>
-                      <a:r>
-                        <a:rPr lang="en-US" dirty="0"/>
-                        <a:t>133.125621 sec</a:t>
-                      </a:r>
-                    </a:p>
-                  </a:txBody>
-                  <a:tcPr/>
-                </a:tc>
-                <a:extLst>
-                  <a:ext uri="{0D108BD9-81ED-4DB2-BD59-A6C34878D82A}">
-                    <a16:rowId xmlns:a16="http://schemas.microsoft.com/office/drawing/2014/main" val="3227223433"/>
-                  </a:ext>
-                </a:extLst>
-              </a:tr>
-              <a:tr h="1333726">
-                <a:tc>
-                  <a:txBody>
-                    <a:bodyPr/>
-                    <a:lstStyle/>
-                    <a:p>
-                      <a:pPr algn="ctr"/>
-                      <a:endParaRPr lang="en-GB" dirty="0"/>
-                    </a:p>
-                    <a:p>
-                      <a:pPr algn="ctr"/>
-                      <a:r>
-                        <a:rPr lang="en-US" dirty="0"/>
-                        <a:t>10^1</a:t>
-                      </a:r>
-                      <a:r>
-                        <a:rPr lang="ro-RO" dirty="0"/>
-                        <a:t>2</a:t>
-                      </a:r>
-                      <a:endParaRPr lang="en-US" dirty="0"/>
-                    </a:p>
-                  </a:txBody>
-                  <a:tcPr/>
-                </a:tc>
-                <a:tc>
-                  <a:txBody>
-                    <a:bodyPr/>
-                    <a:lstStyle/>
-                    <a:p>
-                      <a:pPr algn="ctr"/>
-                      <a:r>
-                        <a:rPr lang="en-GB" dirty="0"/>
-                        <a:t>0.000427</a:t>
-                      </a:r>
-                    </a:p>
-                    <a:p>
-                      <a:pPr algn="ctr"/>
-                      <a:r>
-                        <a:rPr lang="en-GB" dirty="0"/>
-                        <a:t>sec</a:t>
-                      </a:r>
-                    </a:p>
-                  </a:txBody>
-                  <a:tcPr/>
-                </a:tc>
-                <a:tc>
-                  <a:txBody>
-                    <a:bodyPr/>
-                    <a:lstStyle/>
-                    <a:p>
-                      <a:pPr algn="ctr"/>
-                      <a:r>
-                        <a:rPr lang="en-GB" dirty="0"/>
-                        <a:t>0.406267</a:t>
-                      </a:r>
-                    </a:p>
-                    <a:p>
-                      <a:pPr algn="ctr"/>
-                      <a:r>
-                        <a:rPr lang="en-GB" dirty="0"/>
-                        <a:t>sec</a:t>
-                      </a:r>
-                    </a:p>
-                  </a:txBody>
-                  <a:tcPr/>
-                </a:tc>
-                <a:tc>
-                  <a:txBody>
-                    <a:bodyPr/>
-                    <a:lstStyle/>
-                    <a:p>
-                      <a:pPr algn="ctr"/>
-                      <a:r>
-                        <a:rPr lang="en-US" dirty="0"/>
-                        <a:t>130.439978</a:t>
-                      </a:r>
-                    </a:p>
-                    <a:p>
-                      <a:pPr algn="ctr"/>
-                      <a:r>
-                        <a:rPr lang="en-US" dirty="0"/>
-                        <a:t>sec</a:t>
-                      </a:r>
-                    </a:p>
-                  </a:txBody>
-                  <a:tcPr/>
-                </a:tc>
-                <a:extLst>
-                  <a:ext uri="{0D108BD9-81ED-4DB2-BD59-A6C34878D82A}">
-                    <a16:rowId xmlns:a16="http://schemas.microsoft.com/office/drawing/2014/main" val="2485184294"/>
-                  </a:ext>
-                </a:extLst>
-              </a:tr>
-              <a:tr h="1333726">
-                <a:tc>
-                  <a:txBody>
-                    <a:bodyPr/>
-                    <a:lstStyle/>
-                    <a:p>
-                      <a:pPr algn="ctr"/>
-                      <a:endParaRPr lang="ro-RO" dirty="0"/>
-                    </a:p>
-                    <a:p>
-                      <a:pPr algn="ctr"/>
-                      <a:r>
-                        <a:rPr lang="en-GB" dirty="0"/>
-                        <a:t>10^1</a:t>
-                      </a:r>
-                      <a:r>
-                        <a:rPr lang="ro-RO" dirty="0"/>
-                        <a:t>8</a:t>
-                      </a:r>
-                      <a:endParaRPr lang="en-US" dirty="0"/>
-                    </a:p>
-                  </a:txBody>
-                  <a:tcPr/>
-                </a:tc>
-                <a:tc>
-                  <a:txBody>
-                    <a:bodyPr/>
-                    <a:lstStyle/>
-                    <a:p>
-                      <a:pPr algn="ctr"/>
-                      <a:r>
-                        <a:rPr lang="en-US" dirty="0"/>
-                        <a:t>0.000409</a:t>
-                      </a:r>
-                    </a:p>
-                    <a:p>
-                      <a:pPr algn="ctr"/>
-                      <a:r>
-                        <a:rPr lang="en-US" dirty="0"/>
-                        <a:t>sec</a:t>
-                      </a:r>
-                    </a:p>
-                  </a:txBody>
-                  <a:tcPr/>
-                </a:tc>
-                <a:tc>
-                  <a:txBody>
-                    <a:bodyPr/>
-                    <a:lstStyle/>
-                    <a:p>
-                      <a:pPr algn="ctr"/>
-                      <a:r>
-                        <a:rPr lang="en-US" dirty="0"/>
-                        <a:t>0.413897</a:t>
-                      </a:r>
-                    </a:p>
-                    <a:p>
-                      <a:pPr algn="ctr"/>
-                      <a:r>
-                        <a:rPr lang="en-US" dirty="0"/>
-                        <a:t>sec</a:t>
-                      </a:r>
-                    </a:p>
-                  </a:txBody>
-                  <a:tcPr/>
-                </a:tc>
-                <a:tc>
-                  <a:txBody>
-                    <a:bodyPr/>
-                    <a:lstStyle/>
-                    <a:p>
-                      <a:pPr algn="ctr"/>
-                      <a:r>
-                        <a:rPr lang="en-US" dirty="0"/>
-                        <a:t>130.052381</a:t>
-                      </a:r>
-                    </a:p>
-                    <a:p>
-                      <a:pPr algn="ctr"/>
-                      <a:r>
-                        <a:rPr lang="en-US" dirty="0"/>
-                        <a:t>sec</a:t>
-                      </a:r>
-                    </a:p>
-                  </a:txBody>
-                  <a:tcPr/>
-                </a:tc>
-                <a:extLst>
-                  <a:ext uri="{0D108BD9-81ED-4DB2-BD59-A6C34878D82A}">
-                    <a16:rowId xmlns:a16="http://schemas.microsoft.com/office/drawing/2014/main" val="1764774220"/>
-                  </a:ext>
-                </a:extLst>
-              </a:tr>
-            </a:tbl>
-          </a:graphicData>
-        </a:graphic>
-      </p:graphicFrame>
-    </p:spTree>
-    <p:extLst>
-      <p:ext uri="{BB962C8B-B14F-4D97-AF65-F5344CB8AC3E}">
-        <p14:creationId xmlns:p14="http://schemas.microsoft.com/office/powerpoint/2010/main" val="3979862742"/>
-      </p:ext>
-    </p:extLst>
-  </p:cSld>
-  <p:clrMapOvr>
-    <a:masterClrMapping/>
-  </p:clrMapOvr>
-</p:sld>
-</file>
-
-<file path=ppt/slides/slide7.xml><?xml version="1.0" encoding="utf-8"?>
-<p:sld xmlns:a="http://schemas.openxmlformats.org/drawingml/2006/main" xmlns:r="http://schemas.openxmlformats.org/officeDocument/2006/relationships" xmlns:p="http://schemas.openxmlformats.org/presentationml/2006/main">
-  <p:cSld>
-    <p:spTree>
-      <p:nvGrpSpPr>
-        <p:cNvPr id="1" name=""/>
-        <p:cNvGrpSpPr/>
-        <p:nvPr/>
-      </p:nvGrpSpPr>
-      <p:grpSpPr>
-        <a:xfrm>
-          <a:off x="0" y="0"/>
-          <a:ext cx="0" cy="0"/>
-          <a:chOff x="0" y="0"/>
-          <a:chExt cx="0" cy="0"/>
-        </a:xfrm>
-      </p:grpSpPr>
-      <p:graphicFrame>
-        <p:nvGraphicFramePr>
-          <p:cNvPr id="4" name="Table 4">
-            <a:extLst>
-              <a:ext uri="{FF2B5EF4-FFF2-40B4-BE49-F238E27FC236}">
-                <a16:creationId xmlns:a16="http://schemas.microsoft.com/office/drawing/2014/main" id="{00CC694C-9BF5-4865-B9AB-659AEA6A8240}"/>
-              </a:ext>
-            </a:extLst>
-          </p:cNvPr>
-          <p:cNvGraphicFramePr>
-            <a:graphicFrameLocks noGrp="1"/>
-          </p:cNvGraphicFramePr>
-          <p:nvPr>
-            <p:extLst>
-              <p:ext uri="{D42A27DB-BD31-4B8C-83A1-F6EECF244321}">
-                <p14:modId xmlns:p14="http://schemas.microsoft.com/office/powerpoint/2010/main" val="1774901599"/>
-              </p:ext>
-            </p:extLst>
-          </p:nvPr>
-        </p:nvGraphicFramePr>
-        <p:xfrm>
-          <a:off x="0" y="457200"/>
-          <a:ext cx="12191999" cy="6400800"/>
-        </p:xfrm>
-        <a:graphic>
-          <a:graphicData uri="http://schemas.openxmlformats.org/drawingml/2006/table">
-            <a:tbl>
-              <a:tblPr firstRow="1" bandRow="1">
-                <a:tableStyleId>{073A0DAA-6AF3-43AB-8588-CEC1D06C72B9}</a:tableStyleId>
-              </a:tblPr>
-              <a:tblGrid>
-                <a:gridCol w="2032000">
-                  <a:extLst>
-                    <a:ext uri="{9D8B030D-6E8A-4147-A177-3AD203B41FA5}">
-                      <a16:colId xmlns:a16="http://schemas.microsoft.com/office/drawing/2014/main" val="663216870"/>
-                    </a:ext>
-                  </a:extLst>
-                </a:gridCol>
-                <a:gridCol w="2032000">
-                  <a:extLst>
-                    <a:ext uri="{9D8B030D-6E8A-4147-A177-3AD203B41FA5}">
-                      <a16:colId xmlns:a16="http://schemas.microsoft.com/office/drawing/2014/main" val="2712000850"/>
-                    </a:ext>
-                  </a:extLst>
-                </a:gridCol>
-                <a:gridCol w="2032000">
-                  <a:extLst>
-                    <a:ext uri="{9D8B030D-6E8A-4147-A177-3AD203B41FA5}">
-                      <a16:colId xmlns:a16="http://schemas.microsoft.com/office/drawing/2014/main" val="76827257"/>
-                    </a:ext>
-                  </a:extLst>
-                </a:gridCol>
-                <a:gridCol w="2422849">
-                  <a:extLst>
-                    <a:ext uri="{9D8B030D-6E8A-4147-A177-3AD203B41FA5}">
-                      <a16:colId xmlns:a16="http://schemas.microsoft.com/office/drawing/2014/main" val="1722263282"/>
-                    </a:ext>
-                  </a:extLst>
-                </a:gridCol>
-                <a:gridCol w="1641150">
-                  <a:extLst>
-                    <a:ext uri="{9D8B030D-6E8A-4147-A177-3AD203B41FA5}">
-                      <a16:colId xmlns:a16="http://schemas.microsoft.com/office/drawing/2014/main" val="4080181984"/>
-                    </a:ext>
-                  </a:extLst>
-                </a:gridCol>
-                <a:gridCol w="2032000">
-                  <a:extLst>
-                    <a:ext uri="{9D8B030D-6E8A-4147-A177-3AD203B41FA5}">
-                      <a16:colId xmlns:a16="http://schemas.microsoft.com/office/drawing/2014/main" val="1320070701"/>
-                    </a:ext>
-                  </a:extLst>
-                </a:gridCol>
-              </a:tblGrid>
-              <a:tr h="582230">
-                <a:tc>
-                  <a:txBody>
-                    <a:bodyPr/>
-                    <a:lstStyle/>
-                    <a:p>
-                      <a:pPr algn="ctr"/>
-                      <a:r>
-                        <a:rPr lang="en-GB" dirty="0"/>
-                        <a:t>Test/</a:t>
-                      </a:r>
-                      <a:r>
-                        <a:rPr lang="en-GB" dirty="0" err="1"/>
-                        <a:t>Algoritm</a:t>
-                      </a:r>
-                      <a:r>
-                        <a:rPr lang="en-GB" dirty="0"/>
-                        <a:t> de </a:t>
-                      </a:r>
-                      <a:r>
-                        <a:rPr lang="en-GB" dirty="0" err="1"/>
-                        <a:t>sortare</a:t>
-                      </a:r>
-                      <a:endParaRPr lang="ro-RO" dirty="0"/>
-                    </a:p>
-                  </a:txBody>
-                  <a:tcPr/>
-                </a:tc>
-                <a:tc>
-                  <a:txBody>
-                    <a:bodyPr/>
-                    <a:lstStyle/>
-                    <a:p>
-                      <a:pPr algn="ctr"/>
-                      <a:r>
-                        <a:rPr lang="en-GB" dirty="0"/>
-                        <a:t>Merge Sort</a:t>
-                      </a:r>
-                      <a:endParaRPr lang="ro-RO" dirty="0"/>
-                    </a:p>
-                  </a:txBody>
-                  <a:tcPr/>
-                </a:tc>
-                <a:tc>
-                  <a:txBody>
-                    <a:bodyPr/>
-                    <a:lstStyle/>
-                    <a:p>
-                      <a:pPr algn="ctr"/>
-                      <a:r>
-                        <a:rPr lang="en-GB" dirty="0"/>
-                        <a:t>Shell Sort</a:t>
-                      </a:r>
-                      <a:endParaRPr lang="ro-RO" dirty="0"/>
-                    </a:p>
-                  </a:txBody>
-                  <a:tcPr/>
-                </a:tc>
-                <a:tc>
-                  <a:txBody>
-                    <a:bodyPr/>
-                    <a:lstStyle/>
-                    <a:p>
-                      <a:pPr algn="ctr"/>
-                      <a:r>
-                        <a:rPr lang="en-GB" dirty="0"/>
-                        <a:t>Radix Sort(b10/b100)</a:t>
-                      </a:r>
-                      <a:endParaRPr lang="ro-RO" dirty="0"/>
-                    </a:p>
-                  </a:txBody>
-                  <a:tcPr/>
-                </a:tc>
-                <a:tc>
-                  <a:txBody>
-                    <a:bodyPr/>
-                    <a:lstStyle/>
-                    <a:p>
-                      <a:pPr algn="ctr"/>
-                      <a:r>
-                        <a:rPr lang="en-GB" dirty="0"/>
-                        <a:t>Quick sort</a:t>
-                      </a:r>
-                      <a:endParaRPr lang="ro-RO" dirty="0"/>
-                    </a:p>
-                  </a:txBody>
-                  <a:tcPr/>
-                </a:tc>
-                <a:tc>
-                  <a:txBody>
-                    <a:bodyPr/>
-                    <a:lstStyle/>
-                    <a:p>
-                      <a:pPr algn="ctr"/>
-                      <a:r>
-                        <a:rPr lang="en-GB" dirty="0"/>
-                        <a:t>Heap Sort</a:t>
-                      </a:r>
-                      <a:endParaRPr lang="ro-RO" dirty="0"/>
-                    </a:p>
-                  </a:txBody>
-                  <a:tcPr/>
-                </a:tc>
-                <a:extLst>
-                  <a:ext uri="{0D108BD9-81ED-4DB2-BD59-A6C34878D82A}">
-                    <a16:rowId xmlns:a16="http://schemas.microsoft.com/office/drawing/2014/main" val="799928637"/>
-                  </a:ext>
-                </a:extLst>
-              </a:tr>
-              <a:tr h="639379">
-                <a:tc>
-                  <a:txBody>
-                    <a:bodyPr/>
-                    <a:lstStyle/>
-                    <a:p>
-                      <a:pPr algn="ctr"/>
-                      <a:r>
-                        <a:rPr lang="en-GB" dirty="0"/>
-                        <a:t>N = 10^3</a:t>
-                      </a:r>
-                    </a:p>
-                    <a:p>
-                      <a:pPr algn="ctr"/>
-                      <a:r>
-                        <a:rPr lang="en-GB" dirty="0"/>
-                        <a:t>M = 10^6</a:t>
-                      </a:r>
-                    </a:p>
-                  </a:txBody>
-                  <a:tcPr>
-                    <a:lnR w="38100" cap="flat" cmpd="sng" algn="ctr">
-                      <a:solidFill>
-                        <a:schemeClr val="bg1"/>
-                      </a:solidFill>
-                      <a:prstDash val="solid"/>
-                      <a:round/>
-                      <a:headEnd type="none" w="med" len="med"/>
-                      <a:tailEnd type="none" w="med" len="med"/>
-                    </a:lnR>
-                  </a:tcPr>
-                </a:tc>
-                <a:tc>
-                  <a:txBody>
-                    <a:bodyPr/>
-                    <a:lstStyle/>
-                    <a:p>
-                      <a:pPr algn="ctr"/>
-                      <a:r>
-                        <a:rPr lang="en-GB" dirty="0"/>
-                        <a:t>0.0014557</a:t>
-                      </a:r>
-                      <a:endParaRPr lang="ro-RO" dirty="0"/>
-                    </a:p>
-                  </a:txBody>
-                  <a:tcPr>
-                    <a:lnL w="38100" cap="flat" cmpd="sng" algn="ctr">
-                      <a:solidFill>
-                        <a:schemeClr val="bg1"/>
-                      </a:solidFill>
-                      <a:prstDash val="solid"/>
-                      <a:round/>
-                      <a:headEnd type="none" w="med" len="med"/>
-                      <a:tailEnd type="none" w="med" len="med"/>
-                    </a:lnL>
-                    <a:solidFill>
-                      <a:srgbClr val="FF0000"/>
-                    </a:solidFill>
-                  </a:tcPr>
-                </a:tc>
-                <a:tc>
-                  <a:txBody>
-                    <a:bodyPr/>
-                    <a:lstStyle/>
-                    <a:p>
-                      <a:pPr algn="ctr"/>
-                      <a:r>
-                        <a:rPr lang="en-GB" dirty="0"/>
-                        <a:t>0.000357</a:t>
-                      </a:r>
-                      <a:endParaRPr lang="ro-RO" dirty="0"/>
-                    </a:p>
-                  </a:txBody>
-                  <a:tcPr/>
-                </a:tc>
-                <a:tc>
-                  <a:txBody>
-                    <a:bodyPr/>
-                    <a:lstStyle/>
-                    <a:p>
-                      <a:pPr algn="ctr"/>
-                      <a:r>
-                        <a:rPr lang="en-GB" dirty="0"/>
-                        <a:t>0.000218 b10</a:t>
-                      </a:r>
-                    </a:p>
-                    <a:p>
-                      <a:pPr algn="ctr"/>
-                      <a:r>
-                        <a:rPr lang="en-GB" dirty="0"/>
-                        <a:t>0.000116 b100</a:t>
-                      </a:r>
-                      <a:endParaRPr lang="ro-RO" dirty="0"/>
-                    </a:p>
-                  </a:txBody>
-                  <a:tcPr>
-                    <a:solidFill>
-                      <a:srgbClr val="92D050"/>
-                    </a:solidFill>
-                  </a:tcPr>
-                </a:tc>
-                <a:tc>
-                  <a:txBody>
-                    <a:bodyPr/>
-                    <a:lstStyle/>
-                    <a:p>
-                      <a:pPr algn="ctr"/>
-                      <a:r>
-                        <a:rPr lang="en-GB" dirty="0"/>
-                        <a:t>0.000348</a:t>
-                      </a:r>
-                      <a:endParaRPr lang="ro-RO" dirty="0"/>
-                    </a:p>
-                  </a:txBody>
-                  <a:tcPr/>
-                </a:tc>
-                <a:tc>
-                  <a:txBody>
-                    <a:bodyPr/>
-                    <a:lstStyle/>
-                    <a:p>
-                      <a:pPr algn="ctr"/>
-                      <a:r>
-                        <a:rPr lang="en-GB" dirty="0"/>
-                        <a:t>0.000395</a:t>
-                      </a:r>
-                      <a:endParaRPr lang="ro-RO" dirty="0"/>
-                    </a:p>
-                  </a:txBody>
-                  <a:tcPr/>
-                </a:tc>
-                <a:extLst>
-                  <a:ext uri="{0D108BD9-81ED-4DB2-BD59-A6C34878D82A}">
-                    <a16:rowId xmlns:a16="http://schemas.microsoft.com/office/drawing/2014/main" val="543147934"/>
-                  </a:ext>
-                </a:extLst>
-              </a:tr>
-              <a:tr h="639379">
-                <a:tc>
-                  <a:txBody>
-                    <a:bodyPr/>
-                    <a:lstStyle/>
-                    <a:p>
-                      <a:pPr algn="ctr"/>
-                      <a:r>
-                        <a:rPr lang="en-GB" dirty="0"/>
-                        <a:t>N = 10^3</a:t>
-                      </a:r>
-                    </a:p>
-                    <a:p>
-                      <a:pPr algn="ctr"/>
-                      <a:r>
-                        <a:rPr lang="en-GB" dirty="0"/>
-                        <a:t>M = 10^12</a:t>
-                      </a:r>
-                      <a:endParaRPr lang="ro-RO" dirty="0"/>
-                    </a:p>
-                  </a:txBody>
-                  <a:tcPr>
-                    <a:lnR w="38100" cap="flat" cmpd="sng" algn="ctr">
-                      <a:solidFill>
-                        <a:schemeClr val="bg1"/>
-                      </a:solidFill>
-                      <a:prstDash val="solid"/>
-                      <a:round/>
-                      <a:headEnd type="none" w="med" len="med"/>
-                      <a:tailEnd type="none" w="med" len="med"/>
-                    </a:lnR>
-                    <a:lnB w="12700" cap="flat" cmpd="sng" algn="ctr">
-                      <a:noFill/>
-                      <a:prstDash val="solid"/>
-                      <a:round/>
-                      <a:headEnd type="none" w="med" len="med"/>
-                      <a:tailEnd type="none" w="med" len="med"/>
-                    </a:lnB>
-                  </a:tcPr>
-                </a:tc>
-                <a:tc>
-                  <a:txBody>
-                    <a:bodyPr/>
-                    <a:lstStyle/>
-                    <a:p>
-                      <a:pPr algn="ctr"/>
-                      <a:r>
-                        <a:rPr lang="en-GB" dirty="0"/>
-                        <a:t>0.001511</a:t>
-                      </a:r>
-                      <a:endParaRPr lang="ro-RO" dirty="0"/>
-                    </a:p>
-                  </a:txBody>
-                  <a:tcPr>
-                    <a:lnL w="38100" cap="flat" cmpd="sng" algn="ctr">
-                      <a:solidFill>
-                        <a:schemeClr val="bg1"/>
-                      </a:solidFill>
-                      <a:prstDash val="solid"/>
-                      <a:round/>
-                      <a:headEnd type="none" w="med" len="med"/>
-                      <a:tailEnd type="none" w="med" len="med"/>
-                    </a:lnL>
-                    <a:solidFill>
-                      <a:srgbClr val="FF0000"/>
-                    </a:solidFill>
-                  </a:tcPr>
-                </a:tc>
-                <a:tc>
-                  <a:txBody>
-                    <a:bodyPr/>
-                    <a:lstStyle/>
-                    <a:p>
-                      <a:pPr algn="ctr"/>
-                      <a:r>
-                        <a:rPr lang="en-GB" dirty="0"/>
-                        <a:t>0.000332</a:t>
-                      </a:r>
-                      <a:endParaRPr lang="ro-RO" dirty="0"/>
-                    </a:p>
-                  </a:txBody>
-                  <a:tcPr>
-                    <a:solidFill>
-                      <a:srgbClr val="92D050"/>
-                    </a:solidFill>
-                  </a:tcPr>
-                </a:tc>
-                <a:tc>
-                  <a:txBody>
-                    <a:bodyPr/>
-                    <a:lstStyle/>
-                    <a:p>
-                      <a:pPr algn="ctr"/>
-                      <a:r>
-                        <a:rPr lang="en-GB" dirty="0"/>
-                        <a:t>0.000528 b10</a:t>
-                      </a:r>
-                    </a:p>
-                    <a:p>
-                      <a:pPr algn="ctr"/>
-                      <a:r>
-                        <a:rPr lang="en-GB" dirty="0"/>
-                        <a:t>0.000334 b100</a:t>
-                      </a:r>
-                      <a:endParaRPr lang="ro-RO" dirty="0"/>
-                    </a:p>
-                  </a:txBody>
-                  <a:tcPr/>
-                </a:tc>
-                <a:tc>
-                  <a:txBody>
-                    <a:bodyPr/>
-                    <a:lstStyle/>
-                    <a:p>
-                      <a:pPr algn="ctr"/>
-                      <a:r>
-                        <a:rPr lang="en-GB" dirty="0"/>
-                        <a:t>0.000344</a:t>
-                      </a:r>
-                      <a:endParaRPr lang="ro-RO" dirty="0"/>
-                    </a:p>
-                  </a:txBody>
-                  <a:tcPr/>
-                </a:tc>
-                <a:tc>
-                  <a:txBody>
-                    <a:bodyPr/>
-                    <a:lstStyle/>
-                    <a:p>
-                      <a:pPr algn="ctr"/>
-                      <a:r>
-                        <a:rPr lang="en-GB" dirty="0"/>
-                        <a:t>0.000427</a:t>
-                      </a:r>
-                      <a:endParaRPr lang="ro-RO" dirty="0"/>
-                    </a:p>
-                  </a:txBody>
-                  <a:tcPr/>
-                </a:tc>
-                <a:extLst>
-                  <a:ext uri="{0D108BD9-81ED-4DB2-BD59-A6C34878D82A}">
-                    <a16:rowId xmlns:a16="http://schemas.microsoft.com/office/drawing/2014/main" val="484579809"/>
-                  </a:ext>
-                </a:extLst>
-              </a:tr>
-              <a:tr h="639379">
-                <a:tc>
-                  <a:txBody>
-                    <a:bodyPr/>
-                    <a:lstStyle/>
-                    <a:p>
-                      <a:pPr algn="ctr"/>
-                      <a:r>
-                        <a:rPr lang="en-GB" dirty="0"/>
-                        <a:t>N = 10^3</a:t>
-                      </a:r>
-                    </a:p>
-                    <a:p>
-                      <a:pPr algn="ctr"/>
-                      <a:r>
-                        <a:rPr lang="en-GB" dirty="0"/>
-                        <a:t>M = 10^18</a:t>
-                      </a:r>
-                      <a:endParaRPr lang="ro-RO" dirty="0"/>
-                    </a:p>
-                  </a:txBody>
-                  <a:tcPr>
-                    <a:lnL w="12700" cap="flat" cmpd="sng" algn="ctr">
-                      <a:noFill/>
-                      <a:prstDash val="solid"/>
-                      <a:round/>
-                      <a:headEnd type="none" w="med" len="med"/>
-                      <a:tailEnd type="none" w="med" len="med"/>
-                    </a:lnL>
-                    <a:lnR w="38100" cap="flat" cmpd="sng" algn="ctr">
-                      <a:solidFill>
-                        <a:schemeClr val="bg1"/>
-                      </a:solidFill>
-                      <a:prstDash val="solid"/>
-                      <a:round/>
-                      <a:headEnd type="none" w="med" len="med"/>
-                      <a:tailEnd type="none" w="med" len="med"/>
-                    </a:lnR>
-                    <a:lnT w="12700" cap="flat" cmpd="sng" algn="ctr">
-                      <a:noFill/>
-                      <a:prstDash val="solid"/>
-                      <a:round/>
-                      <a:headEnd type="none" w="med" len="med"/>
-                      <a:tailEnd type="none" w="med" len="med"/>
-                    </a:lnT>
-                    <a:lnB w="38100" cap="flat" cmpd="sng" algn="ctr">
-                      <a:solidFill>
-                        <a:schemeClr val="bg1"/>
-                      </a:solidFill>
-                      <a:prstDash val="solid"/>
-                      <a:round/>
-                      <a:headEnd type="none" w="med" len="med"/>
-                      <a:tailEnd type="none" w="med" len="med"/>
-                    </a:lnB>
-                    <a:lnTlToBr w="12700" cmpd="sng">
-                      <a:noFill/>
-                      <a:prstDash val="solid"/>
-                    </a:lnTlToBr>
-                    <a:lnBlToTr w="12700" cmpd="sng">
-                      <a:noFill/>
-                      <a:prstDash val="solid"/>
-                    </a:lnBlToTr>
-                  </a:tcPr>
-                </a:tc>
-                <a:tc>
-                  <a:txBody>
-                    <a:bodyPr/>
-                    <a:lstStyle/>
-                    <a:p>
-                      <a:pPr algn="ctr"/>
-                      <a:r>
-                        <a:rPr lang="en-GB" dirty="0"/>
-                        <a:t>0.001564</a:t>
-                      </a:r>
-                      <a:endParaRPr lang="ro-RO" dirty="0"/>
-                    </a:p>
-                  </a:txBody>
-                  <a:tcPr>
-                    <a:lnL w="38100" cap="flat" cmpd="sng" algn="ctr">
-                      <a:solidFill>
-                        <a:schemeClr val="bg1"/>
-                      </a:solidFill>
-                      <a:prstDash val="solid"/>
-                      <a:round/>
-                      <a:headEnd type="none" w="med" len="med"/>
-                      <a:tailEnd type="none" w="med" len="med"/>
-                    </a:lnL>
-                    <a:lnB w="38100" cap="flat" cmpd="sng" algn="ctr">
-                      <a:solidFill>
-                        <a:schemeClr val="bg1"/>
-                      </a:solidFill>
-                      <a:prstDash val="solid"/>
-                      <a:round/>
-                      <a:headEnd type="none" w="med" len="med"/>
-                      <a:tailEnd type="none" w="med" len="med"/>
-                    </a:lnB>
-                    <a:solidFill>
-                      <a:srgbClr val="FF0000"/>
-                    </a:solidFill>
-                  </a:tcPr>
-                </a:tc>
-                <a:tc>
-                  <a:txBody>
-                    <a:bodyPr/>
-                    <a:lstStyle/>
-                    <a:p>
-                      <a:pPr algn="ctr"/>
-                      <a:r>
-                        <a:rPr lang="en-GB" dirty="0"/>
-                        <a:t>0.000364</a:t>
-                      </a:r>
-                      <a:endParaRPr lang="ro-RO" dirty="0"/>
-                    </a:p>
-                  </a:txBody>
-                  <a:tcPr>
-                    <a:lnB w="38100" cap="flat" cmpd="sng" algn="ctr">
-                      <a:solidFill>
-                        <a:schemeClr val="bg1"/>
-                      </a:solidFill>
-                      <a:prstDash val="solid"/>
-                      <a:round/>
-                      <a:headEnd type="none" w="med" len="med"/>
-                      <a:tailEnd type="none" w="med" len="med"/>
-                    </a:lnB>
-                  </a:tcPr>
-                </a:tc>
-                <a:tc>
-                  <a:txBody>
-                    <a:bodyPr/>
-                    <a:lstStyle/>
-                    <a:p>
-                      <a:pPr algn="ctr"/>
-                      <a:r>
-                        <a:rPr lang="en-GB" dirty="0"/>
-                        <a:t>0.000936 b10</a:t>
-                      </a:r>
-                    </a:p>
-                    <a:p>
-                      <a:pPr algn="ctr"/>
-                      <a:r>
-                        <a:rPr lang="en-GB" dirty="0"/>
-                        <a:t>0.000491 b100</a:t>
-                      </a:r>
-                      <a:endParaRPr lang="ro-RO" dirty="0"/>
-                    </a:p>
-                  </a:txBody>
-                  <a:tcPr>
-                    <a:lnB w="38100" cap="flat" cmpd="sng" algn="ctr">
-                      <a:solidFill>
-                        <a:schemeClr val="bg1"/>
-                      </a:solidFill>
-                      <a:prstDash val="solid"/>
-                      <a:round/>
-                      <a:headEnd type="none" w="med" len="med"/>
-                      <a:tailEnd type="none" w="med" len="med"/>
-                    </a:lnB>
-                  </a:tcPr>
-                </a:tc>
-                <a:tc>
-                  <a:txBody>
-                    <a:bodyPr/>
-                    <a:lstStyle/>
-                    <a:p>
-                      <a:pPr algn="ctr"/>
-                      <a:r>
-                        <a:rPr lang="en-GB" dirty="0"/>
-                        <a:t>0.000341</a:t>
-                      </a:r>
-                      <a:endParaRPr lang="ro-RO" dirty="0"/>
-                    </a:p>
-                  </a:txBody>
-                  <a:tcPr>
-                    <a:lnB w="38100" cap="flat" cmpd="sng" algn="ctr">
-                      <a:solidFill>
-                        <a:schemeClr val="bg1"/>
-                      </a:solidFill>
-                      <a:prstDash val="solid"/>
-                      <a:round/>
-                      <a:headEnd type="none" w="med" len="med"/>
-                      <a:tailEnd type="none" w="med" len="med"/>
-                    </a:lnB>
-                    <a:solidFill>
-                      <a:srgbClr val="92D050"/>
-                    </a:solidFill>
-                  </a:tcPr>
-                </a:tc>
-                <a:tc>
-                  <a:txBody>
-                    <a:bodyPr/>
-                    <a:lstStyle/>
-                    <a:p>
-                      <a:pPr algn="ctr"/>
-                      <a:r>
-                        <a:rPr lang="en-GB" dirty="0"/>
-                        <a:t>0.000409</a:t>
-                      </a:r>
-                      <a:endParaRPr lang="ro-RO" dirty="0"/>
-                    </a:p>
-                  </a:txBody>
-                  <a:tcPr>
-                    <a:lnB w="38100" cap="flat" cmpd="sng" algn="ctr">
-                      <a:solidFill>
-                        <a:schemeClr val="bg1"/>
-                      </a:solidFill>
-                      <a:prstDash val="solid"/>
-                      <a:round/>
-                      <a:headEnd type="none" w="med" len="med"/>
-                      <a:tailEnd type="none" w="med" len="med"/>
-                    </a:lnB>
-                  </a:tcPr>
-                </a:tc>
-                <a:extLst>
-                  <a:ext uri="{0D108BD9-81ED-4DB2-BD59-A6C34878D82A}">
-                    <a16:rowId xmlns:a16="http://schemas.microsoft.com/office/drawing/2014/main" val="1159857645"/>
-                  </a:ext>
-                </a:extLst>
-              </a:tr>
-              <a:tr h="639379">
-                <a:tc>
-                  <a:txBody>
-                    <a:bodyPr/>
-                    <a:lstStyle/>
-                    <a:p>
-                      <a:pPr algn="ctr"/>
-                      <a:r>
-                        <a:rPr lang="en-GB" dirty="0"/>
-                        <a:t>N = 10^6</a:t>
-                      </a:r>
-                    </a:p>
-                    <a:p>
-                      <a:pPr algn="ctr"/>
-                      <a:r>
-                        <a:rPr lang="en-GB" dirty="0"/>
-                        <a:t>M = 10^6</a:t>
-                      </a:r>
-                      <a:endParaRPr lang="ro-RO" dirty="0"/>
-                    </a:p>
-                  </a:txBody>
-                  <a:tcPr>
-                    <a:lnR w="38100" cap="flat" cmpd="sng" algn="ctr">
-                      <a:solidFill>
-                        <a:schemeClr val="bg1"/>
-                      </a:solidFill>
-                      <a:prstDash val="solid"/>
-                      <a:round/>
-                      <a:headEnd type="none" w="med" len="med"/>
-                      <a:tailEnd type="none" w="med" len="med"/>
-                    </a:lnR>
-                    <a:lnT w="38100" cap="flat" cmpd="sng" algn="ctr">
-                      <a:solidFill>
-                        <a:schemeClr val="bg1"/>
-                      </a:solidFill>
-                      <a:prstDash val="solid"/>
-                      <a:round/>
-                      <a:headEnd type="none" w="med" len="med"/>
-                      <a:tailEnd type="none" w="med" len="med"/>
-                    </a:lnT>
-                  </a:tcPr>
-                </a:tc>
-                <a:tc>
-                  <a:txBody>
-                    <a:bodyPr/>
-                    <a:lstStyle/>
-                    <a:p>
-                      <a:pPr algn="ctr"/>
-                      <a:r>
-                        <a:rPr lang="en-GB" dirty="0"/>
-                        <a:t>1.069499</a:t>
-                      </a:r>
-                      <a:endParaRPr lang="ro-RO" dirty="0"/>
-                    </a:p>
-                  </a:txBody>
-                  <a:tcPr>
-                    <a:lnL w="38100" cap="flat" cmpd="sng" algn="ctr">
-                      <a:solidFill>
-                        <a:schemeClr val="bg1"/>
-                      </a:solidFill>
-                      <a:prstDash val="solid"/>
-                      <a:round/>
-                      <a:headEnd type="none" w="med" len="med"/>
-                      <a:tailEnd type="none" w="med" len="med"/>
-                    </a:lnL>
-                    <a:lnT w="38100" cap="flat" cmpd="sng" algn="ctr">
-                      <a:solidFill>
-                        <a:schemeClr val="bg1"/>
-                      </a:solidFill>
-                      <a:prstDash val="solid"/>
-                      <a:round/>
-                      <a:headEnd type="none" w="med" len="med"/>
-                      <a:tailEnd type="none" w="med" len="med"/>
-                    </a:lnT>
-                    <a:solidFill>
-                      <a:srgbClr val="FF0000"/>
-                    </a:solidFill>
-                  </a:tcPr>
-                </a:tc>
-                <a:tc>
-                  <a:txBody>
-                    <a:bodyPr/>
-                    <a:lstStyle/>
-                    <a:p>
-                      <a:pPr algn="ctr"/>
-                      <a:r>
-                        <a:rPr lang="en-GB" dirty="0"/>
-                        <a:t>0.520499</a:t>
-                      </a:r>
-                      <a:endParaRPr lang="ro-RO" dirty="0"/>
-                    </a:p>
-                  </a:txBody>
-                  <a:tcPr>
-                    <a:lnT w="38100" cap="flat" cmpd="sng" algn="ctr">
-                      <a:solidFill>
-                        <a:schemeClr val="bg1"/>
-                      </a:solidFill>
-                      <a:prstDash val="solid"/>
-                      <a:round/>
-                      <a:headEnd type="none" w="med" len="med"/>
-                      <a:tailEnd type="none" w="med" len="med"/>
-                    </a:lnT>
-                  </a:tcPr>
-                </a:tc>
-                <a:tc>
-                  <a:txBody>
-                    <a:bodyPr/>
-                    <a:lstStyle/>
-                    <a:p>
-                      <a:pPr algn="ctr"/>
-                      <a:r>
-                        <a:rPr lang="en-GB" dirty="0"/>
-                        <a:t>0.208176 b10</a:t>
-                      </a:r>
-                    </a:p>
-                    <a:p>
-                      <a:pPr algn="ctr"/>
-                      <a:r>
-                        <a:rPr lang="en-GB" dirty="0"/>
-                        <a:t>0.124011 b100</a:t>
-                      </a:r>
-                      <a:endParaRPr lang="ro-RO" dirty="0"/>
-                    </a:p>
-                  </a:txBody>
-                  <a:tcPr>
-                    <a:lnT w="38100" cap="flat" cmpd="sng" algn="ctr">
-                      <a:solidFill>
-                        <a:schemeClr val="bg1"/>
-                      </a:solidFill>
-                      <a:prstDash val="solid"/>
-                      <a:round/>
-                      <a:headEnd type="none" w="med" len="med"/>
-                      <a:tailEnd type="none" w="med" len="med"/>
-                    </a:lnT>
-                    <a:solidFill>
-                      <a:srgbClr val="92D050"/>
-                    </a:solidFill>
-                  </a:tcPr>
-                </a:tc>
-                <a:tc>
-                  <a:txBody>
-                    <a:bodyPr/>
-                    <a:lstStyle/>
-                    <a:p>
-                      <a:pPr algn="ctr"/>
-                      <a:r>
-                        <a:rPr lang="en-GB" dirty="0"/>
-                        <a:t>0.284576</a:t>
-                      </a:r>
-                      <a:endParaRPr lang="ro-RO" dirty="0"/>
-                    </a:p>
-                  </a:txBody>
-                  <a:tcPr>
-                    <a:lnT w="38100" cap="flat" cmpd="sng" algn="ctr">
-                      <a:solidFill>
-                        <a:schemeClr val="bg1"/>
-                      </a:solidFill>
-                      <a:prstDash val="solid"/>
-                      <a:round/>
-                      <a:headEnd type="none" w="med" len="med"/>
-                      <a:tailEnd type="none" w="med" len="med"/>
-                    </a:lnT>
-                  </a:tcPr>
-                </a:tc>
-                <a:tc>
-                  <a:txBody>
-                    <a:bodyPr/>
-                    <a:lstStyle/>
-                    <a:p>
-                      <a:pPr algn="ctr"/>
-                      <a:r>
-                        <a:rPr lang="en-GB" dirty="0"/>
-                        <a:t>0.421612</a:t>
-                      </a:r>
-                      <a:endParaRPr lang="ro-RO" dirty="0"/>
-                    </a:p>
-                  </a:txBody>
-                  <a:tcPr>
-                    <a:lnT w="38100" cap="flat" cmpd="sng" algn="ctr">
-                      <a:solidFill>
-                        <a:schemeClr val="bg1"/>
-                      </a:solidFill>
-                      <a:prstDash val="solid"/>
-                      <a:round/>
-                      <a:headEnd type="none" w="med" len="med"/>
-                      <a:tailEnd type="none" w="med" len="med"/>
-                    </a:lnT>
-                  </a:tcPr>
-                </a:tc>
-                <a:extLst>
-                  <a:ext uri="{0D108BD9-81ED-4DB2-BD59-A6C34878D82A}">
-                    <a16:rowId xmlns:a16="http://schemas.microsoft.com/office/drawing/2014/main" val="4149162127"/>
-                  </a:ext>
-                </a:extLst>
-              </a:tr>
-              <a:tr h="639379">
-                <a:tc>
-                  <a:txBody>
-                    <a:bodyPr/>
-                    <a:lstStyle/>
-                    <a:p>
-                      <a:pPr algn="ctr"/>
-                      <a:r>
-                        <a:rPr lang="en-GB" dirty="0"/>
-                        <a:t>N = 10^6</a:t>
-                      </a:r>
-                    </a:p>
-                    <a:p>
-                      <a:pPr marL="0" marR="0" lvl="0" indent="0" algn="ctr" defTabSz="457200" rtl="0" eaLnBrk="1" fontAlgn="auto" latinLnBrk="0" hangingPunct="1">
-                        <a:lnSpc>
-                          <a:spcPct val="100000"/>
-                        </a:lnSpc>
-                        <a:spcBef>
-                          <a:spcPts val="0"/>
-                        </a:spcBef>
-                        <a:spcAft>
-                          <a:spcPts val="0"/>
-                        </a:spcAft>
-                        <a:buClrTx/>
-                        <a:buSzTx/>
-                        <a:buFontTx/>
-                        <a:buNone/>
-                        <a:tabLst/>
-                        <a:defRPr/>
-                      </a:pPr>
-                      <a:r>
-                        <a:rPr lang="en-GB" dirty="0"/>
-                        <a:t>M = 10^12</a:t>
-                      </a:r>
-                      <a:endParaRPr lang="ro-RO" dirty="0"/>
-                    </a:p>
-                  </a:txBody>
-                  <a:tcPr>
-                    <a:lnR w="38100" cap="flat" cmpd="sng" algn="ctr">
-                      <a:solidFill>
-                        <a:schemeClr val="bg1"/>
-                      </a:solidFill>
-                      <a:prstDash val="solid"/>
-                      <a:round/>
-                      <a:headEnd type="none" w="med" len="med"/>
-                      <a:tailEnd type="none" w="med" len="med"/>
-                    </a:lnR>
-                  </a:tcPr>
-                </a:tc>
-                <a:tc>
-                  <a:txBody>
-                    <a:bodyPr/>
-                    <a:lstStyle/>
-                    <a:p>
-                      <a:pPr algn="ctr"/>
-                      <a:r>
-                        <a:rPr lang="en-GB" dirty="0"/>
-                        <a:t>1.0566413</a:t>
-                      </a:r>
-                      <a:endParaRPr lang="ro-RO" dirty="0"/>
-                    </a:p>
-                  </a:txBody>
-                  <a:tcPr>
-                    <a:lnL w="38100" cap="flat" cmpd="sng" algn="ctr">
-                      <a:solidFill>
-                        <a:schemeClr val="bg1"/>
-                      </a:solidFill>
-                      <a:prstDash val="solid"/>
-                      <a:round/>
-                      <a:headEnd type="none" w="med" len="med"/>
-                      <a:tailEnd type="none" w="med" len="med"/>
-                    </a:lnL>
-                    <a:solidFill>
-                      <a:srgbClr val="FF0000"/>
-                    </a:solidFill>
-                  </a:tcPr>
-                </a:tc>
-                <a:tc>
-                  <a:txBody>
-                    <a:bodyPr/>
-                    <a:lstStyle/>
-                    <a:p>
-                      <a:pPr algn="ctr"/>
-                      <a:r>
-                        <a:rPr lang="en-GB" dirty="0"/>
-                        <a:t>0.551641</a:t>
-                      </a:r>
-                      <a:endParaRPr lang="ro-RO" dirty="0"/>
-                    </a:p>
-                  </a:txBody>
-                  <a:tcPr/>
-                </a:tc>
-                <a:tc>
-                  <a:txBody>
-                    <a:bodyPr/>
-                    <a:lstStyle/>
-                    <a:p>
-                      <a:pPr algn="ctr"/>
-                      <a:r>
-                        <a:rPr lang="en-GB" dirty="0"/>
-                        <a:t>0.444713 b10</a:t>
-                      </a:r>
-                    </a:p>
-                    <a:p>
-                      <a:pPr algn="ctr"/>
-                      <a:r>
-                        <a:rPr lang="en-GB" dirty="0"/>
-                        <a:t>0.234127 b100</a:t>
-                      </a:r>
-                      <a:endParaRPr lang="ro-RO" dirty="0"/>
-                    </a:p>
-                  </a:txBody>
-                  <a:tcPr>
-                    <a:solidFill>
-                      <a:srgbClr val="92D050"/>
-                    </a:solidFill>
-                  </a:tcPr>
-                </a:tc>
-                <a:tc>
-                  <a:txBody>
-                    <a:bodyPr/>
-                    <a:lstStyle/>
-                    <a:p>
-                      <a:pPr algn="ctr"/>
-                      <a:r>
-                        <a:rPr lang="en-GB" dirty="0"/>
-                        <a:t>0.285479</a:t>
-                      </a:r>
-                      <a:endParaRPr lang="ro-RO" dirty="0"/>
-                    </a:p>
-                  </a:txBody>
-                  <a:tcPr/>
-                </a:tc>
-                <a:tc>
-                  <a:txBody>
-                    <a:bodyPr/>
-                    <a:lstStyle/>
-                    <a:p>
-                      <a:pPr algn="ctr"/>
-                      <a:r>
-                        <a:rPr lang="en-GB" dirty="0"/>
-                        <a:t>0.406267</a:t>
-                      </a:r>
-                      <a:endParaRPr lang="ro-RO" dirty="0"/>
-                    </a:p>
-                  </a:txBody>
-                  <a:tcPr/>
-                </a:tc>
-                <a:extLst>
-                  <a:ext uri="{0D108BD9-81ED-4DB2-BD59-A6C34878D82A}">
-                    <a16:rowId xmlns:a16="http://schemas.microsoft.com/office/drawing/2014/main" val="1621923761"/>
-                  </a:ext>
-                </a:extLst>
-              </a:tr>
-              <a:tr h="639379">
-                <a:tc>
-                  <a:txBody>
-                    <a:bodyPr/>
-                    <a:lstStyle/>
-                    <a:p>
-                      <a:pPr algn="ctr"/>
-                      <a:r>
-                        <a:rPr lang="en-GB" dirty="0"/>
-                        <a:t>N = 10^6</a:t>
-                      </a:r>
-                    </a:p>
-                    <a:p>
-                      <a:pPr algn="ctr"/>
-                      <a:r>
-                        <a:rPr lang="en-GB" dirty="0"/>
-                        <a:t>M = 10^18</a:t>
-                      </a:r>
-                      <a:endParaRPr lang="ro-RO" dirty="0"/>
-                    </a:p>
-                  </a:txBody>
-                  <a:tcPr>
-                    <a:lnR w="38100" cap="flat" cmpd="sng" algn="ctr">
-                      <a:solidFill>
-                        <a:schemeClr val="bg1"/>
-                      </a:solidFill>
-                      <a:prstDash val="solid"/>
-                      <a:round/>
-                      <a:headEnd type="none" w="med" len="med"/>
-                      <a:tailEnd type="none" w="med" len="med"/>
-                    </a:lnR>
-                    <a:lnB w="38100" cap="flat" cmpd="sng" algn="ctr">
-                      <a:solidFill>
-                        <a:schemeClr val="bg1"/>
-                      </a:solidFill>
-                      <a:prstDash val="solid"/>
-                      <a:round/>
-                      <a:headEnd type="none" w="med" len="med"/>
-                      <a:tailEnd type="none" w="med" len="med"/>
-                    </a:lnB>
-                  </a:tcPr>
-                </a:tc>
-                <a:tc>
-                  <a:txBody>
-                    <a:bodyPr/>
-                    <a:lstStyle/>
-                    <a:p>
-                      <a:pPr algn="ctr"/>
-                      <a:r>
-                        <a:rPr lang="en-GB" dirty="0"/>
-                        <a:t>1.059641</a:t>
-                      </a:r>
-                      <a:endParaRPr lang="ro-RO" dirty="0"/>
-                    </a:p>
-                  </a:txBody>
-                  <a:tcPr>
-                    <a:lnL w="38100" cap="flat" cmpd="sng" algn="ctr">
-                      <a:solidFill>
-                        <a:schemeClr val="bg1"/>
-                      </a:solidFill>
-                      <a:prstDash val="solid"/>
-                      <a:round/>
-                      <a:headEnd type="none" w="med" len="med"/>
-                      <a:tailEnd type="none" w="med" len="med"/>
-                    </a:lnL>
-                    <a:lnB w="38100" cap="flat" cmpd="sng" algn="ctr">
-                      <a:solidFill>
-                        <a:schemeClr val="bg1"/>
-                      </a:solidFill>
-                      <a:prstDash val="solid"/>
-                      <a:round/>
-                      <a:headEnd type="none" w="med" len="med"/>
-                      <a:tailEnd type="none" w="med" len="med"/>
-                    </a:lnB>
-                    <a:solidFill>
-                      <a:srgbClr val="FF0000"/>
-                    </a:solidFill>
-                  </a:tcPr>
-                </a:tc>
-                <a:tc>
-                  <a:txBody>
-                    <a:bodyPr/>
-                    <a:lstStyle/>
-                    <a:p>
-                      <a:pPr algn="ctr"/>
-                      <a:r>
-                        <a:rPr lang="en-GB" dirty="0"/>
-                        <a:t>0.529641</a:t>
-                      </a:r>
-                      <a:endParaRPr lang="ro-RO" dirty="0"/>
-                    </a:p>
-                  </a:txBody>
-                  <a:tcPr>
-                    <a:lnB w="38100" cap="flat" cmpd="sng" algn="ctr">
-                      <a:solidFill>
-                        <a:schemeClr val="bg1"/>
-                      </a:solidFill>
-                      <a:prstDash val="solid"/>
-                      <a:round/>
-                      <a:headEnd type="none" w="med" len="med"/>
-                      <a:tailEnd type="none" w="med" len="med"/>
-                    </a:lnB>
-                  </a:tcPr>
-                </a:tc>
-                <a:tc>
-                  <a:txBody>
-                    <a:bodyPr/>
-                    <a:lstStyle/>
-                    <a:p>
-                      <a:pPr algn="ctr"/>
-                      <a:r>
-                        <a:rPr lang="en-GB" dirty="0"/>
-                        <a:t>0.789576 b10</a:t>
-                      </a:r>
-                    </a:p>
-                    <a:p>
-                      <a:pPr algn="ctr"/>
-                      <a:r>
-                        <a:rPr lang="en-GB" dirty="0"/>
-                        <a:t>0.412672 b100</a:t>
-                      </a:r>
-                      <a:endParaRPr lang="ro-RO" dirty="0"/>
-                    </a:p>
-                  </a:txBody>
-                  <a:tcPr>
-                    <a:lnB w="38100" cap="flat" cmpd="sng" algn="ctr">
-                      <a:solidFill>
-                        <a:schemeClr val="bg1"/>
-                      </a:solidFill>
-                      <a:prstDash val="solid"/>
-                      <a:round/>
-                      <a:headEnd type="none" w="med" len="med"/>
-                      <a:tailEnd type="none" w="med" len="med"/>
-                    </a:lnB>
-                  </a:tcPr>
-                </a:tc>
-                <a:tc>
-                  <a:txBody>
-                    <a:bodyPr/>
-                    <a:lstStyle/>
-                    <a:p>
-                      <a:pPr algn="ctr"/>
-                      <a:r>
-                        <a:rPr lang="en-GB" dirty="0"/>
-                        <a:t>0.285031</a:t>
-                      </a:r>
-                      <a:endParaRPr lang="ro-RO" dirty="0"/>
-                    </a:p>
-                  </a:txBody>
-                  <a:tcPr>
-                    <a:lnB w="38100" cap="flat" cmpd="sng" algn="ctr">
-                      <a:solidFill>
-                        <a:schemeClr val="bg1"/>
-                      </a:solidFill>
-                      <a:prstDash val="solid"/>
-                      <a:round/>
-                      <a:headEnd type="none" w="med" len="med"/>
-                      <a:tailEnd type="none" w="med" len="med"/>
-                    </a:lnB>
-                    <a:solidFill>
-                      <a:srgbClr val="92D050"/>
-                    </a:solidFill>
-                  </a:tcPr>
-                </a:tc>
-                <a:tc>
-                  <a:txBody>
-                    <a:bodyPr/>
-                    <a:lstStyle/>
-                    <a:p>
-                      <a:pPr algn="ctr"/>
-                      <a:r>
-                        <a:rPr lang="en-GB" dirty="0"/>
-                        <a:t>0.413897</a:t>
-                      </a:r>
-                      <a:endParaRPr lang="ro-RO" dirty="0"/>
-                    </a:p>
-                  </a:txBody>
-                  <a:tcPr>
-                    <a:lnB w="38100" cap="flat" cmpd="sng" algn="ctr">
-                      <a:solidFill>
-                        <a:schemeClr val="bg1"/>
-                      </a:solidFill>
-                      <a:prstDash val="solid"/>
-                      <a:round/>
-                      <a:headEnd type="none" w="med" len="med"/>
-                      <a:tailEnd type="none" w="med" len="med"/>
-                    </a:lnB>
-                  </a:tcPr>
-                </a:tc>
-                <a:extLst>
-                  <a:ext uri="{0D108BD9-81ED-4DB2-BD59-A6C34878D82A}">
-                    <a16:rowId xmlns:a16="http://schemas.microsoft.com/office/drawing/2014/main" val="1208100431"/>
-                  </a:ext>
-                </a:extLst>
-              </a:tr>
-              <a:tr h="639379">
-                <a:tc>
-                  <a:txBody>
-                    <a:bodyPr/>
-                    <a:lstStyle/>
-                    <a:p>
-                      <a:pPr algn="ctr"/>
-                      <a:r>
-                        <a:rPr lang="en-GB" dirty="0"/>
-                        <a:t>N = 10^8</a:t>
-                      </a:r>
-                    </a:p>
-                    <a:p>
-                      <a:pPr algn="ctr"/>
-                      <a:r>
-                        <a:rPr lang="en-GB" dirty="0"/>
-                        <a:t>M = 10^6</a:t>
-                      </a:r>
-                      <a:endParaRPr lang="ro-RO" dirty="0"/>
-                    </a:p>
-                  </a:txBody>
-                  <a:tcPr>
-                    <a:lnR w="38100" cap="flat" cmpd="sng" algn="ctr">
-                      <a:solidFill>
-                        <a:schemeClr val="bg1"/>
-                      </a:solidFill>
-                      <a:prstDash val="solid"/>
-                      <a:round/>
-                      <a:headEnd type="none" w="med" len="med"/>
-                      <a:tailEnd type="none" w="med" len="med"/>
-                    </a:lnR>
-                    <a:lnT w="38100" cap="flat" cmpd="sng" algn="ctr">
-                      <a:solidFill>
-                        <a:schemeClr val="bg1"/>
-                      </a:solidFill>
-                      <a:prstDash val="solid"/>
-                      <a:round/>
-                      <a:headEnd type="none" w="med" len="med"/>
-                      <a:tailEnd type="none" w="med" len="med"/>
-                    </a:lnT>
-                  </a:tcPr>
-                </a:tc>
-                <a:tc>
-                  <a:txBody>
-                    <a:bodyPr/>
-                    <a:lstStyle/>
-                    <a:p>
-                      <a:pPr algn="ctr"/>
-                      <a:r>
-                        <a:rPr lang="en-GB" dirty="0"/>
-                        <a:t>105.064998</a:t>
-                      </a:r>
-                      <a:endParaRPr lang="ro-RO" dirty="0"/>
-                    </a:p>
-                  </a:txBody>
-                  <a:tcPr>
-                    <a:lnL w="38100" cap="flat" cmpd="sng" algn="ctr">
-                      <a:solidFill>
-                        <a:schemeClr val="bg1"/>
-                      </a:solidFill>
-                      <a:prstDash val="solid"/>
-                      <a:round/>
-                      <a:headEnd type="none" w="med" len="med"/>
-                      <a:tailEnd type="none" w="med" len="med"/>
-                    </a:lnL>
-                    <a:lnT w="38100" cap="flat" cmpd="sng" algn="ctr">
-                      <a:solidFill>
-                        <a:schemeClr val="bg1"/>
-                      </a:solidFill>
-                      <a:prstDash val="solid"/>
-                      <a:round/>
-                      <a:headEnd type="none" w="med" len="med"/>
-                      <a:tailEnd type="none" w="med" len="med"/>
-                    </a:lnT>
-                  </a:tcPr>
-                </a:tc>
-                <a:tc>
-                  <a:txBody>
-                    <a:bodyPr/>
-                    <a:lstStyle/>
-                    <a:p>
-                      <a:pPr algn="ctr"/>
-                      <a:r>
-                        <a:rPr lang="en-GB" dirty="0"/>
-                        <a:t>100.064998</a:t>
-                      </a:r>
-                      <a:endParaRPr lang="ro-RO" dirty="0"/>
-                    </a:p>
-                  </a:txBody>
-                  <a:tcPr>
-                    <a:lnT w="38100" cap="flat" cmpd="sng" algn="ctr">
-                      <a:solidFill>
-                        <a:schemeClr val="bg1"/>
-                      </a:solidFill>
-                      <a:prstDash val="solid"/>
-                      <a:round/>
-                      <a:headEnd type="none" w="med" len="med"/>
-                      <a:tailEnd type="none" w="med" len="med"/>
-                    </a:lnT>
-                  </a:tcPr>
-                </a:tc>
-                <a:tc>
-                  <a:txBody>
-                    <a:bodyPr/>
-                    <a:lstStyle/>
-                    <a:p>
-                      <a:pPr algn="ctr"/>
-                      <a:r>
-                        <a:rPr lang="en-GB" dirty="0"/>
-                        <a:t>22.277076 b10</a:t>
-                      </a:r>
-                    </a:p>
-                    <a:p>
-                      <a:pPr algn="ctr"/>
-                      <a:r>
-                        <a:rPr lang="en-GB" dirty="0"/>
-                        <a:t>12.572883 b100</a:t>
-                      </a:r>
-                      <a:endParaRPr lang="ro-RO" dirty="0"/>
-                    </a:p>
-                  </a:txBody>
-                  <a:tcPr>
-                    <a:lnT w="38100" cap="flat" cmpd="sng" algn="ctr">
-                      <a:solidFill>
-                        <a:schemeClr val="bg1"/>
-                      </a:solidFill>
-                      <a:prstDash val="solid"/>
-                      <a:round/>
-                      <a:headEnd type="none" w="med" len="med"/>
-                      <a:tailEnd type="none" w="med" len="med"/>
-                    </a:lnT>
-                    <a:solidFill>
-                      <a:srgbClr val="92D050"/>
-                    </a:solidFill>
-                  </a:tcPr>
-                </a:tc>
-                <a:tc>
-                  <a:txBody>
-                    <a:bodyPr/>
-                    <a:lstStyle/>
-                    <a:p>
-                      <a:pPr algn="ctr"/>
-                      <a:r>
-                        <a:rPr lang="en-GB" dirty="0"/>
-                        <a:t>28.7033556</a:t>
-                      </a:r>
-                      <a:endParaRPr lang="ro-RO" dirty="0"/>
-                    </a:p>
-                  </a:txBody>
-                  <a:tcPr>
-                    <a:lnT w="38100" cap="flat" cmpd="sng" algn="ctr">
-                      <a:solidFill>
-                        <a:schemeClr val="bg1"/>
-                      </a:solidFill>
-                      <a:prstDash val="solid"/>
-                      <a:round/>
-                      <a:headEnd type="none" w="med" len="med"/>
-                      <a:tailEnd type="none" w="med" len="med"/>
-                    </a:lnT>
-                  </a:tcPr>
-                </a:tc>
-                <a:tc>
-                  <a:txBody>
-                    <a:bodyPr/>
-                    <a:lstStyle/>
-                    <a:p>
-                      <a:pPr algn="ctr"/>
-                      <a:r>
-                        <a:rPr lang="en-GB" dirty="0"/>
-                        <a:t>133.125621</a:t>
-                      </a:r>
-                      <a:endParaRPr lang="ro-RO" dirty="0"/>
-                    </a:p>
-                  </a:txBody>
-                  <a:tcPr>
-                    <a:lnT w="38100" cap="flat" cmpd="sng" algn="ctr">
-                      <a:solidFill>
-                        <a:schemeClr val="bg1"/>
-                      </a:solidFill>
-                      <a:prstDash val="solid"/>
-                      <a:round/>
-                      <a:headEnd type="none" w="med" len="med"/>
-                      <a:tailEnd type="none" w="med" len="med"/>
-                    </a:lnT>
-                    <a:solidFill>
-                      <a:srgbClr val="FF0000"/>
-                    </a:solidFill>
-                  </a:tcPr>
-                </a:tc>
-                <a:extLst>
-                  <a:ext uri="{0D108BD9-81ED-4DB2-BD59-A6C34878D82A}">
-                    <a16:rowId xmlns:a16="http://schemas.microsoft.com/office/drawing/2014/main" val="1260120887"/>
-                  </a:ext>
-                </a:extLst>
-              </a:tr>
-              <a:tr h="639379">
-                <a:tc>
-                  <a:txBody>
-                    <a:bodyPr/>
-                    <a:lstStyle/>
-                    <a:p>
-                      <a:pPr algn="ctr"/>
-                      <a:r>
-                        <a:rPr lang="en-GB" dirty="0"/>
-                        <a:t>N = 10^8</a:t>
-                      </a:r>
-                    </a:p>
-                    <a:p>
-                      <a:pPr marL="0" marR="0" lvl="0" indent="0" algn="ctr" defTabSz="457200" rtl="0" eaLnBrk="1" fontAlgn="auto" latinLnBrk="0" hangingPunct="1">
-                        <a:lnSpc>
-                          <a:spcPct val="100000"/>
-                        </a:lnSpc>
-                        <a:spcBef>
-                          <a:spcPts val="0"/>
-                        </a:spcBef>
-                        <a:spcAft>
-                          <a:spcPts val="0"/>
-                        </a:spcAft>
-                        <a:buClrTx/>
-                        <a:buSzTx/>
-                        <a:buFontTx/>
-                        <a:buNone/>
-                        <a:tabLst/>
-                        <a:defRPr/>
-                      </a:pPr>
-                      <a:r>
-                        <a:rPr lang="en-GB" dirty="0"/>
-                        <a:t>M = 10^12</a:t>
-                      </a:r>
-                      <a:endParaRPr lang="ro-RO" dirty="0"/>
-                    </a:p>
-                  </a:txBody>
-                  <a:tcPr>
-                    <a:lnR w="38100" cap="flat" cmpd="sng" algn="ctr">
-                      <a:solidFill>
-                        <a:schemeClr val="bg1"/>
-                      </a:solidFill>
-                      <a:prstDash val="solid"/>
-                      <a:round/>
-                      <a:headEnd type="none" w="med" len="med"/>
-                      <a:tailEnd type="none" w="med" len="med"/>
-                    </a:lnR>
-                  </a:tcPr>
-                </a:tc>
-                <a:tc>
-                  <a:txBody>
-                    <a:bodyPr/>
-                    <a:lstStyle/>
-                    <a:p>
-                      <a:pPr algn="ctr"/>
-                      <a:r>
-                        <a:rPr lang="en-GB" dirty="0"/>
-                        <a:t>110.658123</a:t>
-                      </a:r>
-                      <a:endParaRPr lang="ro-RO" dirty="0"/>
-                    </a:p>
-                  </a:txBody>
-                  <a:tcPr>
-                    <a:lnL w="38100" cap="flat" cmpd="sng" algn="ctr">
-                      <a:solidFill>
-                        <a:schemeClr val="bg1"/>
-                      </a:solidFill>
-                      <a:prstDash val="solid"/>
-                      <a:round/>
-                      <a:headEnd type="none" w="med" len="med"/>
-                      <a:tailEnd type="none" w="med" len="med"/>
-                    </a:lnL>
-                  </a:tcPr>
-                </a:tc>
-                <a:tc>
-                  <a:txBody>
-                    <a:bodyPr/>
-                    <a:lstStyle/>
-                    <a:p>
-                      <a:pPr algn="ctr"/>
-                      <a:r>
-                        <a:rPr lang="en-GB" dirty="0"/>
-                        <a:t>118.658123</a:t>
-                      </a:r>
-                      <a:endParaRPr lang="ro-RO" dirty="0"/>
-                    </a:p>
-                  </a:txBody>
-                  <a:tcPr/>
-                </a:tc>
-                <a:tc>
-                  <a:txBody>
-                    <a:bodyPr/>
-                    <a:lstStyle/>
-                    <a:p>
-                      <a:pPr algn="ctr"/>
-                      <a:r>
-                        <a:rPr lang="en-GB" dirty="0"/>
-                        <a:t>45.852258 b10</a:t>
-                      </a:r>
-                    </a:p>
-                    <a:p>
-                      <a:pPr algn="ctr"/>
-                      <a:r>
-                        <a:rPr lang="en-GB" dirty="0"/>
-                        <a:t>23.912181 b100</a:t>
-                      </a:r>
-                      <a:endParaRPr lang="ro-RO" dirty="0"/>
-                    </a:p>
-                  </a:txBody>
-                  <a:tcPr>
-                    <a:solidFill>
-                      <a:srgbClr val="92D050"/>
-                    </a:solidFill>
-                  </a:tcPr>
-                </a:tc>
-                <a:tc>
-                  <a:txBody>
-                    <a:bodyPr/>
-                    <a:lstStyle/>
-                    <a:p>
-                      <a:pPr algn="ctr"/>
-                      <a:r>
-                        <a:rPr lang="en-GB" dirty="0"/>
-                        <a:t>40.069109</a:t>
-                      </a:r>
-                      <a:endParaRPr lang="ro-RO" dirty="0"/>
-                    </a:p>
-                  </a:txBody>
-                  <a:tcPr/>
-                </a:tc>
-                <a:tc>
-                  <a:txBody>
-                    <a:bodyPr/>
-                    <a:lstStyle/>
-                    <a:p>
-                      <a:pPr algn="ctr"/>
-                      <a:r>
-                        <a:rPr lang="en-GB" dirty="0"/>
-                        <a:t>130.439978</a:t>
-                      </a:r>
-                      <a:endParaRPr lang="ro-RO" dirty="0"/>
-                    </a:p>
-                  </a:txBody>
-                  <a:tcPr>
-                    <a:solidFill>
-                      <a:srgbClr val="FF0000"/>
-                    </a:solidFill>
-                  </a:tcPr>
-                </a:tc>
-                <a:extLst>
-                  <a:ext uri="{0D108BD9-81ED-4DB2-BD59-A6C34878D82A}">
-                    <a16:rowId xmlns:a16="http://schemas.microsoft.com/office/drawing/2014/main" val="3617141664"/>
-                  </a:ext>
-                </a:extLst>
-              </a:tr>
-              <a:tr h="639379">
-                <a:tc>
-                  <a:txBody>
-                    <a:bodyPr/>
-                    <a:lstStyle/>
-                    <a:p>
-                      <a:pPr algn="ctr"/>
-                      <a:r>
-                        <a:rPr lang="en-GB" dirty="0"/>
-                        <a:t>N = 10^8</a:t>
-                      </a:r>
-                    </a:p>
-                    <a:p>
-                      <a:pPr algn="ctr"/>
-                      <a:r>
-                        <a:rPr lang="en-GB" dirty="0"/>
-                        <a:t>M = 10^18</a:t>
-                      </a:r>
-                      <a:endParaRPr lang="ro-RO" dirty="0"/>
-                    </a:p>
-                  </a:txBody>
-                  <a:tcPr>
-                    <a:lnR w="38100" cap="flat" cmpd="sng" algn="ctr">
-                      <a:solidFill>
-                        <a:schemeClr val="bg1"/>
-                      </a:solidFill>
-                      <a:prstDash val="solid"/>
-                      <a:round/>
-                      <a:headEnd type="none" w="med" len="med"/>
-                      <a:tailEnd type="none" w="med" len="med"/>
-                    </a:lnR>
-                  </a:tcPr>
-                </a:tc>
-                <a:tc>
-                  <a:txBody>
-                    <a:bodyPr/>
-                    <a:lstStyle/>
-                    <a:p>
-                      <a:pPr algn="ctr"/>
-                      <a:r>
-                        <a:rPr lang="en-GB" dirty="0"/>
-                        <a:t>111.513115</a:t>
-                      </a:r>
-                      <a:endParaRPr lang="ro-RO" dirty="0"/>
-                    </a:p>
-                  </a:txBody>
-                  <a:tcPr>
-                    <a:lnL w="38100" cap="flat" cmpd="sng" algn="ctr">
-                      <a:solidFill>
-                        <a:schemeClr val="bg1"/>
-                      </a:solidFill>
-                      <a:prstDash val="solid"/>
-                      <a:round/>
-                      <a:headEnd type="none" w="med" len="med"/>
-                      <a:tailEnd type="none" w="med" len="med"/>
-                    </a:lnL>
-                  </a:tcPr>
-                </a:tc>
-                <a:tc>
-                  <a:txBody>
-                    <a:bodyPr/>
-                    <a:lstStyle/>
-                    <a:p>
-                      <a:pPr algn="ctr"/>
-                      <a:r>
-                        <a:rPr lang="en-GB" dirty="0"/>
-                        <a:t>110.247889</a:t>
-                      </a:r>
-                      <a:endParaRPr lang="ro-RO" dirty="0"/>
-                    </a:p>
-                  </a:txBody>
-                  <a:tcPr>
-                    <a:solidFill>
-                      <a:schemeClr val="tx1">
-                        <a:lumMod val="75000"/>
-                      </a:schemeClr>
-                    </a:solidFill>
-                  </a:tcPr>
-                </a:tc>
-                <a:tc>
-                  <a:txBody>
-                    <a:bodyPr/>
-                    <a:lstStyle/>
-                    <a:p>
-                      <a:pPr algn="ctr"/>
-                      <a:r>
-                        <a:rPr lang="en-GB" dirty="0"/>
-                        <a:t>81.374478 b10</a:t>
-                      </a:r>
-                    </a:p>
-                    <a:p>
-                      <a:pPr algn="ctr"/>
-                      <a:r>
-                        <a:rPr lang="en-GB" dirty="0"/>
-                        <a:t>41.403647 b100</a:t>
-                      </a:r>
-                      <a:endParaRPr lang="ro-RO" dirty="0"/>
-                    </a:p>
-                  </a:txBody>
-                  <a:tcPr>
-                    <a:solidFill>
-                      <a:srgbClr val="92D050"/>
-                    </a:solidFill>
-                  </a:tcPr>
-                </a:tc>
-                <a:tc>
-                  <a:txBody>
-                    <a:bodyPr/>
-                    <a:lstStyle/>
-                    <a:p>
-                      <a:pPr algn="ctr"/>
-                      <a:r>
-                        <a:rPr lang="en-GB" dirty="0"/>
-                        <a:t>42.961625</a:t>
-                      </a:r>
-                      <a:endParaRPr lang="ro-RO" dirty="0"/>
-                    </a:p>
-                  </a:txBody>
-                  <a:tcPr/>
-                </a:tc>
-                <a:tc>
-                  <a:txBody>
-                    <a:bodyPr/>
-                    <a:lstStyle/>
-                    <a:p>
-                      <a:pPr algn="ctr"/>
-                      <a:r>
-                        <a:rPr lang="en-GB" dirty="0"/>
-                        <a:t>130.052381</a:t>
-                      </a:r>
-                      <a:endParaRPr lang="ro-RO" dirty="0"/>
-                    </a:p>
-                  </a:txBody>
-                  <a:tcPr>
-                    <a:solidFill>
-                      <a:srgbClr val="FF0000"/>
-                    </a:solidFill>
-                  </a:tcPr>
-                </a:tc>
-                <a:extLst>
-                  <a:ext uri="{0D108BD9-81ED-4DB2-BD59-A6C34878D82A}">
-                    <a16:rowId xmlns:a16="http://schemas.microsoft.com/office/drawing/2014/main" val="455241072"/>
-                  </a:ext>
-                </a:extLst>
-              </a:tr>
-            </a:tbl>
-          </a:graphicData>
-        </a:graphic>
-      </p:graphicFrame>
-      <p:sp>
-        <p:nvSpPr>
-          <p:cNvPr id="5" name="TextBox 4">
-            <a:extLst>
-              <a:ext uri="{FF2B5EF4-FFF2-40B4-BE49-F238E27FC236}">
-                <a16:creationId xmlns:a16="http://schemas.microsoft.com/office/drawing/2014/main" id="{C5A60A0F-F5E4-48F5-B108-E25D381BD4D6}"/>
-              </a:ext>
-            </a:extLst>
-          </p:cNvPr>
-          <p:cNvSpPr txBox="1"/>
-          <p:nvPr/>
-        </p:nvSpPr>
-        <p:spPr>
-          <a:xfrm>
-            <a:off x="3222170" y="0"/>
-            <a:ext cx="5747657" cy="523220"/>
-          </a:xfrm>
-          <a:prstGeom prst="rect">
-            <a:avLst/>
-          </a:prstGeom>
-          <a:noFill/>
-        </p:spPr>
-        <p:txBody>
-          <a:bodyPr wrap="square" rtlCol="0">
-            <a:spAutoFit/>
-          </a:bodyPr>
-          <a:lstStyle/>
-          <a:p>
-            <a:pPr algn="ctr"/>
-            <a:r>
-              <a:rPr lang="en-GB" sz="2800" dirty="0" err="1"/>
-              <a:t>Timpi</a:t>
-            </a:r>
-            <a:r>
-              <a:rPr lang="en-GB" sz="2800" dirty="0"/>
-              <a:t> de </a:t>
-            </a:r>
-            <a:r>
-              <a:rPr lang="en-GB" sz="2800" dirty="0" err="1"/>
-              <a:t>sortare</a:t>
-            </a:r>
-            <a:r>
-              <a:rPr lang="en-GB" sz="2800" dirty="0"/>
-              <a:t> in </a:t>
-            </a:r>
-            <a:r>
-              <a:rPr lang="en-GB" sz="2800" dirty="0" err="1"/>
-              <a:t>secunde</a:t>
-            </a:r>
-            <a:endParaRPr lang="ro-RO" sz="2800" dirty="0"/>
-          </a:p>
-        </p:txBody>
-      </p:sp>
-    </p:spTree>
-    <p:extLst>
-      <p:ext uri="{BB962C8B-B14F-4D97-AF65-F5344CB8AC3E}">
-        <p14:creationId xmlns:p14="http://schemas.microsoft.com/office/powerpoint/2010/main" val="3619558512"/>
-      </p:ext>
-    </p:extLst>
-  </p:cSld>
-  <p:clrMapOvr>
-    <a:masterClrMapping/>
-  </p:clrMapOvr>
-</p:sld>
-</file>
-
-<file path=ppt/slides/slide8.xml><?xml version="1.0" encoding="utf-8"?>
-<p:sld xmlns:a="http://schemas.openxmlformats.org/drawingml/2006/main" xmlns:r="http://schemas.openxmlformats.org/officeDocument/2006/relationships" xmlns:p="http://schemas.openxmlformats.org/presentationml/2006/main">
-  <p:cSld>
-    <p:spTree>
-      <p:nvGrpSpPr>
-        <p:cNvPr id="1" name=""/>
-        <p:cNvGrpSpPr/>
-        <p:nvPr/>
-      </p:nvGrpSpPr>
-      <p:grpSpPr>
-        <a:xfrm>
-          <a:off x="0" y="0"/>
-          <a:ext cx="0" cy="0"/>
-          <a:chOff x="0" y="0"/>
-          <a:chExt cx="0" cy="0"/>
-        </a:xfrm>
-      </p:grpSpPr>
-      <p:sp>
-        <p:nvSpPr>
-          <p:cNvPr id="2" name="Title 1">
-            <a:extLst>
-              <a:ext uri="{FF2B5EF4-FFF2-40B4-BE49-F238E27FC236}">
-                <a16:creationId xmlns:a16="http://schemas.microsoft.com/office/drawing/2014/main" id="{149A60DA-E5C2-425A-AC81-A70CD4BB9D96}"/>
-              </a:ext>
-            </a:extLst>
-          </p:cNvPr>
-          <p:cNvSpPr>
-            <a:spLocks noGrp="1"/>
-          </p:cNvSpPr>
-          <p:nvPr>
-            <p:ph type="title"/>
-          </p:nvPr>
-        </p:nvSpPr>
-        <p:spPr/>
-        <p:txBody>
-          <a:bodyPr/>
-          <a:lstStyle/>
-          <a:p>
-            <a:r>
-              <a:rPr lang="en-GB" dirty="0" err="1"/>
-              <a:t>Concluzii</a:t>
-            </a:r>
-            <a:endParaRPr lang="ro-RO" dirty="0"/>
-          </a:p>
-        </p:txBody>
-      </p:sp>
-      <p:sp>
-        <p:nvSpPr>
-          <p:cNvPr id="3" name="Content Placeholder 2">
-            <a:extLst>
-              <a:ext uri="{FF2B5EF4-FFF2-40B4-BE49-F238E27FC236}">
-                <a16:creationId xmlns:a16="http://schemas.microsoft.com/office/drawing/2014/main" id="{E7120AA8-B30D-4D27-9B29-222ED83E8A76}"/>
-              </a:ext>
-            </a:extLst>
-          </p:cNvPr>
-          <p:cNvSpPr>
-            <a:spLocks noGrp="1"/>
-          </p:cNvSpPr>
-          <p:nvPr>
-            <p:ph idx="1"/>
-          </p:nvPr>
-        </p:nvSpPr>
-        <p:spPr>
-          <a:xfrm>
-            <a:off x="913795" y="2076450"/>
-            <a:ext cx="10353762" cy="4171950"/>
-          </a:xfrm>
-        </p:spPr>
-        <p:txBody>
-          <a:bodyPr>
-            <a:normAutofit lnSpcReduction="10000"/>
-          </a:bodyPr>
-          <a:lstStyle/>
-          <a:p>
-            <a:pPr algn="just"/>
-            <a:r>
-              <a:rPr lang="en-GB" dirty="0"/>
-              <a:t>In general, </a:t>
-            </a:r>
-            <a:r>
-              <a:rPr lang="en-GB" dirty="0" err="1"/>
-              <a:t>cel</a:t>
-            </a:r>
-            <a:r>
-              <a:rPr lang="en-GB" dirty="0"/>
-              <a:t> </a:t>
-            </a:r>
-            <a:r>
-              <a:rPr lang="en-GB" dirty="0" err="1"/>
-              <a:t>mai</a:t>
-            </a:r>
-            <a:r>
-              <a:rPr lang="en-GB" dirty="0"/>
-              <a:t> lent </a:t>
-            </a:r>
-            <a:r>
-              <a:rPr lang="en-GB" dirty="0" err="1"/>
-              <a:t>algoritm</a:t>
-            </a:r>
-            <a:r>
-              <a:rPr lang="en-GB" dirty="0"/>
-              <a:t> de </a:t>
-            </a:r>
-            <a:r>
-              <a:rPr lang="en-GB" dirty="0" err="1"/>
-              <a:t>sortate</a:t>
-            </a:r>
-            <a:r>
-              <a:rPr lang="en-GB" dirty="0"/>
-              <a:t> </a:t>
-            </a:r>
-            <a:r>
-              <a:rPr lang="en-GB" dirty="0" err="1"/>
-              <a:t>pentru</a:t>
-            </a:r>
-            <a:r>
-              <a:rPr lang="en-GB" dirty="0"/>
-              <a:t> teste cu </a:t>
-            </a:r>
-            <a:r>
-              <a:rPr lang="en-GB" dirty="0" err="1"/>
-              <a:t>numere</a:t>
-            </a:r>
-            <a:r>
-              <a:rPr lang="en-GB" dirty="0"/>
-              <a:t> </a:t>
-            </a:r>
-            <a:r>
-              <a:rPr lang="en-GB" dirty="0" err="1"/>
-              <a:t>mari</a:t>
-            </a:r>
-            <a:r>
-              <a:rPr lang="en-GB" dirty="0"/>
-              <a:t> </a:t>
-            </a:r>
-            <a:r>
-              <a:rPr lang="en-GB" dirty="0" err="1"/>
-              <a:t>este</a:t>
-            </a:r>
-            <a:r>
-              <a:rPr lang="en-GB" dirty="0"/>
-              <a:t> Heap-Sort, </a:t>
-            </a:r>
-            <a:r>
-              <a:rPr lang="en-GB" dirty="0" err="1"/>
-              <a:t>avand</a:t>
-            </a:r>
-            <a:r>
-              <a:rPr lang="en-GB" dirty="0"/>
-              <a:t> </a:t>
-            </a:r>
-            <a:r>
-              <a:rPr lang="en-GB" dirty="0" err="1"/>
-              <a:t>timpi</a:t>
-            </a:r>
-            <a:r>
-              <a:rPr lang="en-GB" dirty="0"/>
-              <a:t> </a:t>
-            </a:r>
-            <a:r>
-              <a:rPr lang="en-GB" dirty="0" err="1"/>
-              <a:t>comparabili</a:t>
-            </a:r>
-            <a:r>
-              <a:rPr lang="en-GB" dirty="0"/>
-              <a:t> cu merge sort </a:t>
-            </a:r>
-            <a:r>
-              <a:rPr lang="en-GB" dirty="0" err="1"/>
-              <a:t>si</a:t>
-            </a:r>
-            <a:r>
-              <a:rPr lang="en-GB" dirty="0"/>
-              <a:t> cu shell sort, </a:t>
-            </a:r>
-            <a:r>
-              <a:rPr lang="en-GB" dirty="0" err="1"/>
-              <a:t>dar</a:t>
-            </a:r>
-            <a:r>
-              <a:rPr lang="en-GB" dirty="0"/>
-              <a:t> </a:t>
-            </a:r>
-            <a:r>
-              <a:rPr lang="en-GB" dirty="0" err="1"/>
-              <a:t>spre</a:t>
-            </a:r>
-            <a:r>
-              <a:rPr lang="en-GB" dirty="0"/>
-              <a:t> </a:t>
-            </a:r>
-            <a:r>
-              <a:rPr lang="en-GB" dirty="0" err="1"/>
-              <a:t>deosebire</a:t>
-            </a:r>
-            <a:r>
-              <a:rPr lang="en-GB" dirty="0"/>
-              <a:t> de merge sort, </a:t>
-            </a:r>
-            <a:r>
-              <a:rPr lang="en-GB" dirty="0" err="1"/>
-              <a:t>acesta</a:t>
-            </a:r>
-            <a:r>
-              <a:rPr lang="en-GB" dirty="0"/>
-              <a:t> nu </a:t>
-            </a:r>
-            <a:r>
-              <a:rPr lang="en-GB" dirty="0" err="1"/>
-              <a:t>necesita</a:t>
-            </a:r>
-            <a:r>
-              <a:rPr lang="en-GB" dirty="0"/>
-              <a:t> un vector auxiliar.</a:t>
-            </a:r>
-          </a:p>
-          <a:p>
-            <a:pPr algn="just"/>
-            <a:r>
-              <a:rPr lang="en-GB" dirty="0"/>
-              <a:t>Tot in general, </a:t>
-            </a:r>
-            <a:r>
-              <a:rPr lang="en-GB" dirty="0" err="1"/>
-              <a:t>algoritmul</a:t>
-            </a:r>
-            <a:r>
-              <a:rPr lang="en-GB" dirty="0"/>
-              <a:t> de radix sort </a:t>
-            </a:r>
-            <a:r>
-              <a:rPr lang="en-GB" dirty="0" err="1"/>
-              <a:t>este</a:t>
-            </a:r>
-            <a:r>
-              <a:rPr lang="en-GB" dirty="0"/>
-              <a:t> </a:t>
-            </a:r>
-            <a:r>
-              <a:rPr lang="en-GB" dirty="0" err="1"/>
-              <a:t>cel</a:t>
-            </a:r>
-            <a:r>
-              <a:rPr lang="en-GB" dirty="0"/>
-              <a:t> </a:t>
-            </a:r>
-            <a:r>
-              <a:rPr lang="en-GB" dirty="0" err="1"/>
-              <a:t>mai</a:t>
-            </a:r>
-            <a:r>
-              <a:rPr lang="en-GB" dirty="0"/>
-              <a:t> bun </a:t>
-            </a:r>
-            <a:r>
-              <a:rPr lang="en-GB" dirty="0" err="1"/>
-              <a:t>pentru</a:t>
-            </a:r>
-            <a:r>
-              <a:rPr lang="en-GB" dirty="0"/>
-              <a:t> </a:t>
-            </a:r>
-            <a:r>
-              <a:rPr lang="en-GB" dirty="0" err="1"/>
-              <a:t>majoritatea</a:t>
-            </a:r>
-            <a:r>
-              <a:rPr lang="en-GB" dirty="0"/>
-              <a:t> </a:t>
-            </a:r>
-            <a:r>
-              <a:rPr lang="en-GB" dirty="0" err="1"/>
-              <a:t>cazurilor</a:t>
-            </a:r>
-            <a:r>
-              <a:rPr lang="en-GB" dirty="0"/>
-              <a:t>, </a:t>
-            </a:r>
-            <a:r>
-              <a:rPr lang="en-GB" dirty="0" err="1"/>
-              <a:t>insa</a:t>
-            </a:r>
-            <a:r>
-              <a:rPr lang="en-GB" dirty="0"/>
-              <a:t> pot </a:t>
-            </a:r>
-            <a:r>
-              <a:rPr lang="en-GB" dirty="0" err="1"/>
-              <a:t>exista</a:t>
-            </a:r>
-            <a:r>
-              <a:rPr lang="en-GB" dirty="0"/>
-              <a:t> </a:t>
-            </a:r>
-            <a:r>
-              <a:rPr lang="en-GB" dirty="0" err="1"/>
-              <a:t>anumite</a:t>
-            </a:r>
-            <a:r>
-              <a:rPr lang="en-GB" dirty="0"/>
-              <a:t> </a:t>
-            </a:r>
-            <a:r>
-              <a:rPr lang="en-GB" dirty="0" err="1"/>
-              <a:t>situatii</a:t>
-            </a:r>
-            <a:r>
-              <a:rPr lang="en-GB" dirty="0"/>
-              <a:t>, in care </a:t>
-            </a:r>
-            <a:r>
-              <a:rPr lang="en-GB" dirty="0" err="1"/>
-              <a:t>daca</a:t>
-            </a:r>
-            <a:r>
-              <a:rPr lang="en-GB" dirty="0"/>
-              <a:t> </a:t>
-            </a:r>
-            <a:r>
-              <a:rPr lang="en-GB" dirty="0" err="1"/>
-              <a:t>numere</a:t>
-            </a:r>
-            <a:r>
-              <a:rPr lang="en-GB" dirty="0"/>
-              <a:t> sunt </a:t>
-            </a:r>
-            <a:r>
-              <a:rPr lang="en-GB" dirty="0" err="1"/>
-              <a:t>putine</a:t>
-            </a:r>
-            <a:r>
-              <a:rPr lang="en-GB" dirty="0"/>
-              <a:t>, </a:t>
-            </a:r>
-            <a:r>
-              <a:rPr lang="en-GB" dirty="0" err="1"/>
-              <a:t>dar</a:t>
-            </a:r>
-            <a:r>
-              <a:rPr lang="en-GB" dirty="0"/>
-              <a:t> </a:t>
-            </a:r>
-            <a:r>
-              <a:rPr lang="en-GB" dirty="0" err="1"/>
-              <a:t>foarte</a:t>
-            </a:r>
-            <a:r>
-              <a:rPr lang="en-GB" dirty="0"/>
-              <a:t> </a:t>
-            </a:r>
-            <a:r>
-              <a:rPr lang="en-GB" dirty="0" err="1"/>
-              <a:t>mari</a:t>
-            </a:r>
-            <a:r>
-              <a:rPr lang="en-GB" dirty="0"/>
-              <a:t> un </a:t>
-            </a:r>
-            <a:r>
-              <a:rPr lang="en-GB" dirty="0" err="1"/>
-              <a:t>algoritm</a:t>
-            </a:r>
-            <a:r>
-              <a:rPr lang="en-GB" dirty="0"/>
-              <a:t> precum </a:t>
-            </a:r>
-            <a:r>
-              <a:rPr lang="en-GB" dirty="0" err="1"/>
-              <a:t>cel</a:t>
-            </a:r>
-            <a:r>
-              <a:rPr lang="en-GB" dirty="0"/>
-              <a:t> de quick sort, s-</a:t>
-            </a:r>
-            <a:r>
-              <a:rPr lang="en-GB" dirty="0" err="1"/>
-              <a:t>ar</a:t>
-            </a:r>
-            <a:r>
-              <a:rPr lang="en-GB" dirty="0"/>
-              <a:t> </a:t>
-            </a:r>
-            <a:r>
-              <a:rPr lang="en-GB" dirty="0" err="1"/>
-              <a:t>descurca</a:t>
-            </a:r>
-            <a:r>
-              <a:rPr lang="en-GB" dirty="0"/>
-              <a:t> </a:t>
-            </a:r>
-            <a:r>
-              <a:rPr lang="en-GB" dirty="0" err="1"/>
-              <a:t>mai</a:t>
-            </a:r>
-            <a:r>
-              <a:rPr lang="en-GB" dirty="0"/>
-              <a:t> bine.</a:t>
-            </a:r>
-          </a:p>
-          <a:p>
-            <a:pPr algn="just"/>
-            <a:r>
-              <a:rPr lang="en-GB" dirty="0"/>
-              <a:t>Cu </a:t>
-            </a:r>
-            <a:r>
-              <a:rPr lang="en-GB" dirty="0" err="1"/>
-              <a:t>toate</a:t>
-            </a:r>
-            <a:r>
-              <a:rPr lang="en-GB" dirty="0"/>
-              <a:t> ca radix sort, a </a:t>
-            </a:r>
-            <a:r>
-              <a:rPr lang="en-GB" dirty="0" err="1"/>
-              <a:t>obtinut</a:t>
-            </a:r>
-            <a:r>
-              <a:rPr lang="en-GB" dirty="0"/>
-              <a:t> </a:t>
-            </a:r>
-            <a:r>
-              <a:rPr lang="en-GB" dirty="0" err="1"/>
-              <a:t>timpii</a:t>
-            </a:r>
-            <a:r>
-              <a:rPr lang="en-GB" dirty="0"/>
-              <a:t> </a:t>
-            </a:r>
-            <a:r>
-              <a:rPr lang="en-GB" dirty="0" err="1"/>
-              <a:t>cei</a:t>
-            </a:r>
-            <a:r>
-              <a:rPr lang="en-GB" dirty="0"/>
-              <a:t> </a:t>
-            </a:r>
-            <a:r>
-              <a:rPr lang="en-GB" dirty="0" err="1"/>
-              <a:t>mai</a:t>
-            </a:r>
-            <a:r>
-              <a:rPr lang="en-GB" dirty="0"/>
-              <a:t> </a:t>
-            </a:r>
-            <a:r>
-              <a:rPr lang="en-GB" dirty="0" err="1"/>
-              <a:t>buni</a:t>
-            </a:r>
-            <a:r>
-              <a:rPr lang="en-GB" dirty="0"/>
-              <a:t> </a:t>
-            </a:r>
-            <a:r>
-              <a:rPr lang="en-GB" dirty="0" err="1"/>
-              <a:t>pentru</a:t>
-            </a:r>
-            <a:r>
-              <a:rPr lang="en-GB" dirty="0"/>
-              <a:t> </a:t>
-            </a:r>
-            <a:r>
-              <a:rPr lang="en-GB" dirty="0" err="1"/>
-              <a:t>cele</a:t>
-            </a:r>
-            <a:r>
-              <a:rPr lang="en-GB" dirty="0"/>
-              <a:t> </a:t>
-            </a:r>
-            <a:r>
-              <a:rPr lang="en-GB" dirty="0" err="1"/>
-              <a:t>mai</a:t>
-            </a:r>
-            <a:r>
-              <a:rPr lang="en-GB" dirty="0"/>
-              <a:t> </a:t>
-            </a:r>
-            <a:r>
-              <a:rPr lang="en-GB" dirty="0" err="1"/>
-              <a:t>multe</a:t>
-            </a:r>
-            <a:r>
-              <a:rPr lang="en-GB" dirty="0"/>
-              <a:t> teste, consider ca quick sort </a:t>
-            </a:r>
-            <a:r>
-              <a:rPr lang="en-GB" dirty="0" err="1"/>
-              <a:t>este</a:t>
-            </a:r>
-            <a:r>
-              <a:rPr lang="en-GB" dirty="0"/>
-              <a:t> </a:t>
-            </a:r>
-            <a:r>
-              <a:rPr lang="en-GB" dirty="0" err="1"/>
-              <a:t>cel</a:t>
-            </a:r>
-            <a:r>
-              <a:rPr lang="en-GB" dirty="0"/>
-              <a:t> </a:t>
-            </a:r>
-            <a:r>
-              <a:rPr lang="en-GB" dirty="0" err="1"/>
-              <a:t>mai</a:t>
-            </a:r>
-            <a:r>
-              <a:rPr lang="en-GB" dirty="0"/>
-              <a:t> bun </a:t>
-            </a:r>
-            <a:r>
-              <a:rPr lang="en-GB" dirty="0" err="1"/>
-              <a:t>algoritm</a:t>
-            </a:r>
-            <a:r>
-              <a:rPr lang="en-GB" dirty="0"/>
-              <a:t> de </a:t>
-            </a:r>
-            <a:r>
-              <a:rPr lang="en-GB" dirty="0" err="1"/>
-              <a:t>sortare</a:t>
-            </a:r>
-            <a:r>
-              <a:rPr lang="en-GB" dirty="0"/>
-              <a:t>, </a:t>
-            </a:r>
-            <a:r>
-              <a:rPr lang="en-GB" dirty="0" err="1"/>
-              <a:t>timpii</a:t>
-            </a:r>
-            <a:r>
-              <a:rPr lang="en-GB" dirty="0"/>
-              <a:t> </a:t>
-            </a:r>
-            <a:r>
-              <a:rPr lang="en-GB" dirty="0" err="1"/>
-              <a:t>fiind</a:t>
-            </a:r>
-            <a:r>
-              <a:rPr lang="en-GB" dirty="0"/>
-              <a:t> </a:t>
-            </a:r>
-            <a:r>
-              <a:rPr lang="en-GB" dirty="0" err="1"/>
-              <a:t>comparabili</a:t>
-            </a:r>
-            <a:r>
-              <a:rPr lang="en-GB" dirty="0"/>
-              <a:t> cu </a:t>
-            </a:r>
-            <a:r>
-              <a:rPr lang="en-GB" dirty="0" err="1"/>
-              <a:t>algoritmul</a:t>
-            </a:r>
-            <a:r>
-              <a:rPr lang="en-GB" dirty="0"/>
-              <a:t> de radix sort, </a:t>
-            </a:r>
-            <a:r>
-              <a:rPr lang="en-GB" dirty="0" err="1"/>
-              <a:t>fiind</a:t>
-            </a:r>
-            <a:r>
-              <a:rPr lang="en-GB" dirty="0"/>
-              <a:t> </a:t>
-            </a:r>
-            <a:r>
-              <a:rPr lang="en-GB" dirty="0" err="1"/>
-              <a:t>insa</a:t>
-            </a:r>
-            <a:r>
-              <a:rPr lang="en-GB" dirty="0"/>
-              <a:t> </a:t>
-            </a:r>
-            <a:r>
-              <a:rPr lang="en-GB" dirty="0" err="1"/>
-              <a:t>mult</a:t>
-            </a:r>
-            <a:r>
-              <a:rPr lang="en-GB" dirty="0"/>
-              <a:t> </a:t>
-            </a:r>
-            <a:r>
-              <a:rPr lang="en-GB" dirty="0" err="1"/>
-              <a:t>mai</a:t>
-            </a:r>
-            <a:r>
-              <a:rPr lang="en-GB" dirty="0"/>
-              <a:t> consistent </a:t>
-            </a:r>
-            <a:r>
-              <a:rPr lang="en-GB" dirty="0" err="1"/>
-              <a:t>indiferent</a:t>
-            </a:r>
-            <a:r>
-              <a:rPr lang="en-GB" dirty="0"/>
-              <a:t> de </a:t>
-            </a:r>
-            <a:r>
-              <a:rPr lang="en-GB" dirty="0" err="1"/>
-              <a:t>numerele</a:t>
-            </a:r>
-            <a:r>
-              <a:rPr lang="en-GB" dirty="0"/>
-              <a:t> de la input.</a:t>
-            </a:r>
-          </a:p>
-          <a:p>
-            <a:pPr algn="just"/>
-            <a:endParaRPr lang="ro-RO" dirty="0"/>
-          </a:p>
-        </p:txBody>
-      </p:sp>
-    </p:spTree>
-    <p:extLst>
-      <p:ext uri="{BB962C8B-B14F-4D97-AF65-F5344CB8AC3E}">
-        <p14:creationId xmlns:p14="http://schemas.microsoft.com/office/powerpoint/2010/main" val="3030938578"/>
       </p:ext>
     </p:extLst>
   </p:cSld>
@@ -16285,12 +17326,12 @@
 </file>
 
 <file path=customXml/item1.xml><?xml version="1.0" encoding="utf-8"?>
-<p:properties xmlns:p="http://schemas.microsoft.com/office/2006/metadata/properties" xmlns:xsi="http://www.w3.org/2001/XMLSchema-instance" xmlns:pc="http://schemas.microsoft.com/office/infopath/2007/PartnerControls">
-  <documentManagement>
-    <Status xmlns="71af3243-3dd4-4a8d-8c0d-dd76da1f02a5">Not started</Status>
-    <MediaServiceKeyPoints xmlns="71af3243-3dd4-4a8d-8c0d-dd76da1f02a5" xsi:nil="true"/>
-  </documentManagement>
-</p:properties>
+<?mso-contentType ?>
+<FormTemplates xmlns="http://schemas.microsoft.com/sharepoint/v3/contenttype/forms">
+  <Display>DocumentLibraryForm</Display>
+  <Edit>DocumentLibraryForm</Edit>
+  <New>DocumentLibraryForm</New>
+</FormTemplates>
 </file>
 
 <file path=customXml/item2.xml><?xml version="1.0" encoding="utf-8"?>
@@ -16515,20 +17556,18 @@
 </file>
 
 <file path=customXml/item3.xml><?xml version="1.0" encoding="utf-8"?>
-<?mso-contentType ?>
-<FormTemplates xmlns="http://schemas.microsoft.com/sharepoint/v3/contenttype/forms">
-  <Display>DocumentLibraryForm</Display>
-  <Edit>DocumentLibraryForm</Edit>
-  <New>DocumentLibraryForm</New>
-</FormTemplates>
+<p:properties xmlns:p="http://schemas.microsoft.com/office/2006/metadata/properties" xmlns:xsi="http://www.w3.org/2001/XMLSchema-instance" xmlns:pc="http://schemas.microsoft.com/office/infopath/2007/PartnerControls">
+  <documentManagement>
+    <Status xmlns="71af3243-3dd4-4a8d-8c0d-dd76da1f02a5">Not started</Status>
+    <MediaServiceKeyPoints xmlns="71af3243-3dd4-4a8d-8c0d-dd76da1f02a5" xsi:nil="true"/>
+  </documentManagement>
+</p:properties>
 </file>
 
 <file path=customXml/itemProps1.xml><?xml version="1.0" encoding="utf-8"?>
-<ds:datastoreItem xmlns:ds="http://schemas.openxmlformats.org/officeDocument/2006/customXml" ds:itemID="{2C4C00F4-06E9-43E3-AD97-88A857CEFA82}">
+<ds:datastoreItem xmlns:ds="http://schemas.openxmlformats.org/officeDocument/2006/customXml" ds:itemID="{64B270AB-C138-415C-897E-3C24487DECF1}">
   <ds:schemaRefs>
-    <ds:schemaRef ds:uri="http://schemas.microsoft.com/office/2006/metadata/properties"/>
-    <ds:schemaRef ds:uri="http://schemas.microsoft.com/office/infopath/2007/PartnerControls"/>
-    <ds:schemaRef ds:uri="71af3243-3dd4-4a8d-8c0d-dd76da1f02a5"/>
+    <ds:schemaRef ds:uri="http://schemas.microsoft.com/sharepoint/v3/contenttype/forms"/>
   </ds:schemaRefs>
 </ds:datastoreItem>
 </file>
@@ -16553,9 +17592,11 @@
 </file>
 
 <file path=customXml/itemProps3.xml><?xml version="1.0" encoding="utf-8"?>
-<ds:datastoreItem xmlns:ds="http://schemas.openxmlformats.org/officeDocument/2006/customXml" ds:itemID="{64B270AB-C138-415C-897E-3C24487DECF1}">
+<ds:datastoreItem xmlns:ds="http://schemas.openxmlformats.org/officeDocument/2006/customXml" ds:itemID="{2C4C00F4-06E9-43E3-AD97-88A857CEFA82}">
   <ds:schemaRefs>
-    <ds:schemaRef ds:uri="http://schemas.microsoft.com/sharepoint/v3/contenttype/forms"/>
+    <ds:schemaRef ds:uri="http://schemas.microsoft.com/office/2006/metadata/properties"/>
+    <ds:schemaRef ds:uri="http://schemas.microsoft.com/office/infopath/2007/PartnerControls"/>
+    <ds:schemaRef ds:uri="71af3243-3dd4-4a8d-8c0d-dd76da1f02a5"/>
   </ds:schemaRefs>
 </ds:datastoreItem>
 </file>